--- a/materials/ch07/ch07-搭建完整的后台服务.pptx
+++ b/materials/ch07/ch07-搭建完整的后台服务.pptx
@@ -7,15 +7,15 @@
   <p:sldIdLst>
     <p:sldId id="256" r:id="rId2"/>
     <p:sldId id="276" r:id="rId3"/>
-    <p:sldId id="259" r:id="rId4"/>
-    <p:sldId id="274" r:id="rId5"/>
-    <p:sldId id="275" r:id="rId6"/>
-    <p:sldId id="264" r:id="rId7"/>
-    <p:sldId id="271" r:id="rId8"/>
-    <p:sldId id="279" r:id="rId9"/>
-    <p:sldId id="257" r:id="rId10"/>
-    <p:sldId id="260" r:id="rId11"/>
-    <p:sldId id="258" r:id="rId12"/>
+    <p:sldId id="285" r:id="rId4"/>
+    <p:sldId id="259" r:id="rId5"/>
+    <p:sldId id="274" r:id="rId6"/>
+    <p:sldId id="275" r:id="rId7"/>
+    <p:sldId id="280" r:id="rId8"/>
+    <p:sldId id="281" r:id="rId9"/>
+    <p:sldId id="286" r:id="rId10"/>
+    <p:sldId id="264" r:id="rId11"/>
+    <p:sldId id="271" r:id="rId12"/>
   </p:sldIdLst>
   <p:sldSz cx="12192000" cy="6858000"/>
   <p:notesSz cx="6858000" cy="9144000"/>
@@ -548,7 +548,7 @@
           <a:p>
             <a:fld id="{10955001-8E90-43AD-87AF-166875BDDBE4}" type="datetimeFigureOut">
               <a:rPr lang="zh-CN" altLang="en-US" smtClean="0"/>
-              <a:t>2020/8/18</a:t>
+              <a:t>2020/8/28</a:t>
             </a:fld>
             <a:endParaRPr lang="zh-CN" altLang="en-US"/>
           </a:p>
@@ -780,7 +780,7 @@
           <a:p>
             <a:fld id="{10955001-8E90-43AD-87AF-166875BDDBE4}" type="datetimeFigureOut">
               <a:rPr lang="zh-CN" altLang="en-US" smtClean="0"/>
-              <a:t>2020/8/18</a:t>
+              <a:t>2020/8/28</a:t>
             </a:fld>
             <a:endParaRPr lang="zh-CN" altLang="en-US"/>
           </a:p>
@@ -963,7 +963,7 @@
                 <a:spcPts val="1200"/>
               </a:spcBef>
               <a:defRPr sz="2000" baseline="0">
-                <a:latin typeface="Victor Mono" panose="00000509000000000000" pitchFamily="49" charset="0"/>
+                <a:latin typeface="Ubuntu Mono" panose="020B0509030602030204" pitchFamily="49" charset="0"/>
                 <a:ea typeface="思源黑体 CN Light" panose="020B0300000000000000" pitchFamily="34" charset="-122"/>
               </a:defRPr>
             </a:lvl1pPr>
@@ -975,7 +975,7 @@
                 <a:spcPts val="1200"/>
               </a:spcBef>
               <a:defRPr sz="1800" baseline="0">
-                <a:latin typeface="Victor Mono" panose="00000509000000000000" pitchFamily="49" charset="0"/>
+                <a:latin typeface="Ubuntu Mono" panose="020B0509030602030204" pitchFamily="49" charset="0"/>
                 <a:ea typeface="思源黑体 CN Light" panose="020B0300000000000000" pitchFamily="34" charset="-122"/>
               </a:defRPr>
             </a:lvl2pPr>
@@ -987,7 +987,7 @@
                 <a:spcPts val="1200"/>
               </a:spcBef>
               <a:defRPr sz="1600" baseline="0">
-                <a:latin typeface="Victor Mono" panose="00000509000000000000" pitchFamily="49" charset="0"/>
+                <a:latin typeface="Ubuntu Mono" panose="020B0509030602030204" pitchFamily="49" charset="0"/>
                 <a:ea typeface="思源黑体 CN Light" panose="020B0300000000000000" pitchFamily="34" charset="-122"/>
               </a:defRPr>
             </a:lvl3pPr>
@@ -999,7 +999,7 @@
                 <a:spcPts val="1200"/>
               </a:spcBef>
               <a:defRPr sz="1400" baseline="0">
-                <a:latin typeface="Victor Mono" panose="00000509000000000000" pitchFamily="49" charset="0"/>
+                <a:latin typeface="Ubuntu Mono" panose="020B0509030602030204" pitchFamily="49" charset="0"/>
                 <a:ea typeface="思源黑体 CN Light" panose="020B0300000000000000" pitchFamily="34" charset="-122"/>
               </a:defRPr>
             </a:lvl4pPr>
@@ -1011,7 +1011,7 @@
                 <a:spcPts val="1200"/>
               </a:spcBef>
               <a:defRPr sz="1400" baseline="0">
-                <a:latin typeface="Victor Mono" panose="00000509000000000000" pitchFamily="49" charset="0"/>
+                <a:latin typeface="Ubuntu Mono" panose="020B0509030602030204" pitchFamily="49" charset="0"/>
                 <a:ea typeface="思源黑体 CN Light" panose="020B0300000000000000" pitchFamily="34" charset="-122"/>
               </a:defRPr>
             </a:lvl5pPr>
@@ -1278,7 +1278,7 @@
           <a:p>
             <a:fld id="{10955001-8E90-43AD-87AF-166875BDDBE4}" type="datetimeFigureOut">
               <a:rPr lang="zh-CN" altLang="en-US" smtClean="0"/>
-              <a:t>2020/8/18</a:t>
+              <a:t>2020/8/28</a:t>
             </a:fld>
             <a:endParaRPr lang="zh-CN" altLang="en-US"/>
           </a:p>
@@ -1707,7 +1707,7 @@
           <a:p>
             <a:fld id="{10955001-8E90-43AD-87AF-166875BDDBE4}" type="datetimeFigureOut">
               <a:rPr lang="zh-CN" altLang="en-US" smtClean="0"/>
-              <a:t>2020/8/18</a:t>
+              <a:t>2020/8/28</a:t>
             </a:fld>
             <a:endParaRPr lang="zh-CN" altLang="en-US"/>
           </a:p>
@@ -2224,7 +2224,7 @@
           <a:p>
             <a:fld id="{10955001-8E90-43AD-87AF-166875BDDBE4}" type="datetimeFigureOut">
               <a:rPr lang="zh-CN" altLang="en-US" smtClean="0"/>
-              <a:t>2020/8/18</a:t>
+              <a:t>2020/8/28</a:t>
             </a:fld>
             <a:endParaRPr lang="zh-CN" altLang="en-US"/>
           </a:p>
@@ -2684,7 +2684,7 @@
           <a:p>
             <a:fld id="{10955001-8E90-43AD-87AF-166875BDDBE4}" type="datetimeFigureOut">
               <a:rPr lang="zh-CN" altLang="en-US" smtClean="0"/>
-              <a:t>2020/8/18</a:t>
+              <a:t>2020/8/28</a:t>
             </a:fld>
             <a:endParaRPr lang="zh-CN" altLang="en-US"/>
           </a:p>
@@ -2996,7 +2996,7 @@
           <a:p>
             <a:fld id="{10955001-8E90-43AD-87AF-166875BDDBE4}" type="datetimeFigureOut">
               <a:rPr lang="zh-CN" altLang="en-US" smtClean="0"/>
-              <a:t>2020/8/18</a:t>
+              <a:t>2020/8/28</a:t>
             </a:fld>
             <a:endParaRPr lang="zh-CN" altLang="en-US"/>
           </a:p>
@@ -3626,7 +3626,7 @@
           <p:cNvPr id="2" name="标题 1">
             <a:extLst>
               <a:ext uri="{FF2B5EF4-FFF2-40B4-BE49-F238E27FC236}">
-                <a16:creationId xmlns:a16="http://schemas.microsoft.com/office/drawing/2014/main" id="{BA5265CE-4632-41A1-A16D-031C2D9ABF73}"/>
+                <a16:creationId xmlns:a16="http://schemas.microsoft.com/office/drawing/2014/main" id="{14E9355E-652F-436C-B3B0-4D81DA18977B}"/>
               </a:ext>
             </a:extLst>
           </p:cNvPr>
@@ -3643,21 +3643,19 @@
           <a:lstStyle/>
           <a:p>
             <a:r>
-              <a:rPr lang="zh-CN" altLang="en-US">
-                <a:latin typeface="Ubuntu Mono" panose="020B0509030602030204" pitchFamily="49" charset="0"/>
-              </a:rPr>
-              <a:t>小程序远程请求示例</a:t>
-            </a:r>
-            <a:endParaRPr lang="zh-CN" altLang="en-US"/>
-          </a:p>
-        </p:txBody>
-      </p:sp>
-      <p:sp>
-        <p:nvSpPr>
-          <p:cNvPr id="4" name="内容占位符 3">
-            <a:extLst>
-              <a:ext uri="{FF2B5EF4-FFF2-40B4-BE49-F238E27FC236}">
-                <a16:creationId xmlns:a16="http://schemas.microsoft.com/office/drawing/2014/main" id="{E6A195CC-4C34-4399-978E-AE33AF0A2196}"/>
+              <a:rPr lang="zh-CN" altLang="en-US"/>
+              <a:t>前后端分离</a:t>
+            </a:r>
+            <a:endParaRPr lang="zh-CN" altLang="en-US" dirty="0"/>
+          </a:p>
+        </p:txBody>
+      </p:sp>
+      <p:sp>
+        <p:nvSpPr>
+          <p:cNvPr id="10" name="内容占位符 9">
+            <a:extLst>
+              <a:ext uri="{FF2B5EF4-FFF2-40B4-BE49-F238E27FC236}">
+                <a16:creationId xmlns:a16="http://schemas.microsoft.com/office/drawing/2014/main" id="{6491841B-3357-4BCF-8DA0-0EAD0E04D1BE}"/>
               </a:ext>
             </a:extLst>
           </p:cNvPr>
@@ -3673,14 +3671,61 @@
           <a:bodyPr/>
           <a:lstStyle/>
           <a:p>
-            <a:endParaRPr lang="zh-CN" altLang="en-US"/>
+            <a:r>
+              <a:rPr lang="zh-CN" altLang="en-US"/>
+              <a:t>前后端的分离方案是当前</a:t>
+            </a:r>
+            <a:r>
+              <a:rPr lang="en-US" altLang="zh-CN"/>
+              <a:t>Web</a:t>
+            </a:r>
+            <a:r>
+              <a:rPr lang="zh-CN" altLang="en-US"/>
+              <a:t>开发的主流，这是因为分离出来，前后端都能够比较轻松的进行开发。</a:t>
+            </a:r>
+            <a:endParaRPr lang="en-US" altLang="zh-CN"/>
+          </a:p>
+          <a:p>
+            <a:endParaRPr lang="en-US" altLang="zh-CN"/>
+          </a:p>
+          <a:p>
+            <a:r>
+              <a:rPr lang="zh-CN" altLang="en-US"/>
+              <a:t>并且，对应用的维护和升级改造都能够方便的进行，而且，动态扩展，灵活调用，后端</a:t>
+            </a:r>
+            <a:r>
+              <a:rPr lang="en-US" altLang="zh-CN"/>
+              <a:t>API</a:t>
+            </a:r>
+            <a:r>
+              <a:rPr lang="zh-CN" altLang="en-US"/>
+              <a:t>可以同时服务于页面、小程序、</a:t>
+            </a:r>
+            <a:r>
+              <a:rPr lang="en-US" altLang="zh-CN"/>
+              <a:t>App</a:t>
+            </a:r>
+            <a:r>
+              <a:rPr lang="zh-CN" altLang="en-US"/>
+              <a:t>。</a:t>
+            </a:r>
+            <a:endParaRPr lang="en-US" altLang="zh-CN"/>
+          </a:p>
+          <a:p>
+            <a:endParaRPr lang="en-US" altLang="zh-CN"/>
+          </a:p>
+          <a:p>
+            <a:r>
+              <a:rPr lang="zh-CN" altLang="en-US"/>
+              <a:t>当然，这一切都是在理想状态下的设想，尽管真实情况因为各种因素有所差异，但是也要比不分离的方案好太多。</a:t>
+            </a:r>
           </a:p>
         </p:txBody>
       </p:sp>
     </p:spTree>
     <p:extLst>
       <p:ext uri="{BB962C8B-B14F-4D97-AF65-F5344CB8AC3E}">
-        <p14:creationId xmlns:p14="http://schemas.microsoft.com/office/powerpoint/2010/main" val="2189175579"/>
+        <p14:creationId xmlns:p14="http://schemas.microsoft.com/office/powerpoint/2010/main" val="3722286286"/>
       </p:ext>
     </p:extLst>
   </p:cSld>
@@ -3707,10 +3752,116 @@
           <a:chExt cx="0" cy="0"/>
         </a:xfrm>
       </p:grpSpPr>
+      <p:sp>
+        <p:nvSpPr>
+          <p:cNvPr id="2" name="标题 1">
+            <a:extLst>
+              <a:ext uri="{FF2B5EF4-FFF2-40B4-BE49-F238E27FC236}">
+                <a16:creationId xmlns:a16="http://schemas.microsoft.com/office/drawing/2014/main" id="{0371DB66-8CF6-4B09-B21E-32ACBB76D009}"/>
+              </a:ext>
+            </a:extLst>
+          </p:cNvPr>
+          <p:cNvSpPr>
+            <a:spLocks noGrp="1"/>
+          </p:cNvSpPr>
+          <p:nvPr>
+            <p:ph type="title"/>
+          </p:nvPr>
+        </p:nvSpPr>
+        <p:spPr/>
+        <p:txBody>
+          <a:bodyPr/>
+          <a:lstStyle/>
+          <a:p>
+            <a:r>
+              <a:rPr lang="zh-CN" altLang="en-US"/>
+              <a:t>设计</a:t>
+            </a:r>
+            <a:r>
+              <a:rPr lang="en-US" altLang="zh-CN"/>
+              <a:t>API</a:t>
+            </a:r>
+            <a:r>
+              <a:rPr lang="zh-CN" altLang="en-US"/>
+              <a:t>通信规范</a:t>
+            </a:r>
+          </a:p>
+        </p:txBody>
+      </p:sp>
+      <p:sp>
+        <p:nvSpPr>
+          <p:cNvPr id="3" name="内容占位符 2">
+            <a:extLst>
+              <a:ext uri="{FF2B5EF4-FFF2-40B4-BE49-F238E27FC236}">
+                <a16:creationId xmlns:a16="http://schemas.microsoft.com/office/drawing/2014/main" id="{4657DACF-A999-4081-AAC3-B29D00F52CEE}"/>
+              </a:ext>
+            </a:extLst>
+          </p:cNvPr>
+          <p:cNvSpPr>
+            <a:spLocks noGrp="1"/>
+          </p:cNvSpPr>
+          <p:nvPr>
+            <p:ph idx="1"/>
+          </p:nvPr>
+        </p:nvSpPr>
+        <p:spPr/>
+        <p:txBody>
+          <a:bodyPr/>
+          <a:lstStyle/>
+          <a:p>
+            <a:r>
+              <a:rPr lang="zh-CN" altLang="en-US"/>
+              <a:t>前后端分离的一个关键点，就是</a:t>
+            </a:r>
+            <a:r>
+              <a:rPr lang="en-US" altLang="zh-CN"/>
+              <a:t>API</a:t>
+            </a:r>
+            <a:r>
+              <a:rPr lang="zh-CN" altLang="en-US"/>
+              <a:t>的通信规范。</a:t>
+            </a:r>
+            <a:endParaRPr lang="en-US" altLang="zh-CN"/>
+          </a:p>
+          <a:p>
+            <a:r>
+              <a:rPr lang="zh-CN" altLang="en-US"/>
+              <a:t>双方都根据一个约定好的方案进行开发，接口接收的数据格式和返回的数据格式都有明确的约定。</a:t>
+            </a:r>
+            <a:endParaRPr lang="en-US" altLang="zh-CN"/>
+          </a:p>
+          <a:p>
+            <a:r>
+              <a:rPr lang="zh-CN" altLang="en-US"/>
+              <a:t>而目前</a:t>
+            </a:r>
+            <a:r>
+              <a:rPr lang="en-US" altLang="zh-CN"/>
+              <a:t>API</a:t>
+            </a:r>
+            <a:r>
+              <a:rPr lang="zh-CN" altLang="en-US"/>
+              <a:t>使用的主流格式就是</a:t>
+            </a:r>
+            <a:r>
+              <a:rPr lang="en-US" altLang="zh-CN"/>
+              <a:t>JSON</a:t>
+            </a:r>
+            <a:r>
+              <a:rPr lang="zh-CN" altLang="en-US"/>
+              <a:t>。</a:t>
+            </a:r>
+            <a:endParaRPr lang="en-US" altLang="zh-CN"/>
+          </a:p>
+          <a:p>
+            <a:endParaRPr lang="zh-CN" altLang="en-US"/>
+          </a:p>
+        </p:txBody>
+      </p:sp>
     </p:spTree>
     <p:extLst>
       <p:ext uri="{BB962C8B-B14F-4D97-AF65-F5344CB8AC3E}">
-        <p14:creationId xmlns:p14="http://schemas.microsoft.com/office/powerpoint/2010/main" val="365098710"/>
+        <p14:creationId xmlns:p14="http://schemas.microsoft.com/office/powerpoint/2010/main" val="3767247021"/>
       </p:ext>
     </p:extLst>
   </p:cSld>
@@ -3760,17 +3911,17 @@
           <a:p>
             <a:r>
               <a:rPr lang="zh-CN" altLang="en-US"/>
-              <a:t>路由处理</a:t>
-            </a:r>
-          </a:p>
-        </p:txBody>
-      </p:sp>
-      <p:sp>
-        <p:nvSpPr>
-          <p:cNvPr id="3" name="内容占位符 2">
-            <a:extLst>
-              <a:ext uri="{FF2B5EF4-FFF2-40B4-BE49-F238E27FC236}">
-                <a16:creationId xmlns:a16="http://schemas.microsoft.com/office/drawing/2014/main" id="{985709F1-043C-4EAF-9103-29708F2D9735}"/>
+              <a:t>注意</a:t>
+            </a:r>
+          </a:p>
+        </p:txBody>
+      </p:sp>
+      <p:sp>
+        <p:nvSpPr>
+          <p:cNvPr id="12" name="内容占位符 11">
+            <a:extLst>
+              <a:ext uri="{FF2B5EF4-FFF2-40B4-BE49-F238E27FC236}">
+                <a16:creationId xmlns:a16="http://schemas.microsoft.com/office/drawing/2014/main" id="{66229DAE-E0FF-4F14-BAB7-C490E04F8F9A}"/>
               </a:ext>
             </a:extLst>
           </p:cNvPr>
@@ -3786,7 +3937,40 @@
           <a:bodyPr/>
           <a:lstStyle/>
           <a:p>
-            <a:endParaRPr lang="zh-CN" altLang="en-US"/>
+            <a:r>
+              <a:rPr lang="zh-CN" altLang="en-US"/>
+              <a:t>本章节所有内容除技术以及相关的问题讨论之外，需要更多的去参考示例代码。</a:t>
+            </a:r>
+            <a:endParaRPr lang="en-US" altLang="zh-CN"/>
+          </a:p>
+          <a:p>
+            <a:endParaRPr lang="en-US" altLang="zh-CN"/>
+          </a:p>
+          <a:p>
+            <a:r>
+              <a:rPr lang="zh-CN" altLang="en-US"/>
+              <a:t>你需要自己大量的实践来加深理解。</a:t>
+            </a:r>
+            <a:endParaRPr lang="en-US" altLang="zh-CN"/>
+          </a:p>
+          <a:p>
+            <a:endParaRPr lang="en-US" altLang="zh-CN"/>
+          </a:p>
+          <a:p>
+            <a:r>
+              <a:rPr lang="zh-CN" altLang="en-US"/>
+              <a:t>本章节所讨论的关于设计实践等方案，你需要结合自己的思考和实践形成自己的体系。</a:t>
+            </a:r>
+            <a:endParaRPr lang="en-US" altLang="zh-CN"/>
+          </a:p>
+          <a:p>
+            <a:endParaRPr lang="en-US" altLang="zh-CN"/>
+          </a:p>
+          <a:p>
+            <a:r>
+              <a:rPr lang="zh-CN" altLang="en-US"/>
+              <a:t>软件的体系和通信结构设计上，除了一些明显的要规避的问题，很多方面本就存在争论，而且并没有哪种设计方式是最好的。</a:t>
+            </a:r>
           </a:p>
         </p:txBody>
       </p:sp>
@@ -3825,7 +4009,7 @@
           <p:cNvPr id="2" name="标题 1">
             <a:extLst>
               <a:ext uri="{FF2B5EF4-FFF2-40B4-BE49-F238E27FC236}">
-                <a16:creationId xmlns:a16="http://schemas.microsoft.com/office/drawing/2014/main" id="{14E9355E-652F-436C-B3B0-4D81DA18977B}"/>
+                <a16:creationId xmlns:a16="http://schemas.microsoft.com/office/drawing/2014/main" id="{8EC316A7-C113-4E3B-B63F-E5F95F0FDEE4}"/>
               </a:ext>
             </a:extLst>
           </p:cNvPr>
@@ -3843,18 +4027,17 @@
           <a:p>
             <a:r>
               <a:rPr lang="zh-CN" altLang="en-US"/>
-              <a:t>路由处理规则</a:t>
-            </a:r>
-            <a:endParaRPr lang="zh-CN" altLang="en-US" dirty="0"/>
-          </a:p>
-        </p:txBody>
-      </p:sp>
-      <p:sp>
-        <p:nvSpPr>
-          <p:cNvPr id="4" name="内容占位符 3">
-            <a:extLst>
-              <a:ext uri="{FF2B5EF4-FFF2-40B4-BE49-F238E27FC236}">
-                <a16:creationId xmlns:a16="http://schemas.microsoft.com/office/drawing/2014/main" id="{2AFF7099-E011-4259-89C2-9564E0FDE216}"/>
+              <a:t>路由处理</a:t>
+            </a:r>
+          </a:p>
+        </p:txBody>
+      </p:sp>
+      <p:sp>
+        <p:nvSpPr>
+          <p:cNvPr id="3" name="内容占位符 2">
+            <a:extLst>
+              <a:ext uri="{FF2B5EF4-FFF2-40B4-BE49-F238E27FC236}">
+                <a16:creationId xmlns:a16="http://schemas.microsoft.com/office/drawing/2014/main" id="{985709F1-043C-4EAF-9103-29708F2D9735}"/>
               </a:ext>
             </a:extLst>
           </p:cNvPr>
@@ -3870,14 +4053,142 @@
           <a:bodyPr/>
           <a:lstStyle/>
           <a:p>
-            <a:endParaRPr lang="zh-CN" altLang="en-US"/>
+            <a:r>
+              <a:rPr lang="en-US" altLang="zh-CN">
+                <a:latin typeface="Ubuntu Mono" panose="020B0509030602030204" pitchFamily="49" charset="0"/>
+              </a:rPr>
+              <a:t>Web</a:t>
+            </a:r>
+            <a:r>
+              <a:rPr lang="zh-CN" altLang="en-US">
+                <a:latin typeface="Ubuntu Mono" panose="020B0509030602030204" pitchFamily="49" charset="0"/>
+              </a:rPr>
+              <a:t>后端路由处理的本质就是根据</a:t>
+            </a:r>
+            <a:r>
+              <a:rPr lang="en-US" altLang="zh-CN">
+                <a:latin typeface="Ubuntu Mono" panose="020B0509030602030204" pitchFamily="49" charset="0"/>
+              </a:rPr>
+              <a:t>HTTP</a:t>
+            </a:r>
+            <a:r>
+              <a:rPr lang="zh-CN" altLang="en-US">
+                <a:latin typeface="Ubuntu Mono" panose="020B0509030602030204" pitchFamily="49" charset="0"/>
+              </a:rPr>
+              <a:t>协议的起始行的路径字符串部分，找到对应的处理函数，调用处理函数并返回结果到客户端。</a:t>
+            </a:r>
+            <a:endParaRPr lang="en-US" altLang="zh-CN">
+              <a:latin typeface="Ubuntu Mono" panose="020B0509030602030204" pitchFamily="49" charset="0"/>
+            </a:endParaRPr>
+          </a:p>
+          <a:p>
+            <a:r>
+              <a:rPr lang="en-US" altLang="zh-CN">
+                <a:latin typeface="Ubuntu Mono" panose="020B0509030602030204" pitchFamily="49" charset="0"/>
+              </a:rPr>
+              <a:t>Node.js</a:t>
+            </a:r>
+            <a:r>
+              <a:rPr lang="zh-CN" altLang="en-US">
+                <a:latin typeface="Ubuntu Mono" panose="020B0509030602030204" pitchFamily="49" charset="0"/>
+              </a:rPr>
+              <a:t>提供的</a:t>
+            </a:r>
+            <a:r>
+              <a:rPr lang="en-US" altLang="zh-CN">
+                <a:latin typeface="Ubuntu Mono" panose="020B0509030602030204" pitchFamily="49" charset="0"/>
+              </a:rPr>
+              <a:t>http/https/http2</a:t>
+            </a:r>
+            <a:r>
+              <a:rPr lang="zh-CN" altLang="en-US">
+                <a:latin typeface="Ubuntu Mono" panose="020B0509030602030204" pitchFamily="49" charset="0"/>
+              </a:rPr>
+              <a:t>模块都仅仅是对</a:t>
+            </a:r>
+            <a:r>
+              <a:rPr lang="en-US" altLang="zh-CN">
+                <a:latin typeface="Ubuntu Mono" panose="020B0509030602030204" pitchFamily="49" charset="0"/>
+              </a:rPr>
+              <a:t>HTTP</a:t>
+            </a:r>
+            <a:r>
+              <a:rPr lang="zh-CN" altLang="en-US">
+                <a:latin typeface="Ubuntu Mono" panose="020B0509030602030204" pitchFamily="49" charset="0"/>
+              </a:rPr>
+              <a:t>协议的接口封装，对于路由处理、</a:t>
+            </a:r>
+            <a:r>
+              <a:rPr lang="en-US" altLang="zh-CN">
+                <a:latin typeface="Ubuntu Mono" panose="020B0509030602030204" pitchFamily="49" charset="0"/>
+              </a:rPr>
+              <a:t>body</a:t>
+            </a:r>
+            <a:r>
+              <a:rPr lang="zh-CN" altLang="en-US">
+                <a:latin typeface="Ubuntu Mono" panose="020B0509030602030204" pitchFamily="49" charset="0"/>
+              </a:rPr>
+              <a:t>数据解析等，都是需要自己实现的，或者就是使用第三方框架。</a:t>
+            </a:r>
+            <a:endParaRPr lang="en-US" altLang="zh-CN">
+              <a:latin typeface="Ubuntu Mono" panose="020B0509030602030204" pitchFamily="49" charset="0"/>
+            </a:endParaRPr>
+          </a:p>
+          <a:p>
+            <a:endParaRPr lang="en-US" altLang="zh-CN">
+              <a:latin typeface="Ubuntu Mono" panose="020B0509030602030204" pitchFamily="49" charset="0"/>
+            </a:endParaRPr>
+          </a:p>
+          <a:p>
+            <a:r>
+              <a:rPr lang="zh-CN" altLang="en-US">
+                <a:latin typeface="Ubuntu Mono" panose="020B0509030602030204" pitchFamily="49" charset="0"/>
+              </a:rPr>
+              <a:t>如果实现一个完全基于</a:t>
+            </a:r>
+            <a:r>
+              <a:rPr lang="en-US" altLang="zh-CN">
+                <a:latin typeface="Ubuntu Mono" panose="020B0509030602030204" pitchFamily="49" charset="0"/>
+              </a:rPr>
+              <a:t>JSON</a:t>
+            </a:r>
+            <a:r>
+              <a:rPr lang="zh-CN" altLang="en-US">
+                <a:latin typeface="Ubuntu Mono" panose="020B0509030602030204" pitchFamily="49" charset="0"/>
+              </a:rPr>
+              <a:t>的应用系统，可以在</a:t>
+            </a:r>
+            <a:r>
+              <a:rPr lang="en-US" altLang="zh-CN">
+                <a:latin typeface="Ubuntu Mono" panose="020B0509030602030204" pitchFamily="49" charset="0"/>
+              </a:rPr>
+              <a:t>JSON</a:t>
+            </a:r>
+            <a:r>
+              <a:rPr lang="zh-CN" altLang="en-US">
+                <a:latin typeface="Ubuntu Mono" panose="020B0509030602030204" pitchFamily="49" charset="0"/>
+              </a:rPr>
+              <a:t>中一个字段指明路径，这就相当于抛弃了</a:t>
+            </a:r>
+            <a:r>
+              <a:rPr lang="en-US" altLang="zh-CN">
+                <a:latin typeface="Ubuntu Mono" panose="020B0509030602030204" pitchFamily="49" charset="0"/>
+              </a:rPr>
+              <a:t>HTTP</a:t>
+            </a:r>
+            <a:r>
+              <a:rPr lang="zh-CN" altLang="en-US">
+                <a:latin typeface="Ubuntu Mono" panose="020B0509030602030204" pitchFamily="49" charset="0"/>
+              </a:rPr>
+              <a:t>起始行路径的作用。但是后续的处理流程没有变化。</a:t>
+            </a:r>
           </a:p>
         </p:txBody>
       </p:sp>
     </p:spTree>
     <p:extLst>
       <p:ext uri="{BB962C8B-B14F-4D97-AF65-F5344CB8AC3E}">
-        <p14:creationId xmlns:p14="http://schemas.microsoft.com/office/powerpoint/2010/main" val="3193686447"/>
+        <p14:creationId xmlns:p14="http://schemas.microsoft.com/office/powerpoint/2010/main" val="3288709670"/>
       </p:ext>
     </p:extLst>
   </p:cSld>
@@ -3909,7 +4220,7 @@
           <p:cNvPr id="2" name="标题 1">
             <a:extLst>
               <a:ext uri="{FF2B5EF4-FFF2-40B4-BE49-F238E27FC236}">
-                <a16:creationId xmlns:a16="http://schemas.microsoft.com/office/drawing/2014/main" id="{F8012090-F476-430F-B53E-B70DDD5A2638}"/>
+                <a16:creationId xmlns:a16="http://schemas.microsoft.com/office/drawing/2014/main" id="{14E9355E-652F-436C-B3B0-4D81DA18977B}"/>
               </a:ext>
             </a:extLst>
           </p:cNvPr>
@@ -3926,18 +4237,23 @@
           <a:lstStyle/>
           <a:p>
             <a:r>
-              <a:rPr lang="zh-CN" altLang="en-US"/>
-              <a:t>使用带参数路由</a:t>
-            </a:r>
-          </a:p>
-        </p:txBody>
-      </p:sp>
-      <p:sp>
-        <p:nvSpPr>
-          <p:cNvPr id="3" name="内容占位符 2">
-            <a:extLst>
-              <a:ext uri="{FF2B5EF4-FFF2-40B4-BE49-F238E27FC236}">
-                <a16:creationId xmlns:a16="http://schemas.microsoft.com/office/drawing/2014/main" id="{735F0261-95EF-4A77-903C-0C589150A92E}"/>
+              <a:rPr lang="en-US" altLang="zh-CN"/>
+              <a:t>HTTP</a:t>
+            </a:r>
+            <a:r>
+              <a:rPr lang="zh-CN" altLang="en-US"/>
+              <a:t>请求方法和路由</a:t>
+            </a:r>
+            <a:endParaRPr lang="zh-CN" altLang="en-US" dirty="0"/>
+          </a:p>
+        </p:txBody>
+      </p:sp>
+      <p:sp>
+        <p:nvSpPr>
+          <p:cNvPr id="4" name="内容占位符 3">
+            <a:extLst>
+              <a:ext uri="{FF2B5EF4-FFF2-40B4-BE49-F238E27FC236}">
+                <a16:creationId xmlns:a16="http://schemas.microsoft.com/office/drawing/2014/main" id="{2AFF7099-E011-4259-89C2-9564E0FDE216}"/>
               </a:ext>
             </a:extLst>
           </p:cNvPr>
@@ -3953,14 +4269,102 @@
           <a:bodyPr/>
           <a:lstStyle/>
           <a:p>
-            <a:endParaRPr lang="zh-CN" altLang="en-US"/>
+            <a:r>
+              <a:rPr lang="zh-CN" altLang="en-US"/>
+              <a:t>有些</a:t>
+            </a:r>
+            <a:r>
+              <a:rPr lang="en-US" altLang="zh-CN"/>
+              <a:t>HTTP</a:t>
+            </a:r>
+            <a:r>
+              <a:rPr lang="zh-CN" altLang="en-US"/>
+              <a:t>服务端的框架都采用这样的路由方案：先查找路径，之后看有没有对应的请求方法（比如</a:t>
+            </a:r>
+            <a:r>
+              <a:rPr lang="en-US" altLang="zh-CN"/>
+              <a:t>GET</a:t>
+            </a:r>
+            <a:r>
+              <a:rPr lang="zh-CN" altLang="en-US"/>
+              <a:t>、</a:t>
+            </a:r>
+            <a:r>
+              <a:rPr lang="en-US" altLang="zh-CN"/>
+              <a:t>POST</a:t>
+            </a:r>
+            <a:r>
+              <a:rPr lang="zh-CN" altLang="en-US"/>
+              <a:t>）。</a:t>
+            </a:r>
+            <a:endParaRPr lang="en-US" altLang="zh-CN"/>
+          </a:p>
+          <a:p>
+            <a:endParaRPr lang="en-US" altLang="zh-CN"/>
+          </a:p>
+          <a:p>
+            <a:r>
+              <a:rPr lang="zh-CN" altLang="en-US"/>
+              <a:t>另一种路由设计方案是先看请求方法，然后查找对应请求方法上有没有针对此路径处理的函数。</a:t>
+            </a:r>
+            <a:endParaRPr lang="en-US" altLang="zh-CN"/>
+          </a:p>
+          <a:p>
+            <a:endParaRPr lang="en-US" altLang="zh-CN"/>
+          </a:p>
+          <a:p>
+            <a:r>
+              <a:rPr lang="zh-CN" altLang="en-US"/>
+              <a:t>早期的很多应用都只使用两个</a:t>
+            </a:r>
+            <a:r>
+              <a:rPr lang="en-US" altLang="zh-CN"/>
+              <a:t>HTTP</a:t>
+            </a:r>
+            <a:r>
+              <a:rPr lang="zh-CN" altLang="en-US"/>
+              <a:t>的请求类型：</a:t>
+            </a:r>
+            <a:r>
+              <a:rPr lang="en-US" altLang="zh-CN"/>
+              <a:t>GET</a:t>
+            </a:r>
+            <a:r>
+              <a:rPr lang="zh-CN" altLang="en-US"/>
+              <a:t>和</a:t>
+            </a:r>
+            <a:r>
+              <a:rPr lang="en-US" altLang="zh-CN"/>
+              <a:t>POST</a:t>
+            </a:r>
+            <a:r>
+              <a:rPr lang="zh-CN" altLang="en-US"/>
+              <a:t>。这时候</a:t>
+            </a:r>
+            <a:r>
+              <a:rPr lang="en-US" altLang="zh-CN"/>
+              <a:t>URL</a:t>
+            </a:r>
+            <a:r>
+              <a:rPr lang="zh-CN" altLang="en-US"/>
+              <a:t>的设计就变得比较复杂，其实很多早期的系统设计对</a:t>
+            </a:r>
+            <a:r>
+              <a:rPr lang="en-US" altLang="zh-CN"/>
+              <a:t>HTTP</a:t>
+            </a:r>
+            <a:r>
+              <a:rPr lang="zh-CN" altLang="en-US"/>
+              <a:t>是有一些误用的，有些安全问题也是这样导致的。</a:t>
+            </a:r>
+            <a:endParaRPr lang="en-US" altLang="zh-CN"/>
           </a:p>
         </p:txBody>
       </p:sp>
     </p:spTree>
     <p:extLst>
       <p:ext uri="{BB962C8B-B14F-4D97-AF65-F5344CB8AC3E}">
-        <p14:creationId xmlns:p14="http://schemas.microsoft.com/office/powerpoint/2010/main" val="4103007565"/>
+        <p14:creationId xmlns:p14="http://schemas.microsoft.com/office/powerpoint/2010/main" val="3193686447"/>
       </p:ext>
     </p:extLst>
   </p:cSld>
@@ -3992,7 +4396,7 @@
           <p:cNvPr id="2" name="标题 1">
             <a:extLst>
               <a:ext uri="{FF2B5EF4-FFF2-40B4-BE49-F238E27FC236}">
-                <a16:creationId xmlns:a16="http://schemas.microsoft.com/office/drawing/2014/main" id="{A120AA4C-488A-4AAD-94EF-B1988083690E}"/>
+                <a16:creationId xmlns:a16="http://schemas.microsoft.com/office/drawing/2014/main" id="{F8012090-F476-430F-B53E-B70DDD5A2638}"/>
               </a:ext>
             </a:extLst>
           </p:cNvPr>
@@ -4009,10 +4413,9 @@
           <a:lstStyle/>
           <a:p>
             <a:r>
-              <a:rPr lang="en-US" altLang="zh-CN"/>
-              <a:t>RESTFul API</a:t>
-            </a:r>
-            <a:endParaRPr lang="zh-CN" altLang="en-US"/>
+              <a:rPr lang="zh-CN" altLang="en-US"/>
+              <a:t>使用带参数路由</a:t>
+            </a:r>
           </a:p>
         </p:txBody>
       </p:sp>
@@ -4021,7 +4424,7 @@
           <p:cNvPr id="3" name="内容占位符 2">
             <a:extLst>
               <a:ext uri="{FF2B5EF4-FFF2-40B4-BE49-F238E27FC236}">
-                <a16:creationId xmlns:a16="http://schemas.microsoft.com/office/drawing/2014/main" id="{97085026-6C03-498C-998E-FB0B7B216CCD}"/>
+                <a16:creationId xmlns:a16="http://schemas.microsoft.com/office/drawing/2014/main" id="{735F0261-95EF-4A77-903C-0C589150A92E}"/>
               </a:ext>
             </a:extLst>
           </p:cNvPr>
@@ -4037,14 +4440,319 @@
           <a:bodyPr/>
           <a:lstStyle/>
           <a:p>
+            <a:r>
+              <a:rPr lang="zh-CN" altLang="en-US"/>
+              <a:t>在设计上，通过程序的处理，可以实现带参数的路由。</a:t>
+            </a:r>
+            <a:endParaRPr lang="en-US" altLang="zh-CN"/>
+          </a:p>
+          <a:p>
+            <a:r>
+              <a:rPr lang="zh-CN" altLang="en-US"/>
+              <a:t>比如设定好路由</a:t>
+            </a:r>
+            <a:r>
+              <a:rPr lang="en-US" altLang="zh-CN"/>
+              <a:t>/user/:name</a:t>
+            </a:r>
+            <a:r>
+              <a:rPr lang="zh-CN" altLang="en-US"/>
+              <a:t>。客户端访问的路径是</a:t>
+            </a:r>
+            <a:r>
+              <a:rPr lang="en-US" altLang="zh-CN"/>
+              <a:t>/user/wang</a:t>
+            </a:r>
+            <a:r>
+              <a:rPr lang="zh-CN" altLang="en-US"/>
+              <a:t>。这里的</a:t>
+            </a:r>
+            <a:r>
+              <a:rPr lang="en-US" altLang="zh-CN"/>
+              <a:t>name</a:t>
+            </a:r>
+            <a:r>
+              <a:rPr lang="zh-CN" altLang="en-US"/>
+              <a:t>就是一个可以随意变化的参数，而客户端请求时，</a:t>
+            </a:r>
+            <a:r>
+              <a:rPr lang="en-US" altLang="zh-CN"/>
+              <a:t>wang</a:t>
+            </a:r>
+            <a:r>
+              <a:rPr lang="zh-CN" altLang="en-US"/>
+              <a:t>就是</a:t>
+            </a:r>
+            <a:r>
+              <a:rPr lang="en-US" altLang="zh-CN"/>
+              <a:t>name</a:t>
+            </a:r>
+            <a:r>
+              <a:rPr lang="zh-CN" altLang="en-US"/>
+              <a:t>。</a:t>
+            </a:r>
+            <a:endParaRPr lang="en-US" altLang="zh-CN"/>
+          </a:p>
+          <a:p>
+            <a:r>
+              <a:rPr lang="zh-CN" altLang="en-US"/>
+              <a:t>具体的示例要看代码，下图是一个简要的示例。</a:t>
+            </a:r>
+            <a:endParaRPr lang="en-US" altLang="zh-CN"/>
+          </a:p>
+          <a:p>
             <a:endParaRPr lang="zh-CN" altLang="en-US"/>
+          </a:p>
+        </p:txBody>
+      </p:sp>
+      <p:pic>
+        <p:nvPicPr>
+          <p:cNvPr id="5" name="图片 4">
+            <a:extLst>
+              <a:ext uri="{FF2B5EF4-FFF2-40B4-BE49-F238E27FC236}">
+                <a16:creationId xmlns:a16="http://schemas.microsoft.com/office/drawing/2014/main" id="{ECA6AB49-606B-4354-BA95-B249E9646DA7}"/>
+              </a:ext>
+            </a:extLst>
+          </p:cNvPr>
+          <p:cNvPicPr>
+            <a:picLocks noChangeAspect="1"/>
+          </p:cNvPicPr>
+          <p:nvPr/>
+        </p:nvPicPr>
+        <p:blipFill>
+          <a:blip r:embed="rId2">
+            <a:extLst>
+              <a:ext uri="{28A0092B-C50C-407E-A947-70E740481C1C}">
+                <a14:useLocalDpi xmlns:a14="http://schemas.microsoft.com/office/drawing/2010/main" val="0"/>
+              </a:ext>
+            </a:extLst>
+          </a:blip>
+          <a:stretch>
+            <a:fillRect/>
+          </a:stretch>
+        </p:blipFill>
+        <p:spPr>
+          <a:xfrm>
+            <a:off x="1042015" y="3824815"/>
+            <a:ext cx="4861285" cy="942494"/>
+          </a:xfrm>
+          <a:prstGeom prst="rect">
+            <a:avLst/>
+          </a:prstGeom>
+        </p:spPr>
+      </p:pic>
+      <p:pic>
+        <p:nvPicPr>
+          <p:cNvPr id="7" name="图片 6">
+            <a:extLst>
+              <a:ext uri="{FF2B5EF4-FFF2-40B4-BE49-F238E27FC236}">
+                <a16:creationId xmlns:a16="http://schemas.microsoft.com/office/drawing/2014/main" id="{0CBA634D-C290-4F52-AB71-34F15D81C41C}"/>
+              </a:ext>
+            </a:extLst>
+          </p:cNvPr>
+          <p:cNvPicPr>
+            <a:picLocks noChangeAspect="1"/>
+          </p:cNvPicPr>
+          <p:nvPr/>
+        </p:nvPicPr>
+        <p:blipFill>
+          <a:blip r:embed="rId3">
+            <a:extLst>
+              <a:ext uri="{28A0092B-C50C-407E-A947-70E740481C1C}">
+                <a14:useLocalDpi xmlns:a14="http://schemas.microsoft.com/office/drawing/2010/main" val="0"/>
+              </a:ext>
+            </a:extLst>
+          </a:blip>
+          <a:stretch>
+            <a:fillRect/>
+          </a:stretch>
+        </p:blipFill>
+        <p:spPr>
+          <a:xfrm>
+            <a:off x="5903299" y="4973901"/>
+            <a:ext cx="5264835" cy="1125058"/>
+          </a:xfrm>
+          <a:prstGeom prst="rect">
+            <a:avLst/>
+          </a:prstGeom>
+        </p:spPr>
+      </p:pic>
+      <p:grpSp>
+        <p:nvGrpSpPr>
+          <p:cNvPr id="8" name="组合 7">
+            <a:extLst>
+              <a:ext uri="{FF2B5EF4-FFF2-40B4-BE49-F238E27FC236}">
+                <a16:creationId xmlns:a16="http://schemas.microsoft.com/office/drawing/2014/main" id="{EF4ECA0D-177A-4779-98C1-9722C72BE85F}"/>
+              </a:ext>
+            </a:extLst>
+          </p:cNvPr>
+          <p:cNvGrpSpPr/>
+          <p:nvPr/>
+        </p:nvGrpSpPr>
+        <p:grpSpPr>
+          <a:xfrm rot="10800000">
+            <a:off x="3274613" y="4518233"/>
+            <a:ext cx="2443019" cy="1252252"/>
+            <a:chOff x="4606270" y="1534603"/>
+            <a:chExt cx="3898536" cy="2939743"/>
+          </a:xfrm>
+        </p:grpSpPr>
+        <p:cxnSp>
+          <p:nvCxnSpPr>
+            <p:cNvPr id="9" name="直接箭头连接符 8">
+              <a:extLst>
+                <a:ext uri="{FF2B5EF4-FFF2-40B4-BE49-F238E27FC236}">
+                  <a16:creationId xmlns:a16="http://schemas.microsoft.com/office/drawing/2014/main" id="{0AE00278-9A92-4937-9BA7-23D238F87745}"/>
+                </a:ext>
+              </a:extLst>
+            </p:cNvPr>
+            <p:cNvCxnSpPr>
+              <a:cxnSpLocks/>
+            </p:cNvCxnSpPr>
+            <p:nvPr/>
+          </p:nvCxnSpPr>
+          <p:spPr>
+            <a:xfrm flipH="1">
+              <a:off x="4606270" y="1534603"/>
+              <a:ext cx="3898536" cy="0"/>
+            </a:xfrm>
+            <a:prstGeom prst="straightConnector1">
+              <a:avLst/>
+            </a:prstGeom>
+            <a:ln w="12700">
+              <a:solidFill>
+                <a:schemeClr val="bg2">
+                  <a:lumMod val="25000"/>
+                </a:schemeClr>
+              </a:solidFill>
+              <a:prstDash val="dash"/>
+              <a:tailEnd type="triangle"/>
+            </a:ln>
+          </p:spPr>
+          <p:style>
+            <a:lnRef idx="1">
+              <a:schemeClr val="accent1"/>
+            </a:lnRef>
+            <a:fillRef idx="0">
+              <a:schemeClr val="accent1"/>
+            </a:fillRef>
+            <a:effectRef idx="0">
+              <a:schemeClr val="accent1"/>
+            </a:effectRef>
+            <a:fontRef idx="minor">
+              <a:schemeClr val="tx1"/>
+            </a:fontRef>
+          </p:style>
+        </p:cxnSp>
+        <p:cxnSp>
+          <p:nvCxnSpPr>
+            <p:cNvPr id="10" name="直接箭头连接符 9">
+              <a:extLst>
+                <a:ext uri="{FF2B5EF4-FFF2-40B4-BE49-F238E27FC236}">
+                  <a16:creationId xmlns:a16="http://schemas.microsoft.com/office/drawing/2014/main" id="{DA7E40EF-8DCF-434A-BC83-D410029B304C}"/>
+                </a:ext>
+              </a:extLst>
+            </p:cNvPr>
+            <p:cNvCxnSpPr>
+              <a:cxnSpLocks/>
+            </p:cNvCxnSpPr>
+            <p:nvPr/>
+          </p:nvCxnSpPr>
+          <p:spPr>
+            <a:xfrm flipV="1">
+              <a:off x="8504806" y="1534603"/>
+              <a:ext cx="0" cy="2939743"/>
+            </a:xfrm>
+            <a:prstGeom prst="straightConnector1">
+              <a:avLst/>
+            </a:prstGeom>
+            <a:ln w="12700">
+              <a:solidFill>
+                <a:schemeClr val="bg2">
+                  <a:lumMod val="25000"/>
+                </a:schemeClr>
+              </a:solidFill>
+              <a:prstDash val="dash"/>
+              <a:headEnd type="none" w="med" len="med"/>
+              <a:tailEnd type="none" w="med" len="med"/>
+            </a:ln>
+          </p:spPr>
+          <p:style>
+            <a:lnRef idx="1">
+              <a:schemeClr val="accent1"/>
+            </a:lnRef>
+            <a:fillRef idx="0">
+              <a:schemeClr val="accent1"/>
+            </a:fillRef>
+            <a:effectRef idx="0">
+              <a:schemeClr val="accent1"/>
+            </a:effectRef>
+            <a:fontRef idx="minor">
+              <a:schemeClr val="tx1"/>
+            </a:fontRef>
+          </p:style>
+        </p:cxnSp>
+      </p:grpSp>
+      <p:sp>
+        <p:nvSpPr>
+          <p:cNvPr id="12" name="文本框 11">
+            <a:extLst>
+              <a:ext uri="{FF2B5EF4-FFF2-40B4-BE49-F238E27FC236}">
+                <a16:creationId xmlns:a16="http://schemas.microsoft.com/office/drawing/2014/main" id="{2F7084F5-C0FF-4A27-8CD1-F61BBEBC6FC5}"/>
+              </a:ext>
+            </a:extLst>
+          </p:cNvPr>
+          <p:cNvSpPr txBox="1"/>
+          <p:nvPr/>
+        </p:nvSpPr>
+        <p:spPr>
+          <a:xfrm>
+            <a:off x="7211989" y="4701636"/>
+            <a:ext cx="3964617" cy="307777"/>
+          </a:xfrm>
+          <a:prstGeom prst="rect">
+            <a:avLst/>
+          </a:prstGeom>
+          <a:solidFill>
+            <a:schemeClr val="bg1">
+              <a:lumMod val="95000"/>
+            </a:schemeClr>
+          </a:solidFill>
+          <a:ln>
+            <a:noFill/>
+          </a:ln>
+          <a:effectLst>
+            <a:outerShdw blurRad="50800" dist="38100" dir="5400000" algn="t" rotWithShape="0">
+              <a:prstClr val="black">
+                <a:alpha val="40000"/>
+              </a:prstClr>
+            </a:outerShdw>
+          </a:effectLst>
+        </p:spPr>
+        <p:txBody>
+          <a:bodyPr wrap="square" rtlCol="0">
+            <a:spAutoFit/>
+          </a:bodyPr>
+          <a:lstStyle/>
+          <a:p>
+            <a:pPr marL="285750" indent="-285750">
+              <a:buFont typeface="Arial" panose="020B0604020202020204" pitchFamily="34" charset="0"/>
+              <a:buChar char="•"/>
+            </a:pPr>
+            <a:r>
+              <a:rPr lang="zh-CN" altLang="en-US" sz="1400">
+                <a:latin typeface="Ubuntu Mono" panose="020B0509030602030204" pitchFamily="49" charset="0"/>
+                <a:ea typeface="思源黑体 CN Light" panose="020B0300000000000000" pitchFamily="34" charset="-122"/>
+              </a:rPr>
+              <a:t>浏览器访问返回结果</a:t>
+            </a:r>
           </a:p>
         </p:txBody>
       </p:sp>
     </p:spTree>
     <p:extLst>
       <p:ext uri="{BB962C8B-B14F-4D97-AF65-F5344CB8AC3E}">
-        <p14:creationId xmlns:p14="http://schemas.microsoft.com/office/powerpoint/2010/main" val="3930959555"/>
+        <p14:creationId xmlns:p14="http://schemas.microsoft.com/office/powerpoint/2010/main" val="4103007565"/>
       </p:ext>
     </p:extLst>
   </p:cSld>
@@ -4076,7 +4784,7 @@
           <p:cNvPr id="2" name="标题 1">
             <a:extLst>
               <a:ext uri="{FF2B5EF4-FFF2-40B4-BE49-F238E27FC236}">
-                <a16:creationId xmlns:a16="http://schemas.microsoft.com/office/drawing/2014/main" id="{14E9355E-652F-436C-B3B0-4D81DA18977B}"/>
+                <a16:creationId xmlns:a16="http://schemas.microsoft.com/office/drawing/2014/main" id="{A120AA4C-488A-4AAD-94EF-B1988083690E}"/>
               </a:ext>
             </a:extLst>
           </p:cNvPr>
@@ -4093,19 +4801,19 @@
           <a:lstStyle/>
           <a:p>
             <a:r>
-              <a:rPr lang="zh-CN" altLang="en-US"/>
-              <a:t>前后端分离</a:t>
-            </a:r>
-            <a:endParaRPr lang="zh-CN" altLang="en-US" dirty="0"/>
-          </a:p>
-        </p:txBody>
-      </p:sp>
-      <p:sp>
-        <p:nvSpPr>
-          <p:cNvPr id="10" name="内容占位符 9">
-            <a:extLst>
-              <a:ext uri="{FF2B5EF4-FFF2-40B4-BE49-F238E27FC236}">
-                <a16:creationId xmlns:a16="http://schemas.microsoft.com/office/drawing/2014/main" id="{6491841B-3357-4BCF-8DA0-0EAD0E04D1BE}"/>
+              <a:rPr lang="en-US" altLang="zh-CN"/>
+              <a:t>RESTful</a:t>
+            </a:r>
+            <a:endParaRPr lang="zh-CN" altLang="en-US"/>
+          </a:p>
+        </p:txBody>
+      </p:sp>
+      <p:sp>
+        <p:nvSpPr>
+          <p:cNvPr id="3" name="内容占位符 2">
+            <a:extLst>
+              <a:ext uri="{FF2B5EF4-FFF2-40B4-BE49-F238E27FC236}">
+                <a16:creationId xmlns:a16="http://schemas.microsoft.com/office/drawing/2014/main" id="{97085026-6C03-498C-998E-FB0B7B216CCD}"/>
               </a:ext>
             </a:extLst>
           </p:cNvPr>
@@ -4121,14 +4829,238 @@
           <a:bodyPr/>
           <a:lstStyle/>
           <a:p>
-            <a:endParaRPr lang="zh-CN" altLang="en-US"/>
+            <a:r>
+              <a:rPr lang="en-US" altLang="zh-CN"/>
+              <a:t>REST</a:t>
+            </a:r>
+            <a:r>
+              <a:rPr lang="zh-CN" altLang="en-US"/>
+              <a:t>是</a:t>
+            </a:r>
+            <a:r>
+              <a:rPr lang="en-US" altLang="zh-CN"/>
+              <a:t>Representational State Transfer</a:t>
+            </a:r>
+            <a:r>
+              <a:rPr lang="zh-CN" altLang="en-US"/>
+              <a:t>的缩写，翻译为‘表现层状态转移’。</a:t>
+            </a:r>
+            <a:endParaRPr lang="en-US" altLang="zh-CN"/>
+          </a:p>
+          <a:p>
+            <a:r>
+              <a:rPr lang="en-US" altLang="zh-CN"/>
+              <a:t>REST</a:t>
+            </a:r>
+            <a:r>
+              <a:rPr lang="zh-CN" altLang="en-US"/>
+              <a:t>只是网络架构的一些规则，如果你设计的系统完全遵循</a:t>
+            </a:r>
+            <a:r>
+              <a:rPr lang="en-US" altLang="zh-CN"/>
+              <a:t>REST</a:t>
+            </a:r>
+            <a:r>
+              <a:rPr lang="zh-CN" altLang="en-US"/>
+              <a:t>，就称为</a:t>
+            </a:r>
+            <a:r>
+              <a:rPr lang="en-US" altLang="zh-CN"/>
+              <a:t>RESTful</a:t>
+            </a:r>
+            <a:r>
+              <a:rPr lang="zh-CN" altLang="en-US"/>
+              <a:t>架构。</a:t>
+            </a:r>
+            <a:endParaRPr lang="en-US" altLang="zh-CN"/>
+          </a:p>
+          <a:p>
+            <a:r>
+              <a:rPr lang="zh-CN" altLang="en-US"/>
+              <a:t>关于</a:t>
+            </a:r>
+            <a:r>
+              <a:rPr lang="en-US" altLang="zh-CN"/>
+              <a:t>RESTful</a:t>
+            </a:r>
+            <a:r>
+              <a:rPr lang="zh-CN" altLang="en-US"/>
+              <a:t>的描述，你可以在网上找到非常多的资料，但是见解往往有所不同，所有你能看到的资料，都不要不假思索的接收，你应该自己去实践。</a:t>
+            </a:r>
+            <a:endParaRPr lang="en-US" altLang="zh-CN"/>
+          </a:p>
+          <a:p>
+            <a:endParaRPr lang="en-US" altLang="zh-CN"/>
+          </a:p>
+          <a:p>
+            <a:r>
+              <a:rPr lang="zh-CN" altLang="en-US"/>
+              <a:t>这里不会大篇幅介绍</a:t>
+            </a:r>
+            <a:r>
+              <a:rPr lang="en-US" altLang="zh-CN"/>
+              <a:t>RESTful</a:t>
+            </a:r>
+            <a:r>
+              <a:rPr lang="zh-CN" altLang="en-US"/>
+              <a:t>基础相关的东西。而是说一些自己的见解。</a:t>
+            </a:r>
+            <a:endParaRPr lang="en-US" altLang="zh-CN"/>
+          </a:p>
+        </p:txBody>
+      </p:sp>
+      <p:sp>
+        <p:nvSpPr>
+          <p:cNvPr id="5" name="文本框 4">
+            <a:extLst>
+              <a:ext uri="{FF2B5EF4-FFF2-40B4-BE49-F238E27FC236}">
+                <a16:creationId xmlns:a16="http://schemas.microsoft.com/office/drawing/2014/main" id="{DAE1AE27-21A4-410A-85B9-04BFCA1DC921}"/>
+              </a:ext>
+            </a:extLst>
+          </p:cNvPr>
+          <p:cNvSpPr txBox="1"/>
+          <p:nvPr/>
+        </p:nvSpPr>
+        <p:spPr>
+          <a:xfrm>
+            <a:off x="838201" y="5065623"/>
+            <a:ext cx="10338406" cy="1323439"/>
+          </a:xfrm>
+          <a:prstGeom prst="rect">
+            <a:avLst/>
+          </a:prstGeom>
+          <a:solidFill>
+            <a:schemeClr val="bg1">
+              <a:lumMod val="95000"/>
+            </a:schemeClr>
+          </a:solidFill>
+          <a:ln>
+            <a:noFill/>
+          </a:ln>
+          <a:effectLst>
+            <a:outerShdw blurRad="50800" dist="38100" dir="5400000" algn="t" rotWithShape="0">
+              <a:prstClr val="black">
+                <a:alpha val="40000"/>
+              </a:prstClr>
+            </a:outerShdw>
+          </a:effectLst>
+        </p:spPr>
+        <p:txBody>
+          <a:bodyPr wrap="square" rtlCol="0">
+            <a:spAutoFit/>
+          </a:bodyPr>
+          <a:lstStyle/>
+          <a:p>
+            <a:pPr marL="285750" indent="-285750">
+              <a:buFont typeface="Arial" panose="020B0604020202020204" pitchFamily="34" charset="0"/>
+              <a:buChar char="•"/>
+            </a:pPr>
+            <a:r>
+              <a:rPr lang="en-US" altLang="zh-CN" sz="1600">
+                <a:latin typeface="Ubuntu Mono" panose="020B0509030602030204" pitchFamily="49" charset="0"/>
+                <a:ea typeface="思源黑体 CN Light" panose="020B0300000000000000" pitchFamily="34" charset="-122"/>
+              </a:rPr>
+              <a:t>Roy Thomas Fielding</a:t>
+            </a:r>
+            <a:r>
+              <a:rPr lang="zh-CN" altLang="en-US" sz="1600">
+                <a:latin typeface="Ubuntu Mono" panose="020B0509030602030204" pitchFamily="49" charset="0"/>
+                <a:ea typeface="思源黑体 CN Light" panose="020B0300000000000000" pitchFamily="34" charset="-122"/>
+              </a:rPr>
+              <a:t> 提出</a:t>
+            </a:r>
+            <a:r>
+              <a:rPr lang="en-US" altLang="zh-CN" sz="1600">
+                <a:latin typeface="Ubuntu Mono" panose="020B0509030602030204" pitchFamily="49" charset="0"/>
+                <a:ea typeface="思源黑体 CN Light" panose="020B0300000000000000" pitchFamily="34" charset="-122"/>
+              </a:rPr>
+              <a:t>REST</a:t>
+            </a:r>
+            <a:r>
+              <a:rPr lang="zh-CN" altLang="en-US" sz="1600">
+                <a:latin typeface="Ubuntu Mono" panose="020B0509030602030204" pitchFamily="49" charset="0"/>
+                <a:ea typeface="思源黑体 CN Light" panose="020B0300000000000000" pitchFamily="34" charset="-122"/>
+              </a:rPr>
+              <a:t>的博士论文链接</a:t>
+            </a:r>
+            <a:endParaRPr lang="en-US" altLang="zh-CN" sz="1600">
+              <a:latin typeface="Ubuntu Mono" panose="020B0509030602030204" pitchFamily="49" charset="0"/>
+              <a:ea typeface="思源黑体 CN Light" panose="020B0300000000000000" pitchFamily="34" charset="-122"/>
+            </a:endParaRPr>
+          </a:p>
+          <a:p>
+            <a:pPr lvl="2"/>
+            <a:r>
+              <a:rPr lang="en-US" altLang="zh-CN" sz="1600">
+                <a:latin typeface="Ubuntu Mono" panose="020B0509030602030204" pitchFamily="49" charset="0"/>
+              </a:rPr>
+              <a:t>https://www.ics.uci.edu/~fielding/pubs/dissertation/top.htm</a:t>
+            </a:r>
+            <a:endParaRPr lang="zh-CN" altLang="en-US" sz="1600">
+              <a:latin typeface="Ubuntu Mono" panose="020B0509030602030204" pitchFamily="49" charset="0"/>
+            </a:endParaRPr>
+          </a:p>
+          <a:p>
+            <a:pPr marL="285750" indent="-285750">
+              <a:buFont typeface="Arial" panose="020B0604020202020204" pitchFamily="34" charset="0"/>
+              <a:buChar char="•"/>
+            </a:pPr>
+            <a:endParaRPr lang="en-US" altLang="zh-CN" sz="1600">
+              <a:latin typeface="Ubuntu Mono" panose="020B0509030602030204" pitchFamily="49" charset="0"/>
+              <a:ea typeface="思源黑体 CN Light" panose="020B0300000000000000" pitchFamily="34" charset="-122"/>
+            </a:endParaRPr>
+          </a:p>
+          <a:p>
+            <a:pPr marL="285750" indent="-285750">
+              <a:buFont typeface="Arial" panose="020B0604020202020204" pitchFamily="34" charset="0"/>
+              <a:buChar char="•"/>
+            </a:pPr>
+            <a:r>
+              <a:rPr lang="zh-CN" altLang="en-US" sz="1600">
+                <a:latin typeface="Ubuntu Mono" panose="020B0509030602030204" pitchFamily="49" charset="0"/>
+                <a:ea typeface="思源黑体 CN Light" panose="020B0300000000000000" pitchFamily="34" charset="-122"/>
+              </a:rPr>
+              <a:t>关于</a:t>
+            </a:r>
+            <a:r>
+              <a:rPr lang="en-US" altLang="zh-CN" sz="1600">
+                <a:latin typeface="Ubuntu Mono" panose="020B0509030602030204" pitchFamily="49" charset="0"/>
+                <a:ea typeface="思源黑体 CN Light" panose="020B0300000000000000" pitchFamily="34" charset="-122"/>
+              </a:rPr>
+              <a:t>RESTful</a:t>
+            </a:r>
+            <a:r>
+              <a:rPr lang="zh-CN" altLang="en-US" sz="1600">
+                <a:latin typeface="Ubuntu Mono" panose="020B0509030602030204" pitchFamily="49" charset="0"/>
+                <a:ea typeface="思源黑体 CN Light" panose="020B0300000000000000" pitchFamily="34" charset="-122"/>
+              </a:rPr>
+              <a:t>的介绍</a:t>
+            </a:r>
+            <a:endParaRPr lang="en-US" altLang="zh-CN" sz="1600">
+              <a:latin typeface="Ubuntu Mono" panose="020B0509030602030204" pitchFamily="49" charset="0"/>
+              <a:ea typeface="思源黑体 CN Light" panose="020B0300000000000000" pitchFamily="34" charset="-122"/>
+            </a:endParaRPr>
+          </a:p>
+          <a:p>
+            <a:pPr lvl="2"/>
+            <a:r>
+              <a:rPr lang="en-US" altLang="zh-CN" sz="1600">
+                <a:latin typeface="Ubuntu Mono" panose="020B0509030602030204" pitchFamily="49" charset="0"/>
+                <a:ea typeface="思源黑体 CN Light" panose="020B0300000000000000" pitchFamily="34" charset="-122"/>
+              </a:rPr>
+              <a:t>https://www.runoob.com/w3cnote/restful-architecture.html</a:t>
+            </a:r>
+            <a:endParaRPr lang="zh-CN" altLang="en-US" sz="1600">
+              <a:latin typeface="Ubuntu Mono" panose="020B0509030602030204" pitchFamily="49" charset="0"/>
+              <a:ea typeface="思源黑体 CN Light" panose="020B0300000000000000" pitchFamily="34" charset="-122"/>
+            </a:endParaRPr>
           </a:p>
         </p:txBody>
       </p:sp>
     </p:spTree>
     <p:extLst>
       <p:ext uri="{BB962C8B-B14F-4D97-AF65-F5344CB8AC3E}">
-        <p14:creationId xmlns:p14="http://schemas.microsoft.com/office/powerpoint/2010/main" val="3722286286"/>
+        <p14:creationId xmlns:p14="http://schemas.microsoft.com/office/powerpoint/2010/main" val="3930959555"/>
       </p:ext>
     </p:extLst>
   </p:cSld>
@@ -4160,7 +5092,7 @@
           <p:cNvPr id="2" name="标题 1">
             <a:extLst>
               <a:ext uri="{FF2B5EF4-FFF2-40B4-BE49-F238E27FC236}">
-                <a16:creationId xmlns:a16="http://schemas.microsoft.com/office/drawing/2014/main" id="{0371DB66-8CF6-4B09-B21E-32ACBB76D009}"/>
+                <a16:creationId xmlns:a16="http://schemas.microsoft.com/office/drawing/2014/main" id="{A120AA4C-488A-4AAD-94EF-B1988083690E}"/>
               </a:ext>
             </a:extLst>
           </p:cNvPr>
@@ -4177,8 +5109,84 @@
           <a:lstStyle/>
           <a:p>
             <a:r>
-              <a:rPr lang="zh-CN" altLang="en-US"/>
-              <a:t>设计</a:t>
+              <a:rPr lang="en-US" altLang="zh-CN"/>
+              <a:t>RESTful</a:t>
+            </a:r>
+            <a:r>
+              <a:rPr lang="zh-CN" altLang="en-US"/>
+              <a:t>设计风格</a:t>
+            </a:r>
+          </a:p>
+        </p:txBody>
+      </p:sp>
+      <p:sp>
+        <p:nvSpPr>
+          <p:cNvPr id="3" name="内容占位符 2">
+            <a:extLst>
+              <a:ext uri="{FF2B5EF4-FFF2-40B4-BE49-F238E27FC236}">
+                <a16:creationId xmlns:a16="http://schemas.microsoft.com/office/drawing/2014/main" id="{97085026-6C03-498C-998E-FB0B7B216CCD}"/>
+              </a:ext>
+            </a:extLst>
+          </p:cNvPr>
+          <p:cNvSpPr>
+            <a:spLocks noGrp="1"/>
+          </p:cNvSpPr>
+          <p:nvPr>
+            <p:ph idx="1"/>
+          </p:nvPr>
+        </p:nvSpPr>
+        <p:spPr/>
+        <p:txBody>
+          <a:bodyPr/>
+          <a:lstStyle/>
+          <a:p>
+            <a:r>
+              <a:rPr lang="zh-CN" altLang="en-US"/>
+              <a:t>依据</a:t>
+            </a:r>
+            <a:r>
+              <a:rPr lang="en-US" altLang="zh-CN"/>
+              <a:t>REST</a:t>
+            </a:r>
+            <a:r>
+              <a:rPr lang="zh-CN" altLang="en-US"/>
+              <a:t>原则，就是要充分利用</a:t>
+            </a:r>
+            <a:r>
+              <a:rPr lang="en-US" altLang="zh-CN"/>
+              <a:t>HTTP</a:t>
+            </a:r>
+            <a:r>
+              <a:rPr lang="zh-CN" altLang="en-US"/>
+              <a:t>协议来实现应用，而不是仅仅把</a:t>
+            </a:r>
+            <a:r>
+              <a:rPr lang="en-US" altLang="zh-CN"/>
+              <a:t>HTTP</a:t>
+            </a:r>
+            <a:r>
+              <a:rPr lang="zh-CN" altLang="en-US"/>
+              <a:t>作为一个数据的传输协议。</a:t>
+            </a:r>
+            <a:endParaRPr lang="en-US" altLang="zh-CN"/>
+          </a:p>
+          <a:p>
+            <a:endParaRPr lang="en-US" altLang="zh-CN"/>
+          </a:p>
+          <a:p>
+            <a:r>
+              <a:rPr lang="zh-CN" altLang="en-US"/>
+              <a:t>对于路由的设计、请求方法的使用，大部分情况下都是可以达到一致的。这在后面的代码示例会详细说明。</a:t>
+            </a:r>
+            <a:endParaRPr lang="en-US" altLang="zh-CN"/>
+          </a:p>
+          <a:p>
+            <a:endParaRPr lang="en-US" altLang="zh-CN"/>
+          </a:p>
+          <a:p>
+            <a:r>
+              <a:rPr lang="zh-CN" altLang="en-US"/>
+              <a:t>容易导致争论的地方在于，对于</a:t>
             </a:r>
             <a:r>
               <a:rPr lang="en-US" altLang="zh-CN"/>
@@ -4186,40 +5194,31 @@
             </a:r>
             <a:r>
               <a:rPr lang="zh-CN" altLang="en-US"/>
-              <a:t>通信规范</a:t>
-            </a:r>
-          </a:p>
-        </p:txBody>
-      </p:sp>
-      <p:sp>
-        <p:nvSpPr>
-          <p:cNvPr id="3" name="内容占位符 2">
-            <a:extLst>
-              <a:ext uri="{FF2B5EF4-FFF2-40B4-BE49-F238E27FC236}">
-                <a16:creationId xmlns:a16="http://schemas.microsoft.com/office/drawing/2014/main" id="{4657DACF-A999-4081-AAC3-B29D00F52CEE}"/>
-              </a:ext>
-            </a:extLst>
-          </p:cNvPr>
-          <p:cNvSpPr>
-            <a:spLocks noGrp="1"/>
-          </p:cNvSpPr>
-          <p:nvPr>
-            <p:ph idx="1"/>
-          </p:nvPr>
-        </p:nvSpPr>
-        <p:spPr/>
-        <p:txBody>
-          <a:bodyPr/>
-          <a:lstStyle/>
-          <a:p>
-            <a:endParaRPr lang="zh-CN" altLang="en-US"/>
+              <a:t>的状态码，是要直接使用</a:t>
+            </a:r>
+            <a:r>
+              <a:rPr lang="en-US" altLang="zh-CN"/>
+              <a:t>HTTP</a:t>
+            </a:r>
+            <a:r>
+              <a:rPr lang="zh-CN" altLang="en-US"/>
+              <a:t>的状态码，还是要在返回的</a:t>
+            </a:r>
+            <a:r>
+              <a:rPr lang="en-US" altLang="zh-CN"/>
+              <a:t>JSON</a:t>
+            </a:r>
+            <a:r>
+              <a:rPr lang="zh-CN" altLang="en-US"/>
+              <a:t>中携带一个描述状态的字段。</a:t>
+            </a:r>
           </a:p>
         </p:txBody>
       </p:sp>
     </p:spTree>
     <p:extLst>
       <p:ext uri="{BB962C8B-B14F-4D97-AF65-F5344CB8AC3E}">
-        <p14:creationId xmlns:p14="http://schemas.microsoft.com/office/powerpoint/2010/main" val="3767247021"/>
+        <p14:creationId xmlns:p14="http://schemas.microsoft.com/office/powerpoint/2010/main" val="3603749162"/>
       </p:ext>
     </p:extLst>
   </p:cSld>
@@ -4251,7 +5250,7 @@
           <p:cNvPr id="2" name="标题 1">
             <a:extLst>
               <a:ext uri="{FF2B5EF4-FFF2-40B4-BE49-F238E27FC236}">
-                <a16:creationId xmlns:a16="http://schemas.microsoft.com/office/drawing/2014/main" id="{AA674828-64B6-4C32-B35B-D025E6426C20}"/>
+                <a16:creationId xmlns:a16="http://schemas.microsoft.com/office/drawing/2014/main" id="{A120AA4C-488A-4AAD-94EF-B1988083690E}"/>
               </a:ext>
             </a:extLst>
           </p:cNvPr>
@@ -4269,7 +5268,7 @@
           <a:p>
             <a:r>
               <a:rPr lang="zh-CN" altLang="en-US"/>
-              <a:t>前后端分离示例</a:t>
+              <a:t>不要跟风标准</a:t>
             </a:r>
           </a:p>
         </p:txBody>
@@ -4279,7 +5278,7 @@
           <p:cNvPr id="3" name="内容占位符 2">
             <a:extLst>
               <a:ext uri="{FF2B5EF4-FFF2-40B4-BE49-F238E27FC236}">
-                <a16:creationId xmlns:a16="http://schemas.microsoft.com/office/drawing/2014/main" id="{A652301B-06FD-4058-9A45-5A37D3BA95F4}"/>
+                <a16:creationId xmlns:a16="http://schemas.microsoft.com/office/drawing/2014/main" id="{97085026-6C03-498C-998E-FB0B7B216CCD}"/>
               </a:ext>
             </a:extLst>
           </p:cNvPr>
@@ -4295,14 +5294,82 @@
           <a:bodyPr/>
           <a:lstStyle/>
           <a:p>
-            <a:endParaRPr lang="zh-CN" altLang="en-US"/>
+            <a:r>
+              <a:rPr lang="zh-CN" altLang="en-US"/>
+              <a:t>任何标准、准则都是基于当下的情况提出的，任何人都相信，标准不可能解决所有问题，标准也会出问题，而且有时候制定的标准完全不符合实际。这从</a:t>
+            </a:r>
+            <a:r>
+              <a:rPr lang="en-US" altLang="zh-CN"/>
+              <a:t>HTTP/1.1</a:t>
+            </a:r>
+            <a:r>
+              <a:rPr lang="zh-CN" altLang="en-US"/>
+              <a:t>的复杂性以及所带来的问题就可以看出来。</a:t>
+            </a:r>
+            <a:endParaRPr lang="en-US" altLang="zh-CN"/>
+          </a:p>
+          <a:p>
+            <a:endParaRPr lang="en-US" altLang="zh-CN"/>
+          </a:p>
+          <a:p>
+            <a:r>
+              <a:rPr lang="en-US" altLang="zh-CN"/>
+              <a:t>SOAP</a:t>
+            </a:r>
+            <a:r>
+              <a:rPr lang="zh-CN" altLang="en-US"/>
+              <a:t>、</a:t>
+            </a:r>
+            <a:r>
+              <a:rPr lang="en-US" altLang="zh-CN"/>
+              <a:t>RESTful···</a:t>
+            </a:r>
+            <a:r>
+              <a:rPr lang="zh-CN" altLang="en-US"/>
+              <a:t>，每一个都是为了解决某一时期遇到的问题，但是也都无法涵盖复杂的现实情况。</a:t>
+            </a:r>
+            <a:endParaRPr lang="en-US" altLang="zh-CN"/>
+          </a:p>
+          <a:p>
+            <a:endParaRPr lang="en-US" altLang="zh-CN"/>
+          </a:p>
+          <a:p>
+            <a:r>
+              <a:rPr lang="zh-CN" altLang="en-US"/>
+              <a:t>所以，我们可以是使用并不完全的</a:t>
+            </a:r>
+            <a:r>
+              <a:rPr lang="en-US" altLang="zh-CN"/>
+              <a:t>REST</a:t>
+            </a:r>
+            <a:r>
+              <a:rPr lang="zh-CN" altLang="en-US"/>
+              <a:t>，可以称为</a:t>
+            </a:r>
+            <a:r>
+              <a:rPr lang="en-US" altLang="zh-CN"/>
+              <a:t>RESTnf</a:t>
+            </a:r>
+            <a:r>
+              <a:rPr lang="zh-CN" altLang="en-US"/>
+              <a:t>（</a:t>
+            </a:r>
+            <a:r>
+              <a:rPr lang="en-US" altLang="zh-CN"/>
+              <a:t>REST not ful</a:t>
+            </a:r>
+            <a:r>
+              <a:rPr lang="zh-CN" altLang="en-US"/>
+              <a:t>）。不完全的部分是根据实际情况做的最实用的设计。</a:t>
+            </a:r>
+            <a:endParaRPr lang="en-US" altLang="zh-CN"/>
           </a:p>
         </p:txBody>
       </p:sp>
     </p:spTree>
     <p:extLst>
       <p:ext uri="{BB962C8B-B14F-4D97-AF65-F5344CB8AC3E}">
-        <p14:creationId xmlns:p14="http://schemas.microsoft.com/office/powerpoint/2010/main" val="3444132504"/>
+        <p14:creationId xmlns:p14="http://schemas.microsoft.com/office/powerpoint/2010/main" val="3448224285"/>
       </p:ext>
     </p:extLst>
   </p:cSld>
@@ -4334,7 +5401,7 @@
           <p:cNvPr id="2" name="标题 1">
             <a:extLst>
               <a:ext uri="{FF2B5EF4-FFF2-40B4-BE49-F238E27FC236}">
-                <a16:creationId xmlns:a16="http://schemas.microsoft.com/office/drawing/2014/main" id="{14E9355E-652F-436C-B3B0-4D81DA18977B}"/>
+                <a16:creationId xmlns:a16="http://schemas.microsoft.com/office/drawing/2014/main" id="{5E5F8AA1-D0B8-4A86-9588-6C3785F17B48}"/>
               </a:ext>
             </a:extLst>
           </p:cNvPr>
@@ -4352,18 +5419,17 @@
           <a:p>
             <a:r>
               <a:rPr lang="zh-CN" altLang="en-US"/>
-              <a:t>配置小程序后台服务域名</a:t>
-            </a:r>
-            <a:endParaRPr lang="zh-CN" altLang="en-US" dirty="0"/>
-          </a:p>
-        </p:txBody>
-      </p:sp>
-      <p:sp>
-        <p:nvSpPr>
-          <p:cNvPr id="11" name="内容占位符 10">
-            <a:extLst>
-              <a:ext uri="{FF2B5EF4-FFF2-40B4-BE49-F238E27FC236}">
-                <a16:creationId xmlns:a16="http://schemas.microsoft.com/office/drawing/2014/main" id="{722BB35D-6C21-4F0B-A227-B152A483727A}"/>
+              <a:t>话语权</a:t>
+            </a:r>
+          </a:p>
+        </p:txBody>
+      </p:sp>
+      <p:sp>
+        <p:nvSpPr>
+          <p:cNvPr id="3" name="内容占位符 2">
+            <a:extLst>
+              <a:ext uri="{FF2B5EF4-FFF2-40B4-BE49-F238E27FC236}">
+                <a16:creationId xmlns:a16="http://schemas.microsoft.com/office/drawing/2014/main" id="{FA2B8F71-E88C-48D7-A5B8-59E1A1CA9DBA}"/>
               </a:ext>
             </a:extLst>
           </p:cNvPr>
@@ -4379,14 +5445,37 @@
           <a:bodyPr/>
           <a:lstStyle/>
           <a:p>
-            <a:endParaRPr lang="zh-CN" altLang="en-US"/>
+            <a:r>
+              <a:rPr lang="zh-CN" altLang="en-US"/>
+              <a:t>这很重要，因为除了以上提到的问题，还有一个情况，就是来自于现实情况的复杂。公司对现实需求的考虑，技术领导对未来方向的考虑都有可能影响到最终的实现。</a:t>
+            </a:r>
+            <a:endParaRPr lang="en-US" altLang="zh-CN"/>
+          </a:p>
+          <a:p>
+            <a:endParaRPr lang="en-US" altLang="zh-CN"/>
+          </a:p>
+          <a:p>
+            <a:r>
+              <a:rPr lang="zh-CN" altLang="en-US"/>
+              <a:t>当你真正参与工作，很可能，设计架构不是你考虑的，架构师设计好之后，作为开发者，你只需要按照设计规范去执行。</a:t>
+            </a:r>
+            <a:endParaRPr lang="en-US" altLang="zh-CN"/>
+          </a:p>
+          <a:p>
+            <a:endParaRPr lang="en-US" altLang="zh-CN"/>
+          </a:p>
+          <a:p>
+            <a:r>
+              <a:rPr lang="zh-CN" altLang="en-US"/>
+              <a:t>至于已经成型的系统，也就不得不沿用旧有的设计。</a:t>
+            </a:r>
           </a:p>
         </p:txBody>
       </p:sp>
     </p:spTree>
     <p:extLst>
       <p:ext uri="{BB962C8B-B14F-4D97-AF65-F5344CB8AC3E}">
-        <p14:creationId xmlns:p14="http://schemas.microsoft.com/office/powerpoint/2010/main" val="2052499412"/>
+        <p14:creationId xmlns:p14="http://schemas.microsoft.com/office/powerpoint/2010/main" val="1350689695"/>
       </p:ext>
     </p:extLst>
   </p:cSld>

--- a/materials/ch07/ch07-搭建完整的后台服务.pptx
+++ b/materials/ch07/ch07-搭建完整的后台服务.pptx
@@ -12,10 +12,11 @@
     <p:sldId id="274" r:id="rId6"/>
     <p:sldId id="275" r:id="rId7"/>
     <p:sldId id="280" r:id="rId8"/>
-    <p:sldId id="281" r:id="rId9"/>
-    <p:sldId id="286" r:id="rId10"/>
-    <p:sldId id="264" r:id="rId11"/>
-    <p:sldId id="271" r:id="rId12"/>
+    <p:sldId id="287" r:id="rId9"/>
+    <p:sldId id="281" r:id="rId10"/>
+    <p:sldId id="286" r:id="rId11"/>
+    <p:sldId id="264" r:id="rId12"/>
+    <p:sldId id="271" r:id="rId13"/>
   </p:sldIdLst>
   <p:sldSz cx="12192000" cy="6858000"/>
   <p:notesSz cx="6858000" cy="9144000"/>
@@ -3626,6 +3627,112 @@
           <p:cNvPr id="2" name="标题 1">
             <a:extLst>
               <a:ext uri="{FF2B5EF4-FFF2-40B4-BE49-F238E27FC236}">
+                <a16:creationId xmlns:a16="http://schemas.microsoft.com/office/drawing/2014/main" id="{5E5F8AA1-D0B8-4A86-9588-6C3785F17B48}"/>
+              </a:ext>
+            </a:extLst>
+          </p:cNvPr>
+          <p:cNvSpPr>
+            <a:spLocks noGrp="1"/>
+          </p:cNvSpPr>
+          <p:nvPr>
+            <p:ph type="title"/>
+          </p:nvPr>
+        </p:nvSpPr>
+        <p:spPr/>
+        <p:txBody>
+          <a:bodyPr/>
+          <a:lstStyle/>
+          <a:p>
+            <a:r>
+              <a:rPr lang="zh-CN" altLang="en-US"/>
+              <a:t>话语权</a:t>
+            </a:r>
+          </a:p>
+        </p:txBody>
+      </p:sp>
+      <p:sp>
+        <p:nvSpPr>
+          <p:cNvPr id="3" name="内容占位符 2">
+            <a:extLst>
+              <a:ext uri="{FF2B5EF4-FFF2-40B4-BE49-F238E27FC236}">
+                <a16:creationId xmlns:a16="http://schemas.microsoft.com/office/drawing/2014/main" id="{FA2B8F71-E88C-48D7-A5B8-59E1A1CA9DBA}"/>
+              </a:ext>
+            </a:extLst>
+          </p:cNvPr>
+          <p:cNvSpPr>
+            <a:spLocks noGrp="1"/>
+          </p:cNvSpPr>
+          <p:nvPr>
+            <p:ph idx="1"/>
+          </p:nvPr>
+        </p:nvSpPr>
+        <p:spPr/>
+        <p:txBody>
+          <a:bodyPr/>
+          <a:lstStyle/>
+          <a:p>
+            <a:r>
+              <a:rPr lang="zh-CN" altLang="en-US"/>
+              <a:t>这很重要，因为除了以上提到的问题，还有一个情况，就是来自于现实情况的复杂。公司对现实需求的考虑，技术领导对未来方向的考虑都有可能影响到最终的实现。</a:t>
+            </a:r>
+            <a:endParaRPr lang="en-US" altLang="zh-CN"/>
+          </a:p>
+          <a:p>
+            <a:endParaRPr lang="en-US" altLang="zh-CN"/>
+          </a:p>
+          <a:p>
+            <a:r>
+              <a:rPr lang="zh-CN" altLang="en-US"/>
+              <a:t>当你真正参与工作，很可能，设计架构不是你考虑的，架构师设计好之后，作为开发者，你只需要按照设计规范去执行。</a:t>
+            </a:r>
+            <a:endParaRPr lang="en-US" altLang="zh-CN"/>
+          </a:p>
+          <a:p>
+            <a:endParaRPr lang="en-US" altLang="zh-CN"/>
+          </a:p>
+          <a:p>
+            <a:r>
+              <a:rPr lang="zh-CN" altLang="en-US"/>
+              <a:t>至于已经成型的系统，也就不得不沿用旧有的设计。</a:t>
+            </a:r>
+          </a:p>
+        </p:txBody>
+      </p:sp>
+    </p:spTree>
+    <p:extLst>
+      <p:ext uri="{BB962C8B-B14F-4D97-AF65-F5344CB8AC3E}">
+        <p14:creationId xmlns:p14="http://schemas.microsoft.com/office/powerpoint/2010/main" val="1350689695"/>
+      </p:ext>
+    </p:extLst>
+  </p:cSld>
+  <p:clrMapOvr>
+    <a:masterClrMapping/>
+  </p:clrMapOvr>
+</p:sld>
+</file>
+
+<file path=ppt/slides/slide11.xml><?xml version="1.0" encoding="utf-8"?>
+<p:sld xmlns:a="http://schemas.openxmlformats.org/drawingml/2006/main" xmlns:r="http://schemas.openxmlformats.org/officeDocument/2006/relationships" xmlns:p="http://schemas.openxmlformats.org/presentationml/2006/main">
+  <p:cSld>
+    <p:spTree>
+      <p:nvGrpSpPr>
+        <p:cNvPr id="1" name=""/>
+        <p:cNvGrpSpPr/>
+        <p:nvPr/>
+      </p:nvGrpSpPr>
+      <p:grpSpPr>
+        <a:xfrm>
+          <a:off x="0" y="0"/>
+          <a:ext cx="0" cy="0"/>
+          <a:chOff x="0" y="0"/>
+          <a:chExt cx="0" cy="0"/>
+        </a:xfrm>
+      </p:grpSpPr>
+      <p:sp>
+        <p:nvSpPr>
+          <p:cNvPr id="2" name="标题 1">
+            <a:extLst>
+              <a:ext uri="{FF2B5EF4-FFF2-40B4-BE49-F238E27FC236}">
                 <a16:creationId xmlns:a16="http://schemas.microsoft.com/office/drawing/2014/main" id="{14E9355E-652F-436C-B3B0-4D81DA18977B}"/>
               </a:ext>
             </a:extLst>
@@ -3735,7 +3842,7 @@
 </p:sld>
 </file>
 
-<file path=ppt/slides/slide11.xml><?xml version="1.0" encoding="utf-8"?>
+<file path=ppt/slides/slide12.xml><?xml version="1.0" encoding="utf-8"?>
 <p:sld xmlns:a="http://schemas.openxmlformats.org/drawingml/2006/main" xmlns:r="http://schemas.openxmlformats.org/officeDocument/2006/relationships" xmlns:p="http://schemas.openxmlformats.org/presentationml/2006/main">
   <p:cSld>
     <p:spTree>
@@ -5166,35 +5273,7 @@
             </a:r>
             <a:r>
               <a:rPr lang="zh-CN" altLang="en-US"/>
-              <a:t>作为一个数据的传输协议。</a:t>
-            </a:r>
-            <a:endParaRPr lang="en-US" altLang="zh-CN"/>
-          </a:p>
-          <a:p>
-            <a:endParaRPr lang="en-US" altLang="zh-CN"/>
-          </a:p>
-          <a:p>
-            <a:r>
-              <a:rPr lang="zh-CN" altLang="en-US"/>
-              <a:t>对于路由的设计、请求方法的使用，大部分情况下都是可以达到一致的。这在后面的代码示例会详细说明。</a:t>
-            </a:r>
-            <a:endParaRPr lang="en-US" altLang="zh-CN"/>
-          </a:p>
-          <a:p>
-            <a:endParaRPr lang="en-US" altLang="zh-CN"/>
-          </a:p>
-          <a:p>
-            <a:r>
-              <a:rPr lang="zh-CN" altLang="en-US"/>
-              <a:t>容易导致争论的地方在于，对于</a:t>
-            </a:r>
-            <a:r>
-              <a:rPr lang="en-US" altLang="zh-CN"/>
-              <a:t>API</a:t>
-            </a:r>
-            <a:r>
-              <a:rPr lang="zh-CN" altLang="en-US"/>
-              <a:t>的状态码，是要直接使用</a:t>
+              <a:t>作为一个数据的传输协议。当然这也意味着，你设计的应用是完全依赖于</a:t>
             </a:r>
             <a:r>
               <a:rPr lang="en-US" altLang="zh-CN"/>
@@ -5202,16 +5281,19 @@
             </a:r>
             <a:r>
               <a:rPr lang="zh-CN" altLang="en-US"/>
-              <a:t>的状态码，还是要在返回的</a:t>
-            </a:r>
-            <a:r>
-              <a:rPr lang="en-US" altLang="zh-CN"/>
-              <a:t>JSON</a:t>
-            </a:r>
-            <a:r>
-              <a:rPr lang="zh-CN" altLang="en-US"/>
-              <a:t>中携带一个描述状态的字段。</a:t>
-            </a:r>
+              <a:t>的。</a:t>
+            </a:r>
+            <a:endParaRPr lang="en-US" altLang="zh-CN"/>
+          </a:p>
+          <a:p>
+            <a:endParaRPr lang="en-US" altLang="zh-CN"/>
+          </a:p>
+          <a:p>
+            <a:r>
+              <a:rPr lang="zh-CN" altLang="en-US"/>
+              <a:t>对于路由的设计、请求方法的使用，大部分情况下都是可以达到意见一致的（注意示例代码的路由方式）。</a:t>
+            </a:r>
+            <a:endParaRPr lang="en-US" altLang="zh-CN"/>
           </a:p>
         </p:txBody>
       </p:sp>
@@ -5250,7 +5332,7 @@
           <p:cNvPr id="2" name="标题 1">
             <a:extLst>
               <a:ext uri="{FF2B5EF4-FFF2-40B4-BE49-F238E27FC236}">
-                <a16:creationId xmlns:a16="http://schemas.microsoft.com/office/drawing/2014/main" id="{A120AA4C-488A-4AAD-94EF-B1988083690E}"/>
+                <a16:creationId xmlns:a16="http://schemas.microsoft.com/office/drawing/2014/main" id="{E73FF08C-D2CD-4B21-B910-551939B48580}"/>
               </a:ext>
             </a:extLst>
           </p:cNvPr>
@@ -5267,8 +5349,12 @@
           <a:lstStyle/>
           <a:p>
             <a:r>
-              <a:rPr lang="zh-CN" altLang="en-US"/>
-              <a:t>不要跟风标准</a:t>
+              <a:rPr lang="en-US" altLang="zh-CN"/>
+              <a:t>RESTful</a:t>
+            </a:r>
+            <a:r>
+              <a:rPr lang="zh-CN" altLang="en-US"/>
+              <a:t>设计风格</a:t>
             </a:r>
           </a:p>
         </p:txBody>
@@ -5278,7 +5364,7 @@
           <p:cNvPr id="3" name="内容占位符 2">
             <a:extLst>
               <a:ext uri="{FF2B5EF4-FFF2-40B4-BE49-F238E27FC236}">
-                <a16:creationId xmlns:a16="http://schemas.microsoft.com/office/drawing/2014/main" id="{97085026-6C03-498C-998E-FB0B7B216CCD}"/>
+                <a16:creationId xmlns:a16="http://schemas.microsoft.com/office/drawing/2014/main" id="{9CE674D7-CA7E-48E0-B794-8FC8FF7B6DE3}"/>
               </a:ext>
             </a:extLst>
           </p:cNvPr>
@@ -5296,15 +5382,31 @@
           <a:p>
             <a:r>
               <a:rPr lang="zh-CN" altLang="en-US"/>
-              <a:t>任何标准、准则都是基于当下的情况提出的，任何人都相信，标准不可能解决所有问题，标准也会出问题，而且有时候制定的标准完全不符合实际。这从</a:t>
+              <a:t>容易导致争论的地方在于，对于</a:t>
             </a:r>
             <a:r>
               <a:rPr lang="en-US" altLang="zh-CN"/>
-              <a:t>HTTP/1.1</a:t>
-            </a:r>
-            <a:r>
-              <a:rPr lang="zh-CN" altLang="en-US"/>
-              <a:t>的复杂性以及所带来的问题就可以看出来。</a:t>
+              <a:t>API</a:t>
+            </a:r>
+            <a:r>
+              <a:rPr lang="zh-CN" altLang="en-US"/>
+              <a:t>的调用状态，是要直接使用</a:t>
+            </a:r>
+            <a:r>
+              <a:rPr lang="en-US" altLang="zh-CN"/>
+              <a:t>HTTP</a:t>
+            </a:r>
+            <a:r>
+              <a:rPr lang="zh-CN" altLang="en-US"/>
+              <a:t>的状态码，还是要在返回的</a:t>
+            </a:r>
+            <a:r>
+              <a:rPr lang="en-US" altLang="zh-CN"/>
+              <a:t>JSON</a:t>
+            </a:r>
+            <a:r>
+              <a:rPr lang="zh-CN" altLang="en-US"/>
+              <a:t>中携带一个描述状态的字段。</a:t>
             </a:r>
             <a:endParaRPr lang="en-US" altLang="zh-CN"/>
           </a:p>
@@ -5312,55 +5414,91 @@
             <a:endParaRPr lang="en-US" altLang="zh-CN"/>
           </a:p>
           <a:p>
+            <a:r>
+              <a:rPr lang="zh-CN" altLang="en-US"/>
+              <a:t>对于</a:t>
+            </a:r>
+            <a:r>
+              <a:rPr lang="en-US" altLang="zh-CN"/>
+              <a:t>JSON</a:t>
+            </a:r>
+            <a:r>
+              <a:rPr lang="zh-CN" altLang="en-US"/>
+              <a:t>自带状态码的情况，这相当于在</a:t>
+            </a:r>
+            <a:r>
+              <a:rPr lang="en-US" altLang="zh-CN"/>
+              <a:t>HTTP</a:t>
+            </a:r>
+            <a:r>
+              <a:rPr lang="zh-CN" altLang="en-US"/>
+              <a:t>基础上又做了一层自己的通信格式。就是仅仅把</a:t>
+            </a:r>
+            <a:r>
+              <a:rPr lang="en-US" altLang="zh-CN"/>
+              <a:t>HTTP</a:t>
+            </a:r>
+            <a:r>
+              <a:rPr lang="zh-CN" altLang="en-US"/>
+              <a:t>作为传输协议。这也意味着，如果你基于</a:t>
+            </a:r>
+            <a:r>
+              <a:rPr lang="en-US" altLang="zh-CN"/>
+              <a:t>TCP/UDP</a:t>
+            </a:r>
+            <a:r>
+              <a:rPr lang="zh-CN" altLang="en-US"/>
+              <a:t>或是</a:t>
+            </a:r>
+            <a:r>
+              <a:rPr lang="en-US" altLang="zh-CN"/>
+              <a:t>WebSocket</a:t>
+            </a:r>
+            <a:r>
+              <a:rPr lang="zh-CN" altLang="en-US"/>
+              <a:t>传输</a:t>
+            </a:r>
+            <a:r>
+              <a:rPr lang="en-US" altLang="zh-CN"/>
+              <a:t>JSON</a:t>
+            </a:r>
+            <a:r>
+              <a:rPr lang="zh-CN" altLang="en-US"/>
+              <a:t>进行通信也是可以的。</a:t>
+            </a:r>
+            <a:endParaRPr lang="en-US" altLang="zh-CN"/>
+          </a:p>
+          <a:p>
+            <a:endParaRPr lang="en-US" altLang="zh-CN"/>
+          </a:p>
+          <a:p>
+            <a:r>
+              <a:rPr lang="zh-CN" altLang="en-US"/>
+              <a:t>其实就类似于</a:t>
+            </a:r>
             <a:r>
               <a:rPr lang="en-US" altLang="zh-CN"/>
               <a:t>SOAP</a:t>
             </a:r>
             <a:r>
               <a:rPr lang="zh-CN" altLang="en-US"/>
-              <a:t>、</a:t>
+              <a:t>，只是</a:t>
             </a:r>
             <a:r>
               <a:rPr lang="en-US" altLang="zh-CN"/>
-              <a:t>RESTful···</a:t>
-            </a:r>
-            <a:r>
-              <a:rPr lang="zh-CN" altLang="en-US"/>
-              <a:t>，每一个都是为了解决某一时期遇到的问题，但是也都无法涵盖复杂的现实情况。</a:t>
-            </a:r>
-            <a:endParaRPr lang="en-US" altLang="zh-CN"/>
-          </a:p>
-          <a:p>
-            <a:endParaRPr lang="en-US" altLang="zh-CN"/>
-          </a:p>
-          <a:p>
-            <a:r>
-              <a:rPr lang="zh-CN" altLang="en-US"/>
-              <a:t>所以，我们可以是使用并不完全的</a:t>
+              <a:t>SOAP</a:t>
+            </a:r>
+            <a:r>
+              <a:rPr lang="zh-CN" altLang="en-US"/>
+              <a:t>是基于</a:t>
             </a:r>
             <a:r>
               <a:rPr lang="en-US" altLang="zh-CN"/>
-              <a:t>REST</a:t>
-            </a:r>
-            <a:r>
-              <a:rPr lang="zh-CN" altLang="en-US"/>
-              <a:t>，可以称为</a:t>
-            </a:r>
-            <a:r>
-              <a:rPr lang="en-US" altLang="zh-CN"/>
-              <a:t>RESTnf</a:t>
-            </a:r>
-            <a:r>
-              <a:rPr lang="zh-CN" altLang="en-US"/>
-              <a:t>（</a:t>
-            </a:r>
-            <a:r>
-              <a:rPr lang="en-US" altLang="zh-CN"/>
-              <a:t>REST not ful</a:t>
-            </a:r>
-            <a:r>
-              <a:rPr lang="zh-CN" altLang="en-US"/>
-              <a:t>）。不完全的部分是根据实际情况做的最实用的设计。</a:t>
+              <a:t>XML</a:t>
+            </a:r>
+            <a:r>
+              <a:rPr lang="zh-CN" altLang="en-US"/>
+              <a:t>的，并且要复杂，解析起来也更慢。</a:t>
             </a:r>
             <a:endParaRPr lang="en-US" altLang="zh-CN"/>
           </a:p>
@@ -5369,7 +5507,7 @@
     </p:spTree>
     <p:extLst>
       <p:ext uri="{BB962C8B-B14F-4D97-AF65-F5344CB8AC3E}">
-        <p14:creationId xmlns:p14="http://schemas.microsoft.com/office/powerpoint/2010/main" val="3448224285"/>
+        <p14:creationId xmlns:p14="http://schemas.microsoft.com/office/powerpoint/2010/main" val="269057005"/>
       </p:ext>
     </p:extLst>
   </p:cSld>
@@ -5401,7 +5539,7 @@
           <p:cNvPr id="2" name="标题 1">
             <a:extLst>
               <a:ext uri="{FF2B5EF4-FFF2-40B4-BE49-F238E27FC236}">
-                <a16:creationId xmlns:a16="http://schemas.microsoft.com/office/drawing/2014/main" id="{5E5F8AA1-D0B8-4A86-9588-6C3785F17B48}"/>
+                <a16:creationId xmlns:a16="http://schemas.microsoft.com/office/drawing/2014/main" id="{A120AA4C-488A-4AAD-94EF-B1988083690E}"/>
               </a:ext>
             </a:extLst>
           </p:cNvPr>
@@ -5419,7 +5557,7 @@
           <a:p>
             <a:r>
               <a:rPr lang="zh-CN" altLang="en-US"/>
-              <a:t>话语权</a:t>
+              <a:t>不要跟风标准</a:t>
             </a:r>
           </a:p>
         </p:txBody>
@@ -5429,7 +5567,7 @@
           <p:cNvPr id="3" name="内容占位符 2">
             <a:extLst>
               <a:ext uri="{FF2B5EF4-FFF2-40B4-BE49-F238E27FC236}">
-                <a16:creationId xmlns:a16="http://schemas.microsoft.com/office/drawing/2014/main" id="{FA2B8F71-E88C-48D7-A5B8-59E1A1CA9DBA}"/>
+                <a16:creationId xmlns:a16="http://schemas.microsoft.com/office/drawing/2014/main" id="{97085026-6C03-498C-998E-FB0B7B216CCD}"/>
               </a:ext>
             </a:extLst>
           </p:cNvPr>
@@ -5447,7 +5585,15 @@
           <a:p>
             <a:r>
               <a:rPr lang="zh-CN" altLang="en-US"/>
-              <a:t>这很重要，因为除了以上提到的问题，还有一个情况，就是来自于现实情况的复杂。公司对现实需求的考虑，技术领导对未来方向的考虑都有可能影响到最终的实现。</a:t>
+              <a:t>任何标准、准则都是基于当下的情况提出的，任何人都相信，标准不可能解决所有问题，标准也会出问题，而且有时候制定的标准完全不符合实际。这从</a:t>
+            </a:r>
+            <a:r>
+              <a:rPr lang="en-US" altLang="zh-CN"/>
+              <a:t>HTTP/1.1</a:t>
+            </a:r>
+            <a:r>
+              <a:rPr lang="zh-CN" altLang="en-US"/>
+              <a:t>的复杂性以及所带来的问题就可以看出来。</a:t>
             </a:r>
             <a:endParaRPr lang="en-US" altLang="zh-CN"/>
           </a:p>
@@ -5456,8 +5602,20 @@
           </a:p>
           <a:p>
             <a:r>
-              <a:rPr lang="zh-CN" altLang="en-US"/>
-              <a:t>当你真正参与工作，很可能，设计架构不是你考虑的，架构师设计好之后，作为开发者，你只需要按照设计规范去执行。</a:t>
+              <a:rPr lang="en-US" altLang="zh-CN"/>
+              <a:t>SOAP</a:t>
+            </a:r>
+            <a:r>
+              <a:rPr lang="zh-CN" altLang="en-US"/>
+              <a:t>、</a:t>
+            </a:r>
+            <a:r>
+              <a:rPr lang="en-US" altLang="zh-CN"/>
+              <a:t>RESTful···</a:t>
+            </a:r>
+            <a:r>
+              <a:rPr lang="zh-CN" altLang="en-US"/>
+              <a:t>，每一个都是为了解决某一时期遇到的问题，但是也都无法涵盖复杂的现实情况。</a:t>
             </a:r>
             <a:endParaRPr lang="en-US" altLang="zh-CN"/>
           </a:p>
@@ -5467,15 +5625,40 @@
           <a:p>
             <a:r>
               <a:rPr lang="zh-CN" altLang="en-US"/>
-              <a:t>至于已经成型的系统，也就不得不沿用旧有的设计。</a:t>
-            </a:r>
+              <a:t>所以，我们可以是使用并不完全的</a:t>
+            </a:r>
+            <a:r>
+              <a:rPr lang="en-US" altLang="zh-CN"/>
+              <a:t>REST</a:t>
+            </a:r>
+            <a:r>
+              <a:rPr lang="zh-CN" altLang="en-US"/>
+              <a:t>，可以称为</a:t>
+            </a:r>
+            <a:r>
+              <a:rPr lang="en-US" altLang="zh-CN"/>
+              <a:t>RESTnf</a:t>
+            </a:r>
+            <a:r>
+              <a:rPr lang="zh-CN" altLang="en-US"/>
+              <a:t>（</a:t>
+            </a:r>
+            <a:r>
+              <a:rPr lang="en-US" altLang="zh-CN"/>
+              <a:t>REST not ful</a:t>
+            </a:r>
+            <a:r>
+              <a:rPr lang="zh-CN" altLang="en-US"/>
+              <a:t>）。不完全的部分是根据实际情况做的最实用的设计。</a:t>
+            </a:r>
+            <a:endParaRPr lang="en-US" altLang="zh-CN"/>
           </a:p>
         </p:txBody>
       </p:sp>
     </p:spTree>
     <p:extLst>
       <p:ext uri="{BB962C8B-B14F-4D97-AF65-F5344CB8AC3E}">
-        <p14:creationId xmlns:p14="http://schemas.microsoft.com/office/powerpoint/2010/main" val="1350689695"/>
+        <p14:creationId xmlns:p14="http://schemas.microsoft.com/office/powerpoint/2010/main" val="3448224285"/>
       </p:ext>
     </p:extLst>
   </p:cSld>

--- a/materials/ch07/ch07-搭建完整的后台服务.pptx
+++ b/materials/ch07/ch07-搭建完整的后台服务.pptx
@@ -17,6 +17,7 @@
     <p:sldId id="286" r:id="rId11"/>
     <p:sldId id="264" r:id="rId12"/>
     <p:sldId id="271" r:id="rId13"/>
+    <p:sldId id="288" r:id="rId14"/>
   </p:sldIdLst>
   <p:sldSz cx="12192000" cy="6858000"/>
   <p:notesSz cx="6858000" cy="9144000"/>
@@ -549,7 +550,7 @@
           <a:p>
             <a:fld id="{10955001-8E90-43AD-87AF-166875BDDBE4}" type="datetimeFigureOut">
               <a:rPr lang="zh-CN" altLang="en-US" smtClean="0"/>
-              <a:t>2020/8/28</a:t>
+              <a:t>2020/8/30</a:t>
             </a:fld>
             <a:endParaRPr lang="zh-CN" altLang="en-US"/>
           </a:p>
@@ -781,7 +782,7 @@
           <a:p>
             <a:fld id="{10955001-8E90-43AD-87AF-166875BDDBE4}" type="datetimeFigureOut">
               <a:rPr lang="zh-CN" altLang="en-US" smtClean="0"/>
-              <a:t>2020/8/28</a:t>
+              <a:t>2020/8/30</a:t>
             </a:fld>
             <a:endParaRPr lang="zh-CN" altLang="en-US"/>
           </a:p>
@@ -1279,7 +1280,7 @@
           <a:p>
             <a:fld id="{10955001-8E90-43AD-87AF-166875BDDBE4}" type="datetimeFigureOut">
               <a:rPr lang="zh-CN" altLang="en-US" smtClean="0"/>
-              <a:t>2020/8/28</a:t>
+              <a:t>2020/8/30</a:t>
             </a:fld>
             <a:endParaRPr lang="zh-CN" altLang="en-US"/>
           </a:p>
@@ -1708,7 +1709,7 @@
           <a:p>
             <a:fld id="{10955001-8E90-43AD-87AF-166875BDDBE4}" type="datetimeFigureOut">
               <a:rPr lang="zh-CN" altLang="en-US" smtClean="0"/>
-              <a:t>2020/8/28</a:t>
+              <a:t>2020/8/30</a:t>
             </a:fld>
             <a:endParaRPr lang="zh-CN" altLang="en-US"/>
           </a:p>
@@ -2225,7 +2226,7 @@
           <a:p>
             <a:fld id="{10955001-8E90-43AD-87AF-166875BDDBE4}" type="datetimeFigureOut">
               <a:rPr lang="zh-CN" altLang="en-US" smtClean="0"/>
-              <a:t>2020/8/28</a:t>
+              <a:t>2020/8/30</a:t>
             </a:fld>
             <a:endParaRPr lang="zh-CN" altLang="en-US"/>
           </a:p>
@@ -2685,7 +2686,7 @@
           <a:p>
             <a:fld id="{10955001-8E90-43AD-87AF-166875BDDBE4}" type="datetimeFigureOut">
               <a:rPr lang="zh-CN" altLang="en-US" smtClean="0"/>
-              <a:t>2020/8/28</a:t>
+              <a:t>2020/8/30</a:t>
             </a:fld>
             <a:endParaRPr lang="zh-CN" altLang="en-US"/>
           </a:p>
@@ -2997,7 +2998,7 @@
           <a:p>
             <a:fld id="{10955001-8E90-43AD-87AF-166875BDDBE4}" type="datetimeFigureOut">
               <a:rPr lang="zh-CN" altLang="en-US" smtClean="0"/>
-              <a:t>2020/8/28</a:t>
+              <a:t>2020/8/30</a:t>
             </a:fld>
             <a:endParaRPr lang="zh-CN" altLang="en-US"/>
           </a:p>
@@ -3683,7 +3684,7 @@
           <a:p>
             <a:r>
               <a:rPr lang="zh-CN" altLang="en-US"/>
-              <a:t>当你真正参与工作，很可能，设计架构不是你考虑的，架构师设计好之后，作为开发者，你只需要按照设计规范去执行。</a:t>
+              <a:t>当你真正参与工作，很可能，设计架构不是你考虑的，规范也不需要你制定，架构师设计好之后，作为开发者，你只需要按照设计规范去执行。</a:t>
             </a:r>
             <a:endParaRPr lang="en-US" altLang="zh-CN"/>
           </a:p>
@@ -3978,6 +3979,671 @@
 </p:sld>
 </file>
 
+<file path=ppt/slides/slide13.xml><?xml version="1.0" encoding="utf-8"?>
+<p:sld xmlns:a="http://schemas.openxmlformats.org/drawingml/2006/main" xmlns:r="http://schemas.openxmlformats.org/officeDocument/2006/relationships" xmlns:p="http://schemas.openxmlformats.org/presentationml/2006/main">
+  <p:cSld>
+    <p:spTree>
+      <p:nvGrpSpPr>
+        <p:cNvPr id="1" name=""/>
+        <p:cNvGrpSpPr/>
+        <p:nvPr/>
+      </p:nvGrpSpPr>
+      <p:grpSpPr>
+        <a:xfrm>
+          <a:off x="0" y="0"/>
+          <a:ext cx="0" cy="0"/>
+          <a:chOff x="0" y="0"/>
+          <a:chExt cx="0" cy="0"/>
+        </a:xfrm>
+      </p:grpSpPr>
+      <p:sp>
+        <p:nvSpPr>
+          <p:cNvPr id="2" name="标题 1">
+            <a:extLst>
+              <a:ext uri="{FF2B5EF4-FFF2-40B4-BE49-F238E27FC236}">
+                <a16:creationId xmlns:a16="http://schemas.microsoft.com/office/drawing/2014/main" id="{A120AA4C-488A-4AAD-94EF-B1988083690E}"/>
+              </a:ext>
+            </a:extLst>
+          </p:cNvPr>
+          <p:cNvSpPr>
+            <a:spLocks noGrp="1"/>
+          </p:cNvSpPr>
+          <p:nvPr>
+            <p:ph type="title"/>
+          </p:nvPr>
+        </p:nvSpPr>
+        <p:spPr/>
+        <p:txBody>
+          <a:bodyPr/>
+          <a:lstStyle/>
+          <a:p>
+            <a:r>
+              <a:rPr lang="zh-CN" altLang="en-US"/>
+              <a:t>关于</a:t>
+            </a:r>
+            <a:r>
+              <a:rPr lang="en-US" altLang="zh-CN"/>
+              <a:t>HTTP</a:t>
+            </a:r>
+            <a:r>
+              <a:rPr lang="zh-CN" altLang="en-US"/>
+              <a:t>协议的扩展内容</a:t>
+            </a:r>
+          </a:p>
+        </p:txBody>
+      </p:sp>
+      <p:sp>
+        <p:nvSpPr>
+          <p:cNvPr id="5" name="文本框 4">
+            <a:extLst>
+              <a:ext uri="{FF2B5EF4-FFF2-40B4-BE49-F238E27FC236}">
+                <a16:creationId xmlns:a16="http://schemas.microsoft.com/office/drawing/2014/main" id="{795991E1-18EF-453A-BF81-7E19737D7E77}"/>
+              </a:ext>
+            </a:extLst>
+          </p:cNvPr>
+          <p:cNvSpPr txBox="1"/>
+          <p:nvPr/>
+        </p:nvSpPr>
+        <p:spPr>
+          <a:xfrm>
+            <a:off x="926797" y="1343861"/>
+            <a:ext cx="10658562" cy="4999702"/>
+          </a:xfrm>
+          <a:prstGeom prst="rect">
+            <a:avLst/>
+          </a:prstGeom>
+          <a:solidFill>
+            <a:schemeClr val="bg1">
+              <a:lumMod val="95000"/>
+            </a:schemeClr>
+          </a:solidFill>
+          <a:ln>
+            <a:noFill/>
+          </a:ln>
+          <a:effectLst>
+            <a:outerShdw blurRad="50800" dist="38100" dir="5400000" algn="t" rotWithShape="0">
+              <a:prstClr val="black">
+                <a:alpha val="40000"/>
+              </a:prstClr>
+            </a:outerShdw>
+          </a:effectLst>
+        </p:spPr>
+        <p:txBody>
+          <a:bodyPr wrap="square" rtlCol="0">
+            <a:spAutoFit/>
+          </a:bodyPr>
+          <a:lstStyle/>
+          <a:p>
+            <a:pPr marL="285750" indent="-285750">
+              <a:lnSpc>
+                <a:spcPts val="2600"/>
+              </a:lnSpc>
+              <a:spcBef>
+                <a:spcPts val="1200"/>
+              </a:spcBef>
+              <a:buFont typeface="Arial" panose="020B0604020202020204" pitchFamily="34" charset="0"/>
+              <a:buChar char="•"/>
+            </a:pPr>
+            <a:r>
+              <a:rPr lang="en-US" altLang="zh-CN" sz="1600">
+                <a:latin typeface="Ubuntu Mono" panose="020B0509030602030204" pitchFamily="49" charset="0"/>
+                <a:ea typeface="楷体" panose="02010609060101010101" pitchFamily="49" charset="-122"/>
+              </a:rPr>
+              <a:t>HTTP</a:t>
+            </a:r>
+            <a:r>
+              <a:rPr lang="zh-CN" altLang="en-US" sz="1600">
+                <a:latin typeface="Ubuntu Mono" panose="020B0509030602030204" pitchFamily="49" charset="0"/>
+                <a:ea typeface="楷体" panose="02010609060101010101" pitchFamily="49" charset="-122"/>
+              </a:rPr>
+              <a:t>自发明以来，多次改版，</a:t>
+            </a:r>
+            <a:r>
+              <a:rPr lang="en-US" altLang="zh-CN" sz="1600">
+                <a:latin typeface="Ubuntu Mono" panose="020B0509030602030204" pitchFamily="49" charset="0"/>
+                <a:ea typeface="楷体" panose="02010609060101010101" pitchFamily="49" charset="-122"/>
+              </a:rPr>
+              <a:t>HTTP/1.0</a:t>
+            </a:r>
+            <a:r>
+              <a:rPr lang="zh-CN" altLang="en-US" sz="1600">
+                <a:latin typeface="Ubuntu Mono" panose="020B0509030602030204" pitchFamily="49" charset="0"/>
+                <a:ea typeface="楷体" panose="02010609060101010101" pitchFamily="49" charset="-122"/>
+              </a:rPr>
+              <a:t>规范只有</a:t>
+            </a:r>
+            <a:r>
+              <a:rPr lang="en-US" altLang="zh-CN" sz="1600">
+                <a:latin typeface="Ubuntu Mono" panose="020B0509030602030204" pitchFamily="49" charset="0"/>
+                <a:ea typeface="楷体" panose="02010609060101010101" pitchFamily="49" charset="-122"/>
+              </a:rPr>
+              <a:t>60</a:t>
+            </a:r>
+            <a:r>
+              <a:rPr lang="zh-CN" altLang="en-US" sz="1600">
+                <a:latin typeface="Ubuntu Mono" panose="020B0509030602030204" pitchFamily="49" charset="0"/>
+                <a:ea typeface="楷体" panose="02010609060101010101" pitchFamily="49" charset="-122"/>
+              </a:rPr>
+              <a:t>页。到</a:t>
+            </a:r>
+            <a:r>
+              <a:rPr lang="en-US" altLang="zh-CN" sz="1600">
+                <a:latin typeface="Ubuntu Mono" panose="020B0509030602030204" pitchFamily="49" charset="0"/>
+                <a:ea typeface="楷体" panose="02010609060101010101" pitchFamily="49" charset="-122"/>
+              </a:rPr>
+              <a:t>HTTP/1.1</a:t>
+            </a:r>
+            <a:r>
+              <a:rPr lang="zh-CN" altLang="en-US" sz="1600">
+                <a:latin typeface="Ubuntu Mono" panose="020B0509030602030204" pitchFamily="49" charset="0"/>
+                <a:ea typeface="楷体" panose="02010609060101010101" pitchFamily="49" charset="-122"/>
+              </a:rPr>
+              <a:t>，已经达到了</a:t>
+            </a:r>
+            <a:r>
+              <a:rPr lang="en-US" altLang="zh-CN" sz="1600">
+                <a:latin typeface="Ubuntu Mono" panose="020B0509030602030204" pitchFamily="49" charset="0"/>
+                <a:ea typeface="楷体" panose="02010609060101010101" pitchFamily="49" charset="-122"/>
+              </a:rPr>
+              <a:t>176</a:t>
+            </a:r>
+            <a:r>
+              <a:rPr lang="zh-CN" altLang="en-US" sz="1600">
+                <a:latin typeface="Ubuntu Mono" panose="020B0509030602030204" pitchFamily="49" charset="0"/>
+                <a:ea typeface="楷体" panose="02010609060101010101" pitchFamily="49" charset="-122"/>
+              </a:rPr>
+              <a:t>页。因其过于复杂，事无巨细，以至于没有一个能完整实现该协议的客户端，很多不常用的功能在后续的实现中都很少支持。</a:t>
+            </a:r>
+            <a:endParaRPr lang="en-US" altLang="zh-CN" sz="1600">
+              <a:latin typeface="Ubuntu Mono" panose="020B0509030602030204" pitchFamily="49" charset="0"/>
+              <a:ea typeface="楷体" panose="02010609060101010101" pitchFamily="49" charset="-122"/>
+            </a:endParaRPr>
+          </a:p>
+          <a:p>
+            <a:pPr marL="285750" indent="-285750">
+              <a:lnSpc>
+                <a:spcPts val="2600"/>
+              </a:lnSpc>
+              <a:spcBef>
+                <a:spcPts val="1200"/>
+              </a:spcBef>
+              <a:buFont typeface="Arial" panose="020B0604020202020204" pitchFamily="34" charset="0"/>
+              <a:buChar char="•"/>
+            </a:pPr>
+            <a:r>
+              <a:rPr lang="en-US" altLang="zh-CN" sz="1600">
+                <a:latin typeface="Ubuntu Mono" panose="020B0509030602030204" pitchFamily="49" charset="0"/>
+                <a:ea typeface="楷体" panose="02010609060101010101" pitchFamily="49" charset="-122"/>
+              </a:rPr>
+              <a:t>HTTP/1.1</a:t>
+            </a:r>
+            <a:r>
+              <a:rPr lang="zh-CN" altLang="en-US" sz="1600">
+                <a:latin typeface="Ubuntu Mono" panose="020B0509030602030204" pitchFamily="49" charset="0"/>
+                <a:ea typeface="楷体" panose="02010609060101010101" pitchFamily="49" charset="-122"/>
+              </a:rPr>
+              <a:t>以前的协议标准要求消息头字段不区分大小写，这在通信时带来很多麻烦，因为每个软件编写方式不同，而</a:t>
+            </a:r>
+            <a:r>
+              <a:rPr lang="en-US" altLang="zh-CN" sz="1600">
+                <a:latin typeface="Ubuntu Mono" panose="020B0509030602030204" pitchFamily="49" charset="0"/>
+                <a:ea typeface="楷体" panose="02010609060101010101" pitchFamily="49" charset="-122"/>
+              </a:rPr>
+              <a:t>HTTP/2</a:t>
+            </a:r>
+            <a:r>
+              <a:rPr lang="zh-CN" altLang="en-US" sz="1600">
+                <a:latin typeface="Ubuntu Mono" panose="020B0509030602030204" pitchFamily="49" charset="0"/>
+                <a:ea typeface="楷体" panose="02010609060101010101" pitchFamily="49" charset="-122"/>
+              </a:rPr>
+              <a:t>则统一要求消息头字段小写，</a:t>
+            </a:r>
+            <a:r>
+              <a:rPr lang="en-US" altLang="zh-CN" sz="1600">
+                <a:latin typeface="Ubuntu Mono" panose="020B0509030602030204" pitchFamily="49" charset="0"/>
+                <a:ea typeface="楷体" panose="02010609060101010101" pitchFamily="49" charset="-122"/>
+              </a:rPr>
+              <a:t>node.js</a:t>
+            </a:r>
+            <a:r>
+              <a:rPr lang="zh-CN" altLang="en-US" sz="1600">
+                <a:latin typeface="Ubuntu Mono" panose="020B0509030602030204" pitchFamily="49" charset="0"/>
+                <a:ea typeface="楷体" panose="02010609060101010101" pitchFamily="49" charset="-122"/>
+              </a:rPr>
+              <a:t>在处理时，已经把所有消息头都转换成了小写，保证了一致性。</a:t>
+            </a:r>
+            <a:endParaRPr lang="en-US" altLang="zh-CN" sz="1600">
+              <a:latin typeface="Ubuntu Mono" panose="020B0509030602030204" pitchFamily="49" charset="0"/>
+              <a:ea typeface="楷体" panose="02010609060101010101" pitchFamily="49" charset="-122"/>
+            </a:endParaRPr>
+          </a:p>
+          <a:p>
+            <a:pPr marL="285750" indent="-285750">
+              <a:lnSpc>
+                <a:spcPts val="2600"/>
+              </a:lnSpc>
+              <a:spcBef>
+                <a:spcPts val="1200"/>
+              </a:spcBef>
+              <a:buFont typeface="Arial" panose="020B0604020202020204" pitchFamily="34" charset="0"/>
+              <a:buChar char="•"/>
+            </a:pPr>
+            <a:r>
+              <a:rPr lang="zh-CN" altLang="en-US" sz="1600">
+                <a:latin typeface="Ubuntu Mono" panose="020B0509030602030204" pitchFamily="49" charset="0"/>
+                <a:ea typeface="楷体" panose="02010609060101010101" pitchFamily="49" charset="-122"/>
+              </a:rPr>
+              <a:t>后来的</a:t>
+            </a:r>
+            <a:r>
+              <a:rPr lang="en-US" altLang="zh-CN" sz="1600">
+                <a:latin typeface="Ubuntu Mono" panose="020B0509030602030204" pitchFamily="49" charset="0"/>
+                <a:ea typeface="楷体" panose="02010609060101010101" pitchFamily="49" charset="-122"/>
+              </a:rPr>
+              <a:t>HTTP/2</a:t>
+            </a:r>
+            <a:r>
+              <a:rPr lang="zh-CN" altLang="en-US" sz="1600">
+                <a:latin typeface="Ubuntu Mono" panose="020B0509030602030204" pitchFamily="49" charset="0"/>
+                <a:ea typeface="楷体" panose="02010609060101010101" pitchFamily="49" charset="-122"/>
+              </a:rPr>
+              <a:t>彻底改变了</a:t>
+            </a:r>
+            <a:r>
+              <a:rPr lang="en-US" altLang="zh-CN" sz="1600">
+                <a:latin typeface="Ubuntu Mono" panose="020B0509030602030204" pitchFamily="49" charset="0"/>
+                <a:ea typeface="楷体" panose="02010609060101010101" pitchFamily="49" charset="-122"/>
+              </a:rPr>
+              <a:t>HTTP/1.1</a:t>
+            </a:r>
+            <a:r>
+              <a:rPr lang="zh-CN" altLang="en-US" sz="1600">
+                <a:latin typeface="Ubuntu Mono" panose="020B0509030602030204" pitchFamily="49" charset="0"/>
+                <a:ea typeface="楷体" panose="02010609060101010101" pitchFamily="49" charset="-122"/>
+              </a:rPr>
+              <a:t>的传输方式，采用了二进制分帧层，简单来说，在</a:t>
+            </a:r>
+            <a:r>
+              <a:rPr lang="en-US" altLang="zh-CN" sz="1600">
+                <a:latin typeface="Ubuntu Mono" panose="020B0509030602030204" pitchFamily="49" charset="0"/>
+                <a:ea typeface="楷体" panose="02010609060101010101" pitchFamily="49" charset="-122"/>
+              </a:rPr>
+              <a:t>HTTP</a:t>
+            </a:r>
+            <a:r>
+              <a:rPr lang="zh-CN" altLang="en-US" sz="1600">
+                <a:latin typeface="Ubuntu Mono" panose="020B0509030602030204" pitchFamily="49" charset="0"/>
+                <a:ea typeface="楷体" panose="02010609060101010101" pitchFamily="49" charset="-122"/>
+              </a:rPr>
+              <a:t>基础上又做了一层类似于</a:t>
+            </a:r>
+            <a:r>
+              <a:rPr lang="en-US" altLang="zh-CN" sz="1600">
+                <a:latin typeface="Ubuntu Mono" panose="020B0509030602030204" pitchFamily="49" charset="0"/>
+                <a:ea typeface="楷体" panose="02010609060101010101" pitchFamily="49" charset="-122"/>
+              </a:rPr>
+              <a:t>TCP</a:t>
+            </a:r>
+            <a:r>
+              <a:rPr lang="zh-CN" altLang="en-US" sz="1600">
+                <a:latin typeface="Ubuntu Mono" panose="020B0509030602030204" pitchFamily="49" charset="0"/>
+                <a:ea typeface="楷体" panose="02010609060101010101" pitchFamily="49" charset="-122"/>
+              </a:rPr>
+              <a:t>的数据流传输方式，就要设计帧格式，否则解析困难。</a:t>
+            </a:r>
+            <a:r>
+              <a:rPr lang="en-US" altLang="zh-CN" sz="1600">
+                <a:latin typeface="Ubuntu Mono" panose="020B0509030602030204" pitchFamily="49" charset="0"/>
+                <a:ea typeface="楷体" panose="02010609060101010101" pitchFamily="49" charset="-122"/>
+              </a:rPr>
+              <a:t>HTTP/2</a:t>
+            </a:r>
+            <a:r>
+              <a:rPr lang="zh-CN" altLang="en-US" sz="1600">
+                <a:latin typeface="Ubuntu Mono" panose="020B0509030602030204" pitchFamily="49" charset="0"/>
+                <a:ea typeface="楷体" panose="02010609060101010101" pitchFamily="49" charset="-122"/>
+              </a:rPr>
+              <a:t>的好处是一个连接可以处理很多个请求，就是多路复用。因为底层依赖的</a:t>
+            </a:r>
+            <a:r>
+              <a:rPr lang="en-US" altLang="zh-CN" sz="1600">
+                <a:latin typeface="Ubuntu Mono" panose="020B0509030602030204" pitchFamily="49" charset="0"/>
+                <a:ea typeface="楷体" panose="02010609060101010101" pitchFamily="49" charset="-122"/>
+              </a:rPr>
+              <a:t>TCP</a:t>
+            </a:r>
+            <a:r>
+              <a:rPr lang="zh-CN" altLang="en-US" sz="1600">
+                <a:latin typeface="Ubuntu Mono" panose="020B0509030602030204" pitchFamily="49" charset="0"/>
+                <a:ea typeface="楷体" panose="02010609060101010101" pitchFamily="49" charset="-122"/>
+              </a:rPr>
+              <a:t>协议的队头阻塞问题，</a:t>
+            </a:r>
+            <a:r>
+              <a:rPr lang="en-US" altLang="zh-CN" sz="1600">
+                <a:latin typeface="Ubuntu Mono" panose="020B0509030602030204" pitchFamily="49" charset="0"/>
+                <a:ea typeface="楷体" panose="02010609060101010101" pitchFamily="49" charset="-122"/>
+              </a:rPr>
+              <a:t>HTTP/2</a:t>
+            </a:r>
+            <a:r>
+              <a:rPr lang="zh-CN" altLang="en-US" sz="1600">
+                <a:latin typeface="Ubuntu Mono" panose="020B0509030602030204" pitchFamily="49" charset="0"/>
+                <a:ea typeface="楷体" panose="02010609060101010101" pitchFamily="49" charset="-122"/>
+              </a:rPr>
+              <a:t>仍然不尽如人意，因为在多路复用情况下，一个包丢失，会导致所有请求都要重传。在网络环境比较差的情况下，</a:t>
+            </a:r>
+            <a:r>
+              <a:rPr lang="en-US" altLang="zh-CN" sz="1600">
+                <a:latin typeface="Ubuntu Mono" panose="020B0509030602030204" pitchFamily="49" charset="0"/>
+                <a:ea typeface="楷体" panose="02010609060101010101" pitchFamily="49" charset="-122"/>
+              </a:rPr>
+              <a:t>HTTP/2</a:t>
+            </a:r>
+            <a:r>
+              <a:rPr lang="zh-CN" altLang="en-US" sz="1600">
+                <a:latin typeface="Ubuntu Mono" panose="020B0509030602030204" pitchFamily="49" charset="0"/>
+                <a:ea typeface="楷体" panose="02010609060101010101" pitchFamily="49" charset="-122"/>
+              </a:rPr>
+              <a:t>比</a:t>
+            </a:r>
+            <a:r>
+              <a:rPr lang="en-US" altLang="zh-CN" sz="1600">
+                <a:latin typeface="Ubuntu Mono" panose="020B0509030602030204" pitchFamily="49" charset="0"/>
+                <a:ea typeface="楷体" panose="02010609060101010101" pitchFamily="49" charset="-122"/>
+              </a:rPr>
+              <a:t>HTTP/1.1</a:t>
+            </a:r>
+            <a:r>
+              <a:rPr lang="zh-CN" altLang="en-US" sz="1600">
+                <a:latin typeface="Ubuntu Mono" panose="020B0509030602030204" pitchFamily="49" charset="0"/>
+                <a:ea typeface="楷体" panose="02010609060101010101" pitchFamily="49" charset="-122"/>
+              </a:rPr>
+              <a:t>慢，实际体验可能非常差。在网络好的环境下，</a:t>
+            </a:r>
+            <a:r>
+              <a:rPr lang="en-US" altLang="zh-CN" sz="1600">
+                <a:latin typeface="Ubuntu Mono" panose="020B0509030602030204" pitchFamily="49" charset="0"/>
+                <a:ea typeface="楷体" panose="02010609060101010101" pitchFamily="49" charset="-122"/>
+              </a:rPr>
+              <a:t>HTTP/2</a:t>
+            </a:r>
+            <a:r>
+              <a:rPr lang="zh-CN" altLang="en-US" sz="1600">
+                <a:latin typeface="Ubuntu Mono" panose="020B0509030602030204" pitchFamily="49" charset="0"/>
+                <a:ea typeface="楷体" panose="02010609060101010101" pitchFamily="49" charset="-122"/>
+              </a:rPr>
+              <a:t>的传输效率比</a:t>
+            </a:r>
+            <a:r>
+              <a:rPr lang="en-US" altLang="zh-CN" sz="1600">
+                <a:latin typeface="Ubuntu Mono" panose="020B0509030602030204" pitchFamily="49" charset="0"/>
+                <a:ea typeface="楷体" panose="02010609060101010101" pitchFamily="49" charset="-122"/>
+              </a:rPr>
+              <a:t>HTTP/1.1</a:t>
+            </a:r>
+            <a:r>
+              <a:rPr lang="zh-CN" altLang="en-US" sz="1600">
+                <a:latin typeface="Ubuntu Mono" panose="020B0509030602030204" pitchFamily="49" charset="0"/>
+                <a:ea typeface="楷体" panose="02010609060101010101" pitchFamily="49" charset="-122"/>
+              </a:rPr>
+              <a:t>高很多。</a:t>
+            </a:r>
+            <a:endParaRPr lang="en-US" altLang="zh-CN" sz="1600">
+              <a:latin typeface="Ubuntu Mono" panose="020B0509030602030204" pitchFamily="49" charset="0"/>
+              <a:ea typeface="楷体" panose="02010609060101010101" pitchFamily="49" charset="-122"/>
+            </a:endParaRPr>
+          </a:p>
+          <a:p>
+            <a:pPr marL="285750" indent="-285750">
+              <a:lnSpc>
+                <a:spcPts val="2600"/>
+              </a:lnSpc>
+              <a:spcBef>
+                <a:spcPts val="1200"/>
+              </a:spcBef>
+              <a:buFont typeface="Arial" panose="020B0604020202020204" pitchFamily="34" charset="0"/>
+              <a:buChar char="•"/>
+            </a:pPr>
+            <a:r>
+              <a:rPr lang="en-US" altLang="zh-CN" sz="1600">
+                <a:latin typeface="Ubuntu Mono" panose="020B0509030602030204" pitchFamily="49" charset="0"/>
+                <a:ea typeface="楷体" panose="02010609060101010101" pitchFamily="49" charset="-122"/>
+              </a:rPr>
+              <a:t>HTTP/2</a:t>
+            </a:r>
+            <a:r>
+              <a:rPr lang="zh-CN" altLang="en-US" sz="1600">
+                <a:latin typeface="Ubuntu Mono" panose="020B0509030602030204" pitchFamily="49" charset="0"/>
+                <a:ea typeface="楷体" panose="02010609060101010101" pitchFamily="49" charset="-122"/>
+              </a:rPr>
+              <a:t>是从</a:t>
+            </a:r>
+            <a:r>
+              <a:rPr lang="en-US" altLang="zh-CN" sz="1600">
+                <a:latin typeface="Ubuntu Mono" panose="020B0509030602030204" pitchFamily="49" charset="0"/>
+                <a:ea typeface="楷体" panose="02010609060101010101" pitchFamily="49" charset="-122"/>
+              </a:rPr>
+              <a:t>Google</a:t>
+            </a:r>
+            <a:r>
+              <a:rPr lang="zh-CN" altLang="en-US" sz="1600">
+                <a:latin typeface="Ubuntu Mono" panose="020B0509030602030204" pitchFamily="49" charset="0"/>
+                <a:ea typeface="楷体" panose="02010609060101010101" pitchFamily="49" charset="-122"/>
+              </a:rPr>
+              <a:t>发明的</a:t>
+            </a:r>
+            <a:r>
+              <a:rPr lang="en-US" altLang="zh-CN" sz="1600">
+                <a:latin typeface="Ubuntu Mono" panose="020B0509030602030204" pitchFamily="49" charset="0"/>
+                <a:ea typeface="楷体" panose="02010609060101010101" pitchFamily="49" charset="-122"/>
+              </a:rPr>
+              <a:t>SPDY</a:t>
+            </a:r>
+            <a:r>
+              <a:rPr lang="zh-CN" altLang="en-US" sz="1600">
+                <a:latin typeface="Ubuntu Mono" panose="020B0509030602030204" pitchFamily="49" charset="0"/>
+                <a:ea typeface="楷体" panose="02010609060101010101" pitchFamily="49" charset="-122"/>
+              </a:rPr>
+              <a:t>协议发展而来的，而</a:t>
+            </a:r>
+            <a:r>
+              <a:rPr lang="en-US" altLang="zh-CN" sz="1600">
+                <a:latin typeface="Ubuntu Mono" panose="020B0509030602030204" pitchFamily="49" charset="0"/>
+                <a:ea typeface="楷体" panose="02010609060101010101" pitchFamily="49" charset="-122"/>
+              </a:rPr>
+              <a:t>Google</a:t>
+            </a:r>
+            <a:r>
+              <a:rPr lang="zh-CN" altLang="en-US" sz="1600">
+                <a:latin typeface="Ubuntu Mono" panose="020B0509030602030204" pitchFamily="49" charset="0"/>
+                <a:ea typeface="楷体" panose="02010609060101010101" pitchFamily="49" charset="-122"/>
+              </a:rPr>
+              <a:t>并没有在</a:t>
+            </a:r>
+            <a:r>
+              <a:rPr lang="en-US" altLang="zh-CN" sz="1600">
+                <a:latin typeface="Ubuntu Mono" panose="020B0509030602030204" pitchFamily="49" charset="0"/>
+                <a:ea typeface="楷体" panose="02010609060101010101" pitchFamily="49" charset="-122"/>
+              </a:rPr>
+              <a:t>HTTP/2</a:t>
+            </a:r>
+            <a:r>
+              <a:rPr lang="zh-CN" altLang="en-US" sz="1600">
+                <a:latin typeface="Ubuntu Mono" panose="020B0509030602030204" pitchFamily="49" charset="0"/>
+                <a:ea typeface="楷体" panose="02010609060101010101" pitchFamily="49" charset="-122"/>
+              </a:rPr>
+              <a:t>停留太久，投入到了</a:t>
+            </a:r>
+            <a:r>
+              <a:rPr lang="en-US" altLang="zh-CN" sz="1600">
+                <a:latin typeface="Ubuntu Mono" panose="020B0509030602030204" pitchFamily="49" charset="0"/>
+                <a:ea typeface="楷体" panose="02010609060101010101" pitchFamily="49" charset="-122"/>
+              </a:rPr>
+              <a:t>HTTP/3</a:t>
+            </a:r>
+            <a:r>
+              <a:rPr lang="zh-CN" altLang="en-US" sz="1600">
+                <a:latin typeface="Ubuntu Mono" panose="020B0509030602030204" pitchFamily="49" charset="0"/>
+                <a:ea typeface="楷体" panose="02010609060101010101" pitchFamily="49" charset="-122"/>
+              </a:rPr>
+              <a:t>的工作中，</a:t>
+            </a:r>
+            <a:r>
+              <a:rPr lang="en-US" altLang="zh-CN" sz="1600">
+                <a:latin typeface="Ubuntu Mono" panose="020B0509030602030204" pitchFamily="49" charset="0"/>
+                <a:ea typeface="楷体" panose="02010609060101010101" pitchFamily="49" charset="-122"/>
+              </a:rPr>
+              <a:t>HTTP/3</a:t>
+            </a:r>
+            <a:r>
+              <a:rPr lang="zh-CN" altLang="en-US" sz="1600">
+                <a:latin typeface="Ubuntu Mono" panose="020B0509030602030204" pitchFamily="49" charset="0"/>
+                <a:ea typeface="楷体" panose="02010609060101010101" pitchFamily="49" charset="-122"/>
+              </a:rPr>
+              <a:t>底层传输采用了</a:t>
+            </a:r>
+            <a:r>
+              <a:rPr lang="en-US" altLang="zh-CN" sz="1600">
+                <a:latin typeface="Ubuntu Mono" panose="020B0509030602030204" pitchFamily="49" charset="0"/>
+                <a:ea typeface="楷体" panose="02010609060101010101" pitchFamily="49" charset="-122"/>
+              </a:rPr>
+              <a:t>QUIC</a:t>
+            </a:r>
+            <a:r>
+              <a:rPr lang="zh-CN" altLang="en-US" sz="1600">
+                <a:latin typeface="Ubuntu Mono" panose="020B0509030602030204" pitchFamily="49" charset="0"/>
+                <a:ea typeface="楷体" panose="02010609060101010101" pitchFamily="49" charset="-122"/>
+              </a:rPr>
+              <a:t>协议，</a:t>
+            </a:r>
+            <a:r>
+              <a:rPr lang="en-US" altLang="zh-CN" sz="1600">
+                <a:latin typeface="Ubuntu Mono" panose="020B0509030602030204" pitchFamily="49" charset="0"/>
+                <a:ea typeface="楷体" panose="02010609060101010101" pitchFamily="49" charset="-122"/>
+              </a:rPr>
+              <a:t>QUIC</a:t>
+            </a:r>
+            <a:r>
+              <a:rPr lang="zh-CN" altLang="en-US" sz="1600">
+                <a:latin typeface="Ubuntu Mono" panose="020B0509030602030204" pitchFamily="49" charset="0"/>
+                <a:ea typeface="楷体" panose="02010609060101010101" pitchFamily="49" charset="-122"/>
+              </a:rPr>
+              <a:t>是</a:t>
+            </a:r>
+            <a:r>
+              <a:rPr lang="en-US" altLang="zh-CN" sz="1600">
+                <a:latin typeface="Ubuntu Mono" panose="020B0509030602030204" pitchFamily="49" charset="0"/>
+                <a:ea typeface="楷体" panose="02010609060101010101" pitchFamily="49" charset="-122"/>
+              </a:rPr>
+              <a:t>Google</a:t>
+            </a:r>
+            <a:r>
+              <a:rPr lang="zh-CN" altLang="en-US" sz="1600">
+                <a:latin typeface="Ubuntu Mono" panose="020B0509030602030204" pitchFamily="49" charset="0"/>
+                <a:ea typeface="楷体" panose="02010609060101010101" pitchFamily="49" charset="-122"/>
+              </a:rPr>
+              <a:t>基于</a:t>
+            </a:r>
+            <a:r>
+              <a:rPr lang="en-US" altLang="zh-CN" sz="1600">
+                <a:latin typeface="Ubuntu Mono" panose="020B0509030602030204" pitchFamily="49" charset="0"/>
+                <a:ea typeface="楷体" panose="02010609060101010101" pitchFamily="49" charset="-122"/>
+              </a:rPr>
+              <a:t>UDP</a:t>
+            </a:r>
+            <a:r>
+              <a:rPr lang="zh-CN" altLang="en-US" sz="1600">
+                <a:latin typeface="Ubuntu Mono" panose="020B0509030602030204" pitchFamily="49" charset="0"/>
+                <a:ea typeface="楷体" panose="02010609060101010101" pitchFamily="49" charset="-122"/>
+              </a:rPr>
+              <a:t>协议开发的可靠传输协议。目前</a:t>
+            </a:r>
+            <a:r>
+              <a:rPr lang="en-US" altLang="zh-CN" sz="1600">
+                <a:latin typeface="Ubuntu Mono" panose="020B0509030602030204" pitchFamily="49" charset="0"/>
+                <a:ea typeface="楷体" panose="02010609060101010101" pitchFamily="49" charset="-122"/>
+              </a:rPr>
+              <a:t>HTTP/3</a:t>
+            </a:r>
+            <a:r>
+              <a:rPr lang="zh-CN" altLang="en-US" sz="1600">
+                <a:latin typeface="Ubuntu Mono" panose="020B0509030602030204" pitchFamily="49" charset="0"/>
+                <a:ea typeface="楷体" panose="02010609060101010101" pitchFamily="49" charset="-122"/>
+              </a:rPr>
+              <a:t>并没有正式发布标准文档，国内一些互联网公司在内部服务上也已经有</a:t>
+            </a:r>
+            <a:r>
+              <a:rPr lang="en-US" altLang="zh-CN" sz="1600">
+                <a:latin typeface="Ubuntu Mono" panose="020B0509030602030204" pitchFamily="49" charset="0"/>
+                <a:ea typeface="楷体" panose="02010609060101010101" pitchFamily="49" charset="-122"/>
+              </a:rPr>
+              <a:t>HTTP/3</a:t>
+            </a:r>
+            <a:r>
+              <a:rPr lang="zh-CN" altLang="en-US" sz="1600">
+                <a:latin typeface="Ubuntu Mono" panose="020B0509030602030204" pitchFamily="49" charset="0"/>
+                <a:ea typeface="楷体" panose="02010609060101010101" pitchFamily="49" charset="-122"/>
+              </a:rPr>
+              <a:t>的使用了。</a:t>
+            </a:r>
+            <a:endParaRPr lang="en-US" altLang="zh-CN" sz="1600">
+              <a:latin typeface="Ubuntu Mono" panose="020B0509030602030204" pitchFamily="49" charset="0"/>
+              <a:ea typeface="楷体" panose="02010609060101010101" pitchFamily="49" charset="-122"/>
+            </a:endParaRPr>
+          </a:p>
+          <a:p>
+            <a:pPr marL="285750" indent="-285750">
+              <a:lnSpc>
+                <a:spcPts val="2600"/>
+              </a:lnSpc>
+              <a:spcBef>
+                <a:spcPts val="1200"/>
+              </a:spcBef>
+              <a:buFont typeface="Arial" panose="020B0604020202020204" pitchFamily="34" charset="0"/>
+              <a:buChar char="•"/>
+            </a:pPr>
+            <a:r>
+              <a:rPr lang="zh-CN" altLang="en-US" sz="1600">
+                <a:latin typeface="Ubuntu Mono" panose="020B0509030602030204" pitchFamily="49" charset="0"/>
+                <a:ea typeface="楷体" panose="02010609060101010101" pitchFamily="49" charset="-122"/>
+              </a:rPr>
+              <a:t>关于</a:t>
+            </a:r>
+            <a:r>
+              <a:rPr lang="en-US" altLang="zh-CN" sz="1600">
+                <a:latin typeface="Ubuntu Mono" panose="020B0509030602030204" pitchFamily="49" charset="0"/>
+                <a:ea typeface="楷体" panose="02010609060101010101" pitchFamily="49" charset="-122"/>
+              </a:rPr>
+              <a:t>HTTP/3</a:t>
+            </a:r>
+            <a:r>
+              <a:rPr lang="zh-CN" altLang="en-US" sz="1600">
+                <a:latin typeface="Ubuntu Mono" panose="020B0509030602030204" pitchFamily="49" charset="0"/>
+                <a:ea typeface="楷体" panose="02010609060101010101" pitchFamily="49" charset="-122"/>
+              </a:rPr>
+              <a:t>，本人目前并没有太深入的研究。</a:t>
+            </a:r>
+            <a:endParaRPr lang="en-US" altLang="zh-CN" sz="1600">
+              <a:latin typeface="Ubuntu Mono" panose="020B0509030602030204" pitchFamily="49" charset="0"/>
+              <a:ea typeface="楷体" panose="02010609060101010101" pitchFamily="49" charset="-122"/>
+            </a:endParaRPr>
+          </a:p>
+        </p:txBody>
+      </p:sp>
+    </p:spTree>
+    <p:extLst>
+      <p:ext uri="{BB962C8B-B14F-4D97-AF65-F5344CB8AC3E}">
+        <p14:creationId xmlns:p14="http://schemas.microsoft.com/office/powerpoint/2010/main" val="933359811"/>
+      </p:ext>
+    </p:extLst>
+  </p:cSld>
+  <p:clrMapOvr>
+    <a:masterClrMapping/>
+  </p:clrMapOvr>
+</p:sld>
+</file>
+
 <file path=ppt/slides/slide2.xml><?xml version="1.0" encoding="utf-8"?>
 <p:sld xmlns:a="http://schemas.openxmlformats.org/drawingml/2006/main" xmlns:r="http://schemas.openxmlformats.org/officeDocument/2006/relationships" xmlns:p="http://schemas.openxmlformats.org/presentationml/2006/main">
   <p:cSld>
@@ -4046,7 +4712,7 @@
           <a:p>
             <a:r>
               <a:rPr lang="zh-CN" altLang="en-US"/>
-              <a:t>本章节所有内容除技术以及相关的问题讨论之外，需要更多的去参考示例代码。</a:t>
+              <a:t>本章节所有内容除技术以及相关的问题讨论之外，要去研究示例代码。你需要大量的实践来加深理解。</a:t>
             </a:r>
             <a:endParaRPr lang="en-US" altLang="zh-CN"/>
           </a:p>
@@ -4056,7 +4722,7 @@
           <a:p>
             <a:r>
               <a:rPr lang="zh-CN" altLang="en-US"/>
-              <a:t>你需要自己大量的实践来加深理解。</a:t>
+              <a:t>本章节所讨论的关于设计实践等方案，你需要结合自己的思考和实践形成自己的体系。</a:t>
             </a:r>
             <a:endParaRPr lang="en-US" altLang="zh-CN"/>
           </a:p>
@@ -4066,18 +4732,9 @@
           <a:p>
             <a:r>
               <a:rPr lang="zh-CN" altLang="en-US"/>
-              <a:t>本章节所讨论的关于设计实践等方案，你需要结合自己的思考和实践形成自己的体系。</a:t>
+              <a:t>软件的体系和通信结构设计上，除了一些明显的要规避的问题，很多方面本就存在争论，而且并没有哪种设计方式是最好的。</a:t>
             </a:r>
             <a:endParaRPr lang="en-US" altLang="zh-CN"/>
-          </a:p>
-          <a:p>
-            <a:endParaRPr lang="en-US" altLang="zh-CN"/>
-          </a:p>
-          <a:p>
-            <a:r>
-              <a:rPr lang="zh-CN" altLang="en-US"/>
-              <a:t>软件的体系和通信结构设计上，除了一些明显的要规避的问题，很多方面本就存在争论，而且并没有哪种设计方式是最好的。</a:t>
-            </a:r>
           </a:p>
         </p:txBody>
       </p:sp>
@@ -4205,7 +4862,31 @@
               <a:rPr lang="en-US" altLang="zh-CN">
                 <a:latin typeface="Ubuntu Mono" panose="020B0509030602030204" pitchFamily="49" charset="0"/>
               </a:rPr>
-              <a:t>http/https/http2</a:t>
+              <a:t>http</a:t>
+            </a:r>
+            <a:r>
+              <a:rPr lang="zh-CN" altLang="en-US">
+                <a:latin typeface="Ubuntu Mono" panose="020B0509030602030204" pitchFamily="49" charset="0"/>
+              </a:rPr>
+              <a:t>、</a:t>
+            </a:r>
+            <a:r>
+              <a:rPr lang="en-US" altLang="zh-CN">
+                <a:latin typeface="Ubuntu Mono" panose="020B0509030602030204" pitchFamily="49" charset="0"/>
+              </a:rPr>
+              <a:t>https</a:t>
+            </a:r>
+            <a:r>
+              <a:rPr lang="zh-CN" altLang="en-US">
+                <a:latin typeface="Ubuntu Mono" panose="020B0509030602030204" pitchFamily="49" charset="0"/>
+              </a:rPr>
+              <a:t>、</a:t>
+            </a:r>
+            <a:r>
+              <a:rPr lang="en-US" altLang="zh-CN">
+                <a:latin typeface="Ubuntu Mono" panose="020B0509030602030204" pitchFamily="49" charset="0"/>
+              </a:rPr>
+              <a:t>http2</a:t>
             </a:r>
             <a:r>
               <a:rPr lang="zh-CN" altLang="en-US">
@@ -5244,20 +5925,26 @@
         </p:nvSpPr>
         <p:spPr/>
         <p:txBody>
-          <a:bodyPr/>
+          <a:bodyPr>
+            <a:normAutofit/>
+          </a:bodyPr>
           <a:lstStyle/>
           <a:p>
-            <a:r>
-              <a:rPr lang="zh-CN" altLang="en-US"/>
-              <a:t>依据</a:t>
-            </a:r>
             <a:r>
               <a:rPr lang="en-US" altLang="zh-CN"/>
               <a:t>REST</a:t>
             </a:r>
             <a:r>
               <a:rPr lang="zh-CN" altLang="en-US"/>
-              <a:t>原则，就是要充分利用</a:t>
+              <a:t>主要就是：</a:t>
+            </a:r>
+            <a:r>
+              <a:rPr lang="en-US" altLang="zh-CN"/>
+              <a:t>URL</a:t>
+            </a:r>
+            <a:r>
+              <a:rPr lang="zh-CN" altLang="en-US"/>
+              <a:t>的设计不指定动作，只是定位资源，使用请求类型表示动作；使用</a:t>
             </a:r>
             <a:r>
               <a:rPr lang="en-US" altLang="zh-CN"/>
@@ -5265,7 +5952,22 @@
             </a:r>
             <a:r>
               <a:rPr lang="zh-CN" altLang="en-US"/>
-              <a:t>协议来实现应用，而不是仅仅把</a:t>
+              <a:t>的状态码表示通信的状态。</a:t>
+            </a:r>
+            <a:endParaRPr lang="en-US" altLang="zh-CN"/>
+          </a:p>
+          <a:p>
+            <a:r>
+              <a:rPr lang="zh-CN" altLang="en-US"/>
+              <a:t>依据</a:t>
+            </a:r>
+            <a:r>
+              <a:rPr lang="en-US" altLang="zh-CN"/>
+              <a:t>REST</a:t>
+            </a:r>
+            <a:r>
+              <a:rPr lang="zh-CN" altLang="en-US"/>
+              <a:t>原则，就是要充分利用</a:t>
             </a:r>
             <a:r>
               <a:rPr lang="en-US" altLang="zh-CN"/>
@@ -5273,7 +5975,7 @@
             </a:r>
             <a:r>
               <a:rPr lang="zh-CN" altLang="en-US"/>
-              <a:t>作为一个数据的传输协议。当然这也意味着，你设计的应用是完全依赖于</a:t>
+              <a:t>协议来实现应用，而不是仅仅把</a:t>
             </a:r>
             <a:r>
               <a:rPr lang="en-US" altLang="zh-CN"/>
@@ -5281,6 +5983,14 @@
             </a:r>
             <a:r>
               <a:rPr lang="zh-CN" altLang="en-US"/>
+              <a:t>作为一个数据的传输协议。当然这也意味着，你设计的应用是完全依赖于</a:t>
+            </a:r>
+            <a:r>
+              <a:rPr lang="en-US" altLang="zh-CN"/>
+              <a:t>HTTP</a:t>
+            </a:r>
+            <a:r>
+              <a:rPr lang="zh-CN" altLang="en-US"/>
               <a:t>的。</a:t>
             </a:r>
             <a:endParaRPr lang="en-US" altLang="zh-CN"/>
@@ -5291,9 +6001,85 @@
           <a:p>
             <a:r>
               <a:rPr lang="zh-CN" altLang="en-US"/>
-              <a:t>对于路由的设计、请求方法的使用，大部分情况下都是可以达到意见一致的（注意示例代码的路由方式）。</a:t>
+              <a:t>对于路由的设计、请求方法的使用，大部分情况下都是可以达到意见一致的，请求方法（请求类型）的设计本来就指明了要对资源进行的操作，以四个常用类型为例：</a:t>
             </a:r>
             <a:endParaRPr lang="en-US" altLang="zh-CN"/>
+          </a:p>
+          <a:p>
+            <a:pPr lvl="2">
+              <a:lnSpc>
+                <a:spcPts val="2200"/>
+              </a:lnSpc>
+              <a:spcBef>
+                <a:spcPts val="600"/>
+              </a:spcBef>
+            </a:pPr>
+            <a:r>
+              <a:rPr lang="en-US" altLang="zh-CN" sz="1800"/>
+              <a:t>GET    </a:t>
+            </a:r>
+            <a:r>
+              <a:rPr lang="zh-CN" altLang="en-US" sz="1800"/>
+              <a:t>获取资源</a:t>
+            </a:r>
+            <a:endParaRPr lang="en-US" altLang="zh-CN" sz="1800"/>
+          </a:p>
+          <a:p>
+            <a:pPr lvl="2">
+              <a:lnSpc>
+                <a:spcPts val="2200"/>
+              </a:lnSpc>
+              <a:spcBef>
+                <a:spcPts val="600"/>
+              </a:spcBef>
+            </a:pPr>
+            <a:r>
+              <a:rPr lang="en-US" altLang="zh-CN" sz="1800"/>
+              <a:t>POST   </a:t>
+            </a:r>
+            <a:r>
+              <a:rPr lang="zh-CN" altLang="en-US" sz="1800"/>
+              <a:t>创建资源</a:t>
+            </a:r>
+            <a:endParaRPr lang="en-US" altLang="zh-CN" sz="1800"/>
+          </a:p>
+          <a:p>
+            <a:pPr lvl="2">
+              <a:lnSpc>
+                <a:spcPts val="2200"/>
+              </a:lnSpc>
+              <a:spcBef>
+                <a:spcPts val="600"/>
+              </a:spcBef>
+            </a:pPr>
+            <a:r>
+              <a:rPr lang="en-US" altLang="zh-CN" sz="1800"/>
+              <a:t>PUT    </a:t>
+            </a:r>
+            <a:r>
+              <a:rPr lang="zh-CN" altLang="en-US" sz="1800"/>
+              <a:t>更新资源</a:t>
+            </a:r>
+            <a:endParaRPr lang="en-US" altLang="zh-CN" sz="1800"/>
+          </a:p>
+          <a:p>
+            <a:pPr lvl="2">
+              <a:lnSpc>
+                <a:spcPts val="2200"/>
+              </a:lnSpc>
+              <a:spcBef>
+                <a:spcPts val="600"/>
+              </a:spcBef>
+            </a:pPr>
+            <a:r>
+              <a:rPr lang="en-US" altLang="zh-CN" sz="1800"/>
+              <a:t>DELETE </a:t>
+            </a:r>
+            <a:r>
+              <a:rPr lang="zh-CN" altLang="en-US" sz="1800"/>
+              <a:t>删除资源</a:t>
+            </a:r>
+            <a:endParaRPr lang="en-US" altLang="zh-CN" sz="1800"/>
           </a:p>
         </p:txBody>
       </p:sp>
@@ -5432,7 +6218,17 @@
             </a:r>
             <a:r>
               <a:rPr lang="zh-CN" altLang="en-US"/>
-              <a:t>基础上又做了一层自己的通信格式。就是仅仅把</a:t>
+              <a:t>基础上又做了一层自己的通信格式。</a:t>
+            </a:r>
+            <a:endParaRPr lang="en-US" altLang="zh-CN"/>
+          </a:p>
+          <a:p>
+            <a:endParaRPr lang="en-US" altLang="zh-CN"/>
+          </a:p>
+          <a:p>
+            <a:r>
+              <a:rPr lang="zh-CN" altLang="en-US"/>
+              <a:t>因为</a:t>
             </a:r>
             <a:r>
               <a:rPr lang="en-US" altLang="zh-CN"/>
@@ -5440,65 +6236,7 @@
             </a:r>
             <a:r>
               <a:rPr lang="zh-CN" altLang="en-US"/>
-              <a:t>作为传输协议。这也意味着，如果你基于</a:t>
-            </a:r>
-            <a:r>
-              <a:rPr lang="en-US" altLang="zh-CN"/>
-              <a:t>TCP/UDP</a:t>
-            </a:r>
-            <a:r>
-              <a:rPr lang="zh-CN" altLang="en-US"/>
-              <a:t>或是</a:t>
-            </a:r>
-            <a:r>
-              <a:rPr lang="en-US" altLang="zh-CN"/>
-              <a:t>WebSocket</a:t>
-            </a:r>
-            <a:r>
-              <a:rPr lang="zh-CN" altLang="en-US"/>
-              <a:t>传输</a:t>
-            </a:r>
-            <a:r>
-              <a:rPr lang="en-US" altLang="zh-CN"/>
-              <a:t>JSON</a:t>
-            </a:r>
-            <a:r>
-              <a:rPr lang="zh-CN" altLang="en-US"/>
-              <a:t>进行通信也是可以的。</a:t>
-            </a:r>
-            <a:endParaRPr lang="en-US" altLang="zh-CN"/>
-          </a:p>
-          <a:p>
-            <a:endParaRPr lang="en-US" altLang="zh-CN"/>
-          </a:p>
-          <a:p>
-            <a:r>
-              <a:rPr lang="zh-CN" altLang="en-US"/>
-              <a:t>其实就类似于</a:t>
-            </a:r>
-            <a:r>
-              <a:rPr lang="en-US" altLang="zh-CN"/>
-              <a:t>SOAP</a:t>
-            </a:r>
-            <a:r>
-              <a:rPr lang="zh-CN" altLang="en-US"/>
-              <a:t>，只是</a:t>
-            </a:r>
-            <a:r>
-              <a:rPr lang="en-US" altLang="zh-CN"/>
-              <a:t>SOAP</a:t>
-            </a:r>
-            <a:r>
-              <a:rPr lang="zh-CN" altLang="en-US"/>
-              <a:t>是基于</a:t>
-            </a:r>
-            <a:r>
-              <a:rPr lang="en-US" altLang="zh-CN"/>
-              <a:t>XML</a:t>
-            </a:r>
-            <a:r>
-              <a:rPr lang="zh-CN" altLang="en-US"/>
-              <a:t>的，并且要复杂，解析起来也更慢。</a:t>
+              <a:t>的状态码有时会难以区分是通信出错了还是业务逻辑操作没有通过，这就需要在接口设计中根据返回的数据结果再进行一次判断。</a:t>
             </a:r>
             <a:endParaRPr lang="en-US" altLang="zh-CN"/>
           </a:p>
@@ -5585,17 +6323,20 @@
           <a:p>
             <a:r>
               <a:rPr lang="zh-CN" altLang="en-US"/>
-              <a:t>任何标准、准则都是基于当下的情况提出的，任何人都相信，标准不可能解决所有问题，标准也会出问题，而且有时候制定的标准完全不符合实际。这从</a:t>
-            </a:r>
-            <a:r>
-              <a:rPr lang="en-US" altLang="zh-CN"/>
-              <a:t>HTTP/1.1</a:t>
-            </a:r>
-            <a:r>
-              <a:rPr lang="zh-CN" altLang="en-US"/>
-              <a:t>的复杂性以及所带来的问题就可以看出来。</a:t>
-            </a:r>
-            <a:endParaRPr lang="en-US" altLang="zh-CN"/>
+              <a:t>任何标准、准则都是基于当下的情况提出的，大家都知道，标准不可能解决所有问题，标准也会出问题，而且有时候制定的标准完全不符合实际。</a:t>
+            </a:r>
+            <a:r>
+              <a:rPr lang="en-US" altLang="zh-CN" sz="1400"/>
+              <a:t>[</a:t>
+            </a:r>
+            <a:r>
+              <a:rPr lang="zh-CN" altLang="en-US" sz="1400"/>
+              <a:t>具体可参考最后一页的扩展描述</a:t>
+            </a:r>
+            <a:r>
+              <a:rPr lang="en-US" altLang="zh-CN" sz="1400"/>
+              <a:t>]</a:t>
+            </a:r>
           </a:p>
           <a:p>
             <a:endParaRPr lang="en-US" altLang="zh-CN"/>

--- a/materials/ch07/ch07-搭建完整的后台服务.pptx
+++ b/materials/ch07/ch07-搭建完整的后台服务.pptx
@@ -18,6 +18,7 @@
     <p:sldId id="264" r:id="rId12"/>
     <p:sldId id="271" r:id="rId13"/>
     <p:sldId id="288" r:id="rId14"/>
+    <p:sldId id="289" r:id="rId15"/>
   </p:sldIdLst>
   <p:sldSz cx="12192000" cy="6858000"/>
   <p:notesSz cx="6858000" cy="9144000"/>
@@ -550,7 +551,7 @@
           <a:p>
             <a:fld id="{10955001-8E90-43AD-87AF-166875BDDBE4}" type="datetimeFigureOut">
               <a:rPr lang="zh-CN" altLang="en-US" smtClean="0"/>
-              <a:t>2020/8/30</a:t>
+              <a:t>2020/9/2</a:t>
             </a:fld>
             <a:endParaRPr lang="zh-CN" altLang="en-US"/>
           </a:p>
@@ -782,7 +783,7 @@
           <a:p>
             <a:fld id="{10955001-8E90-43AD-87AF-166875BDDBE4}" type="datetimeFigureOut">
               <a:rPr lang="zh-CN" altLang="en-US" smtClean="0"/>
-              <a:t>2020/8/30</a:t>
+              <a:t>2020/9/2</a:t>
             </a:fld>
             <a:endParaRPr lang="zh-CN" altLang="en-US"/>
           </a:p>
@@ -1280,7 +1281,7 @@
           <a:p>
             <a:fld id="{10955001-8E90-43AD-87AF-166875BDDBE4}" type="datetimeFigureOut">
               <a:rPr lang="zh-CN" altLang="en-US" smtClean="0"/>
-              <a:t>2020/8/30</a:t>
+              <a:t>2020/9/2</a:t>
             </a:fld>
             <a:endParaRPr lang="zh-CN" altLang="en-US"/>
           </a:p>
@@ -1709,7 +1710,7 @@
           <a:p>
             <a:fld id="{10955001-8E90-43AD-87AF-166875BDDBE4}" type="datetimeFigureOut">
               <a:rPr lang="zh-CN" altLang="en-US" smtClean="0"/>
-              <a:t>2020/8/30</a:t>
+              <a:t>2020/9/2</a:t>
             </a:fld>
             <a:endParaRPr lang="zh-CN" altLang="en-US"/>
           </a:p>
@@ -2226,7 +2227,7 @@
           <a:p>
             <a:fld id="{10955001-8E90-43AD-87AF-166875BDDBE4}" type="datetimeFigureOut">
               <a:rPr lang="zh-CN" altLang="en-US" smtClean="0"/>
-              <a:t>2020/8/30</a:t>
+              <a:t>2020/9/2</a:t>
             </a:fld>
             <a:endParaRPr lang="zh-CN" altLang="en-US"/>
           </a:p>
@@ -2686,7 +2687,7 @@
           <a:p>
             <a:fld id="{10955001-8E90-43AD-87AF-166875BDDBE4}" type="datetimeFigureOut">
               <a:rPr lang="zh-CN" altLang="en-US" smtClean="0"/>
-              <a:t>2020/8/30</a:t>
+              <a:t>2020/9/2</a:t>
             </a:fld>
             <a:endParaRPr lang="zh-CN" altLang="en-US"/>
           </a:p>
@@ -2998,7 +2999,7 @@
           <a:p>
             <a:fld id="{10955001-8E90-43AD-87AF-166875BDDBE4}" type="datetimeFigureOut">
               <a:rPr lang="zh-CN" altLang="en-US" smtClean="0"/>
-              <a:t>2020/8/30</a:t>
+              <a:t>2020/9/2</a:t>
             </a:fld>
             <a:endParaRPr lang="zh-CN" altLang="en-US"/>
           </a:p>
@@ -4046,8 +4047,8 @@
         </p:nvSpPr>
         <p:spPr>
           <a:xfrm>
-            <a:off x="926797" y="1343861"/>
-            <a:ext cx="10658562" cy="4999702"/>
+            <a:off x="926797" y="1422377"/>
+            <a:ext cx="10658562" cy="4486741"/>
           </a:xfrm>
           <a:prstGeom prst="rect">
             <a:avLst/>
@@ -4170,48 +4171,6 @@
               <a:buFont typeface="Arial" panose="020B0604020202020204" pitchFamily="34" charset="0"/>
               <a:buChar char="•"/>
             </a:pPr>
-            <a:r>
-              <a:rPr lang="en-US" altLang="zh-CN" sz="1600">
-                <a:latin typeface="Ubuntu Mono" panose="020B0509030602030204" pitchFamily="49" charset="0"/>
-                <a:ea typeface="楷体" panose="02010609060101010101" pitchFamily="49" charset="-122"/>
-              </a:rPr>
-              <a:t>HTTP/1.1</a:t>
-            </a:r>
-            <a:r>
-              <a:rPr lang="zh-CN" altLang="en-US" sz="1600">
-                <a:latin typeface="Ubuntu Mono" panose="020B0509030602030204" pitchFamily="49" charset="0"/>
-                <a:ea typeface="楷体" panose="02010609060101010101" pitchFamily="49" charset="-122"/>
-              </a:rPr>
-              <a:t>以前的协议标准要求消息头字段不区分大小写，这在通信时带来很多麻烦，因为每个软件编写方式不同，而</a:t>
-            </a:r>
-            <a:r>
-              <a:rPr lang="en-US" altLang="zh-CN" sz="1600">
-                <a:latin typeface="Ubuntu Mono" panose="020B0509030602030204" pitchFamily="49" charset="0"/>
-                <a:ea typeface="楷体" panose="02010609060101010101" pitchFamily="49" charset="-122"/>
-              </a:rPr>
-              <a:t>HTTP/2</a:t>
-            </a:r>
-            <a:r>
-              <a:rPr lang="zh-CN" altLang="en-US" sz="1600">
-                <a:latin typeface="Ubuntu Mono" panose="020B0509030602030204" pitchFamily="49" charset="0"/>
-                <a:ea typeface="楷体" panose="02010609060101010101" pitchFamily="49" charset="-122"/>
-              </a:rPr>
-              <a:t>则统一要求消息头字段小写，</a:t>
-            </a:r>
-            <a:r>
-              <a:rPr lang="en-US" altLang="zh-CN" sz="1600">
-                <a:latin typeface="Ubuntu Mono" panose="020B0509030602030204" pitchFamily="49" charset="0"/>
-                <a:ea typeface="楷体" panose="02010609060101010101" pitchFamily="49" charset="-122"/>
-              </a:rPr>
-              <a:t>node.js</a:t>
-            </a:r>
-            <a:r>
-              <a:rPr lang="zh-CN" altLang="en-US" sz="1600">
-                <a:latin typeface="Ubuntu Mono" panose="020B0509030602030204" pitchFamily="49" charset="0"/>
-                <a:ea typeface="楷体" panose="02010609060101010101" pitchFamily="49" charset="-122"/>
-              </a:rPr>
-              <a:t>在处理时，已经把所有消息头都转换成了小写，保证了一致性。</a:t>
-            </a:r>
             <a:endParaRPr lang="en-US" altLang="zh-CN" sz="1600">
               <a:latin typeface="Ubuntu Mono" panose="020B0509030602030204" pitchFamily="49" charset="0"/>
               <a:ea typeface="楷体" panose="02010609060101010101" pitchFamily="49" charset="-122"/>
@@ -4229,165 +4188,18 @@
               <a:buChar char="•"/>
             </a:pPr>
             <a:r>
+              <a:rPr lang="en-US" altLang="zh-CN" sz="1600">
+                <a:latin typeface="Ubuntu Mono" panose="020B0509030602030204" pitchFamily="49" charset="0"/>
+                <a:ea typeface="楷体" panose="02010609060101010101" pitchFamily="49" charset="-122"/>
+              </a:rPr>
+              <a:t>HTTP/1.1</a:t>
+            </a:r>
+            <a:r>
               <a:rPr lang="zh-CN" altLang="en-US" sz="1600">
                 <a:latin typeface="Ubuntu Mono" panose="020B0509030602030204" pitchFamily="49" charset="0"/>
                 <a:ea typeface="楷体" panose="02010609060101010101" pitchFamily="49" charset="-122"/>
               </a:rPr>
-              <a:t>后来的</a:t>
-            </a:r>
-            <a:r>
-              <a:rPr lang="en-US" altLang="zh-CN" sz="1600">
-                <a:latin typeface="Ubuntu Mono" panose="020B0509030602030204" pitchFamily="49" charset="0"/>
-                <a:ea typeface="楷体" panose="02010609060101010101" pitchFamily="49" charset="-122"/>
-              </a:rPr>
-              <a:t>HTTP/2</a:t>
-            </a:r>
-            <a:r>
-              <a:rPr lang="zh-CN" altLang="en-US" sz="1600">
-                <a:latin typeface="Ubuntu Mono" panose="020B0509030602030204" pitchFamily="49" charset="0"/>
-                <a:ea typeface="楷体" panose="02010609060101010101" pitchFamily="49" charset="-122"/>
-              </a:rPr>
-              <a:t>彻底改变了</a:t>
-            </a:r>
-            <a:r>
-              <a:rPr lang="en-US" altLang="zh-CN" sz="1600">
-                <a:latin typeface="Ubuntu Mono" panose="020B0509030602030204" pitchFamily="49" charset="0"/>
-                <a:ea typeface="楷体" panose="02010609060101010101" pitchFamily="49" charset="-122"/>
-              </a:rPr>
-              <a:t>HTTP/1.1</a:t>
-            </a:r>
-            <a:r>
-              <a:rPr lang="zh-CN" altLang="en-US" sz="1600">
-                <a:latin typeface="Ubuntu Mono" panose="020B0509030602030204" pitchFamily="49" charset="0"/>
-                <a:ea typeface="楷体" panose="02010609060101010101" pitchFamily="49" charset="-122"/>
-              </a:rPr>
-              <a:t>的传输方式，采用了二进制分帧层，简单来说，在</a:t>
-            </a:r>
-            <a:r>
-              <a:rPr lang="en-US" altLang="zh-CN" sz="1600">
-                <a:latin typeface="Ubuntu Mono" panose="020B0509030602030204" pitchFamily="49" charset="0"/>
-                <a:ea typeface="楷体" panose="02010609060101010101" pitchFamily="49" charset="-122"/>
-              </a:rPr>
-              <a:t>HTTP</a:t>
-            </a:r>
-            <a:r>
-              <a:rPr lang="zh-CN" altLang="en-US" sz="1600">
-                <a:latin typeface="Ubuntu Mono" panose="020B0509030602030204" pitchFamily="49" charset="0"/>
-                <a:ea typeface="楷体" panose="02010609060101010101" pitchFamily="49" charset="-122"/>
-              </a:rPr>
-              <a:t>基础上又做了一层类似于</a:t>
-            </a:r>
-            <a:r>
-              <a:rPr lang="en-US" altLang="zh-CN" sz="1600">
-                <a:latin typeface="Ubuntu Mono" panose="020B0509030602030204" pitchFamily="49" charset="0"/>
-                <a:ea typeface="楷体" panose="02010609060101010101" pitchFamily="49" charset="-122"/>
-              </a:rPr>
-              <a:t>TCP</a:t>
-            </a:r>
-            <a:r>
-              <a:rPr lang="zh-CN" altLang="en-US" sz="1600">
-                <a:latin typeface="Ubuntu Mono" panose="020B0509030602030204" pitchFamily="49" charset="0"/>
-                <a:ea typeface="楷体" panose="02010609060101010101" pitchFamily="49" charset="-122"/>
-              </a:rPr>
-              <a:t>的数据流传输方式，就要设计帧格式，否则解析困难。</a:t>
-            </a:r>
-            <a:r>
-              <a:rPr lang="en-US" altLang="zh-CN" sz="1600">
-                <a:latin typeface="Ubuntu Mono" panose="020B0509030602030204" pitchFamily="49" charset="0"/>
-                <a:ea typeface="楷体" panose="02010609060101010101" pitchFamily="49" charset="-122"/>
-              </a:rPr>
-              <a:t>HTTP/2</a:t>
-            </a:r>
-            <a:r>
-              <a:rPr lang="zh-CN" altLang="en-US" sz="1600">
-                <a:latin typeface="Ubuntu Mono" panose="020B0509030602030204" pitchFamily="49" charset="0"/>
-                <a:ea typeface="楷体" panose="02010609060101010101" pitchFamily="49" charset="-122"/>
-              </a:rPr>
-              <a:t>的好处是一个连接可以处理很多个请求，就是多路复用。因为底层依赖的</a:t>
-            </a:r>
-            <a:r>
-              <a:rPr lang="en-US" altLang="zh-CN" sz="1600">
-                <a:latin typeface="Ubuntu Mono" panose="020B0509030602030204" pitchFamily="49" charset="0"/>
-                <a:ea typeface="楷体" panose="02010609060101010101" pitchFamily="49" charset="-122"/>
-              </a:rPr>
-              <a:t>TCP</a:t>
-            </a:r>
-            <a:r>
-              <a:rPr lang="zh-CN" altLang="en-US" sz="1600">
-                <a:latin typeface="Ubuntu Mono" panose="020B0509030602030204" pitchFamily="49" charset="0"/>
-                <a:ea typeface="楷体" panose="02010609060101010101" pitchFamily="49" charset="-122"/>
-              </a:rPr>
-              <a:t>协议的队头阻塞问题，</a:t>
-            </a:r>
-            <a:r>
-              <a:rPr lang="en-US" altLang="zh-CN" sz="1600">
-                <a:latin typeface="Ubuntu Mono" panose="020B0509030602030204" pitchFamily="49" charset="0"/>
-                <a:ea typeface="楷体" panose="02010609060101010101" pitchFamily="49" charset="-122"/>
-              </a:rPr>
-              <a:t>HTTP/2</a:t>
-            </a:r>
-            <a:r>
-              <a:rPr lang="zh-CN" altLang="en-US" sz="1600">
-                <a:latin typeface="Ubuntu Mono" panose="020B0509030602030204" pitchFamily="49" charset="0"/>
-                <a:ea typeface="楷体" panose="02010609060101010101" pitchFamily="49" charset="-122"/>
-              </a:rPr>
-              <a:t>仍然不尽如人意，因为在多路复用情况下，一个包丢失，会导致所有请求都要重传。在网络环境比较差的情况下，</a:t>
-            </a:r>
-            <a:r>
-              <a:rPr lang="en-US" altLang="zh-CN" sz="1600">
-                <a:latin typeface="Ubuntu Mono" panose="020B0509030602030204" pitchFamily="49" charset="0"/>
-                <a:ea typeface="楷体" panose="02010609060101010101" pitchFamily="49" charset="-122"/>
-              </a:rPr>
-              <a:t>HTTP/2</a:t>
-            </a:r>
-            <a:r>
-              <a:rPr lang="zh-CN" altLang="en-US" sz="1600">
-                <a:latin typeface="Ubuntu Mono" panose="020B0509030602030204" pitchFamily="49" charset="0"/>
-                <a:ea typeface="楷体" panose="02010609060101010101" pitchFamily="49" charset="-122"/>
-              </a:rPr>
-              <a:t>比</a:t>
-            </a:r>
-            <a:r>
-              <a:rPr lang="en-US" altLang="zh-CN" sz="1600">
-                <a:latin typeface="Ubuntu Mono" panose="020B0509030602030204" pitchFamily="49" charset="0"/>
-                <a:ea typeface="楷体" panose="02010609060101010101" pitchFamily="49" charset="-122"/>
-              </a:rPr>
-              <a:t>HTTP/1.1</a:t>
-            </a:r>
-            <a:r>
-              <a:rPr lang="zh-CN" altLang="en-US" sz="1600">
-                <a:latin typeface="Ubuntu Mono" panose="020B0509030602030204" pitchFamily="49" charset="0"/>
-                <a:ea typeface="楷体" panose="02010609060101010101" pitchFamily="49" charset="-122"/>
-              </a:rPr>
-              <a:t>慢，实际体验可能非常差。在网络好的环境下，</a:t>
-            </a:r>
-            <a:r>
-              <a:rPr lang="en-US" altLang="zh-CN" sz="1600">
-                <a:latin typeface="Ubuntu Mono" panose="020B0509030602030204" pitchFamily="49" charset="0"/>
-                <a:ea typeface="楷体" panose="02010609060101010101" pitchFamily="49" charset="-122"/>
-              </a:rPr>
-              <a:t>HTTP/2</a:t>
-            </a:r>
-            <a:r>
-              <a:rPr lang="zh-CN" altLang="en-US" sz="1600">
-                <a:latin typeface="Ubuntu Mono" panose="020B0509030602030204" pitchFamily="49" charset="0"/>
-                <a:ea typeface="楷体" panose="02010609060101010101" pitchFamily="49" charset="-122"/>
-              </a:rPr>
-              <a:t>的传输效率比</a:t>
-            </a:r>
-            <a:r>
-              <a:rPr lang="en-US" altLang="zh-CN" sz="1600">
-                <a:latin typeface="Ubuntu Mono" panose="020B0509030602030204" pitchFamily="49" charset="0"/>
-                <a:ea typeface="楷体" panose="02010609060101010101" pitchFamily="49" charset="-122"/>
-              </a:rPr>
-              <a:t>HTTP/1.1</a:t>
-            </a:r>
-            <a:r>
-              <a:rPr lang="zh-CN" altLang="en-US" sz="1600">
-                <a:latin typeface="Ubuntu Mono" panose="020B0509030602030204" pitchFamily="49" charset="0"/>
-                <a:ea typeface="楷体" panose="02010609060101010101" pitchFamily="49" charset="-122"/>
-              </a:rPr>
-              <a:t>高很多。</a:t>
+              <a:t>以前的协议标准要求消息头字段不区分大小写，这在通信时带来很多麻烦，因为每个软件编写方式不同，这很容易导致问题，在一些程序之间进行网络请求时，因为服务端和客户端的不一致性，导致无法正常通信。然而这不是什么技术原理导致的差异，纯粹是因为协议存在缺陷，而软件的实现又不统一导致的。</a:t>
             </a:r>
             <a:endParaRPr lang="en-US" altLang="zh-CN" sz="1600">
               <a:latin typeface="Ubuntu Mono" panose="020B0509030602030204" pitchFamily="49" charset="0"/>
@@ -4405,188 +4217,6 @@
               <a:buFont typeface="Arial" panose="020B0604020202020204" pitchFamily="34" charset="0"/>
               <a:buChar char="•"/>
             </a:pPr>
-            <a:r>
-              <a:rPr lang="en-US" altLang="zh-CN" sz="1600">
-                <a:latin typeface="Ubuntu Mono" panose="020B0509030602030204" pitchFamily="49" charset="0"/>
-                <a:ea typeface="楷体" panose="02010609060101010101" pitchFamily="49" charset="-122"/>
-              </a:rPr>
-              <a:t>HTTP/2</a:t>
-            </a:r>
-            <a:r>
-              <a:rPr lang="zh-CN" altLang="en-US" sz="1600">
-                <a:latin typeface="Ubuntu Mono" panose="020B0509030602030204" pitchFamily="49" charset="0"/>
-                <a:ea typeface="楷体" panose="02010609060101010101" pitchFamily="49" charset="-122"/>
-              </a:rPr>
-              <a:t>是从</a:t>
-            </a:r>
-            <a:r>
-              <a:rPr lang="en-US" altLang="zh-CN" sz="1600">
-                <a:latin typeface="Ubuntu Mono" panose="020B0509030602030204" pitchFamily="49" charset="0"/>
-                <a:ea typeface="楷体" panose="02010609060101010101" pitchFamily="49" charset="-122"/>
-              </a:rPr>
-              <a:t>Google</a:t>
-            </a:r>
-            <a:r>
-              <a:rPr lang="zh-CN" altLang="en-US" sz="1600">
-                <a:latin typeface="Ubuntu Mono" panose="020B0509030602030204" pitchFamily="49" charset="0"/>
-                <a:ea typeface="楷体" panose="02010609060101010101" pitchFamily="49" charset="-122"/>
-              </a:rPr>
-              <a:t>发明的</a:t>
-            </a:r>
-            <a:r>
-              <a:rPr lang="en-US" altLang="zh-CN" sz="1600">
-                <a:latin typeface="Ubuntu Mono" panose="020B0509030602030204" pitchFamily="49" charset="0"/>
-                <a:ea typeface="楷体" panose="02010609060101010101" pitchFamily="49" charset="-122"/>
-              </a:rPr>
-              <a:t>SPDY</a:t>
-            </a:r>
-            <a:r>
-              <a:rPr lang="zh-CN" altLang="en-US" sz="1600">
-                <a:latin typeface="Ubuntu Mono" panose="020B0509030602030204" pitchFamily="49" charset="0"/>
-                <a:ea typeface="楷体" panose="02010609060101010101" pitchFamily="49" charset="-122"/>
-              </a:rPr>
-              <a:t>协议发展而来的，而</a:t>
-            </a:r>
-            <a:r>
-              <a:rPr lang="en-US" altLang="zh-CN" sz="1600">
-                <a:latin typeface="Ubuntu Mono" panose="020B0509030602030204" pitchFamily="49" charset="0"/>
-                <a:ea typeface="楷体" panose="02010609060101010101" pitchFamily="49" charset="-122"/>
-              </a:rPr>
-              <a:t>Google</a:t>
-            </a:r>
-            <a:r>
-              <a:rPr lang="zh-CN" altLang="en-US" sz="1600">
-                <a:latin typeface="Ubuntu Mono" panose="020B0509030602030204" pitchFamily="49" charset="0"/>
-                <a:ea typeface="楷体" panose="02010609060101010101" pitchFamily="49" charset="-122"/>
-              </a:rPr>
-              <a:t>并没有在</a:t>
-            </a:r>
-            <a:r>
-              <a:rPr lang="en-US" altLang="zh-CN" sz="1600">
-                <a:latin typeface="Ubuntu Mono" panose="020B0509030602030204" pitchFamily="49" charset="0"/>
-                <a:ea typeface="楷体" panose="02010609060101010101" pitchFamily="49" charset="-122"/>
-              </a:rPr>
-              <a:t>HTTP/2</a:t>
-            </a:r>
-            <a:r>
-              <a:rPr lang="zh-CN" altLang="en-US" sz="1600">
-                <a:latin typeface="Ubuntu Mono" panose="020B0509030602030204" pitchFamily="49" charset="0"/>
-                <a:ea typeface="楷体" panose="02010609060101010101" pitchFamily="49" charset="-122"/>
-              </a:rPr>
-              <a:t>停留太久，投入到了</a:t>
-            </a:r>
-            <a:r>
-              <a:rPr lang="en-US" altLang="zh-CN" sz="1600">
-                <a:latin typeface="Ubuntu Mono" panose="020B0509030602030204" pitchFamily="49" charset="0"/>
-                <a:ea typeface="楷体" panose="02010609060101010101" pitchFamily="49" charset="-122"/>
-              </a:rPr>
-              <a:t>HTTP/3</a:t>
-            </a:r>
-            <a:r>
-              <a:rPr lang="zh-CN" altLang="en-US" sz="1600">
-                <a:latin typeface="Ubuntu Mono" panose="020B0509030602030204" pitchFamily="49" charset="0"/>
-                <a:ea typeface="楷体" panose="02010609060101010101" pitchFamily="49" charset="-122"/>
-              </a:rPr>
-              <a:t>的工作中，</a:t>
-            </a:r>
-            <a:r>
-              <a:rPr lang="en-US" altLang="zh-CN" sz="1600">
-                <a:latin typeface="Ubuntu Mono" panose="020B0509030602030204" pitchFamily="49" charset="0"/>
-                <a:ea typeface="楷体" panose="02010609060101010101" pitchFamily="49" charset="-122"/>
-              </a:rPr>
-              <a:t>HTTP/3</a:t>
-            </a:r>
-            <a:r>
-              <a:rPr lang="zh-CN" altLang="en-US" sz="1600">
-                <a:latin typeface="Ubuntu Mono" panose="020B0509030602030204" pitchFamily="49" charset="0"/>
-                <a:ea typeface="楷体" panose="02010609060101010101" pitchFamily="49" charset="-122"/>
-              </a:rPr>
-              <a:t>底层传输采用了</a:t>
-            </a:r>
-            <a:r>
-              <a:rPr lang="en-US" altLang="zh-CN" sz="1600">
-                <a:latin typeface="Ubuntu Mono" panose="020B0509030602030204" pitchFamily="49" charset="0"/>
-                <a:ea typeface="楷体" panose="02010609060101010101" pitchFamily="49" charset="-122"/>
-              </a:rPr>
-              <a:t>QUIC</a:t>
-            </a:r>
-            <a:r>
-              <a:rPr lang="zh-CN" altLang="en-US" sz="1600">
-                <a:latin typeface="Ubuntu Mono" panose="020B0509030602030204" pitchFamily="49" charset="0"/>
-                <a:ea typeface="楷体" panose="02010609060101010101" pitchFamily="49" charset="-122"/>
-              </a:rPr>
-              <a:t>协议，</a:t>
-            </a:r>
-            <a:r>
-              <a:rPr lang="en-US" altLang="zh-CN" sz="1600">
-                <a:latin typeface="Ubuntu Mono" panose="020B0509030602030204" pitchFamily="49" charset="0"/>
-                <a:ea typeface="楷体" panose="02010609060101010101" pitchFamily="49" charset="-122"/>
-              </a:rPr>
-              <a:t>QUIC</a:t>
-            </a:r>
-            <a:r>
-              <a:rPr lang="zh-CN" altLang="en-US" sz="1600">
-                <a:latin typeface="Ubuntu Mono" panose="020B0509030602030204" pitchFamily="49" charset="0"/>
-                <a:ea typeface="楷体" panose="02010609060101010101" pitchFamily="49" charset="-122"/>
-              </a:rPr>
-              <a:t>是</a:t>
-            </a:r>
-            <a:r>
-              <a:rPr lang="en-US" altLang="zh-CN" sz="1600">
-                <a:latin typeface="Ubuntu Mono" panose="020B0509030602030204" pitchFamily="49" charset="0"/>
-                <a:ea typeface="楷体" panose="02010609060101010101" pitchFamily="49" charset="-122"/>
-              </a:rPr>
-              <a:t>Google</a:t>
-            </a:r>
-            <a:r>
-              <a:rPr lang="zh-CN" altLang="en-US" sz="1600">
-                <a:latin typeface="Ubuntu Mono" panose="020B0509030602030204" pitchFamily="49" charset="0"/>
-                <a:ea typeface="楷体" panose="02010609060101010101" pitchFamily="49" charset="-122"/>
-              </a:rPr>
-              <a:t>基于</a:t>
-            </a:r>
-            <a:r>
-              <a:rPr lang="en-US" altLang="zh-CN" sz="1600">
-                <a:latin typeface="Ubuntu Mono" panose="020B0509030602030204" pitchFamily="49" charset="0"/>
-                <a:ea typeface="楷体" panose="02010609060101010101" pitchFamily="49" charset="-122"/>
-              </a:rPr>
-              <a:t>UDP</a:t>
-            </a:r>
-            <a:r>
-              <a:rPr lang="zh-CN" altLang="en-US" sz="1600">
-                <a:latin typeface="Ubuntu Mono" panose="020B0509030602030204" pitchFamily="49" charset="0"/>
-                <a:ea typeface="楷体" panose="02010609060101010101" pitchFamily="49" charset="-122"/>
-              </a:rPr>
-              <a:t>协议开发的可靠传输协议。目前</a:t>
-            </a:r>
-            <a:r>
-              <a:rPr lang="en-US" altLang="zh-CN" sz="1600">
-                <a:latin typeface="Ubuntu Mono" panose="020B0509030602030204" pitchFamily="49" charset="0"/>
-                <a:ea typeface="楷体" panose="02010609060101010101" pitchFamily="49" charset="-122"/>
-              </a:rPr>
-              <a:t>HTTP/3</a:t>
-            </a:r>
-            <a:r>
-              <a:rPr lang="zh-CN" altLang="en-US" sz="1600">
-                <a:latin typeface="Ubuntu Mono" panose="020B0509030602030204" pitchFamily="49" charset="0"/>
-                <a:ea typeface="楷体" panose="02010609060101010101" pitchFamily="49" charset="-122"/>
-              </a:rPr>
-              <a:t>并没有正式发布标准文档，国内一些互联网公司在内部服务上也已经有</a:t>
-            </a:r>
-            <a:r>
-              <a:rPr lang="en-US" altLang="zh-CN" sz="1600">
-                <a:latin typeface="Ubuntu Mono" panose="020B0509030602030204" pitchFamily="49" charset="0"/>
-                <a:ea typeface="楷体" panose="02010609060101010101" pitchFamily="49" charset="-122"/>
-              </a:rPr>
-              <a:t>HTTP/3</a:t>
-            </a:r>
-            <a:r>
-              <a:rPr lang="zh-CN" altLang="en-US" sz="1600">
-                <a:latin typeface="Ubuntu Mono" panose="020B0509030602030204" pitchFamily="49" charset="0"/>
-                <a:ea typeface="楷体" panose="02010609060101010101" pitchFamily="49" charset="-122"/>
-              </a:rPr>
-              <a:t>的使用了。</a:t>
-            </a:r>
             <a:endParaRPr lang="en-US" altLang="zh-CN" sz="1600">
               <a:latin typeface="Ubuntu Mono" panose="020B0509030602030204" pitchFamily="49" charset="0"/>
               <a:ea typeface="楷体" panose="02010609060101010101" pitchFamily="49" charset="-122"/>
@@ -4608,21 +4238,82 @@
                 <a:latin typeface="Ubuntu Mono" panose="020B0509030602030204" pitchFamily="49" charset="0"/>
                 <a:ea typeface="楷体" panose="02010609060101010101" pitchFamily="49" charset="-122"/>
               </a:rPr>
-              <a:t>关于</a:t>
+              <a:t>而后来发布的</a:t>
             </a:r>
             <a:r>
               <a:rPr lang="en-US" altLang="zh-CN" sz="1600">
                 <a:latin typeface="Ubuntu Mono" panose="020B0509030602030204" pitchFamily="49" charset="0"/>
                 <a:ea typeface="楷体" panose="02010609060101010101" pitchFamily="49" charset="-122"/>
               </a:rPr>
-              <a:t>HTTP/3</a:t>
+              <a:t>HTTP/2</a:t>
             </a:r>
             <a:r>
               <a:rPr lang="zh-CN" altLang="en-US" sz="1600">
                 <a:latin typeface="Ubuntu Mono" panose="020B0509030602030204" pitchFamily="49" charset="0"/>
                 <a:ea typeface="楷体" panose="02010609060101010101" pitchFamily="49" charset="-122"/>
               </a:rPr>
-              <a:t>，本人目前并没有太深入的研究。</a:t>
+              <a:t>则统一要求消息头字段小写，</a:t>
+            </a:r>
+            <a:r>
+              <a:rPr lang="en-US" altLang="zh-CN" sz="1600">
+                <a:latin typeface="Ubuntu Mono" panose="020B0509030602030204" pitchFamily="49" charset="0"/>
+                <a:ea typeface="楷体" panose="02010609060101010101" pitchFamily="49" charset="-122"/>
+              </a:rPr>
+              <a:t>node.js</a:t>
+            </a:r>
+            <a:r>
+              <a:rPr lang="zh-CN" altLang="en-US" sz="1600">
+                <a:latin typeface="Ubuntu Mono" panose="020B0509030602030204" pitchFamily="49" charset="0"/>
+                <a:ea typeface="楷体" panose="02010609060101010101" pitchFamily="49" charset="-122"/>
+              </a:rPr>
+              <a:t>在处理时，已经把所有消息头都转换成了小写，保证了一致性。</a:t>
+            </a:r>
+            <a:r>
+              <a:rPr lang="en-US" altLang="zh-CN" sz="1600">
+                <a:latin typeface="Ubuntu Mono" panose="020B0509030602030204" pitchFamily="49" charset="0"/>
+                <a:ea typeface="楷体" panose="02010609060101010101" pitchFamily="49" charset="-122"/>
+              </a:rPr>
+              <a:t> </a:t>
+            </a:r>
+          </a:p>
+          <a:p>
+            <a:pPr marL="285750" indent="-285750">
+              <a:lnSpc>
+                <a:spcPts val="2600"/>
+              </a:lnSpc>
+              <a:spcBef>
+                <a:spcPts val="1200"/>
+              </a:spcBef>
+              <a:buFont typeface="Arial" panose="020B0604020202020204" pitchFamily="34" charset="0"/>
+              <a:buChar char="•"/>
+            </a:pPr>
+            <a:r>
+              <a:rPr lang="en-US" altLang="zh-CN" sz="1600">
+                <a:latin typeface="Ubuntu Mono" panose="020B0509030602030204" pitchFamily="49" charset="0"/>
+                <a:ea typeface="楷体" panose="02010609060101010101" pitchFamily="49" charset="-122"/>
+              </a:rPr>
+              <a:t>HTTP/2</a:t>
+            </a:r>
+            <a:r>
+              <a:rPr lang="zh-CN" altLang="en-US" sz="1600">
+                <a:latin typeface="Ubuntu Mono" panose="020B0509030602030204" pitchFamily="49" charset="0"/>
+                <a:ea typeface="楷体" panose="02010609060101010101" pitchFamily="49" charset="-122"/>
+              </a:rPr>
+              <a:t>彻底改变了</a:t>
+            </a:r>
+            <a:r>
+              <a:rPr lang="en-US" altLang="zh-CN" sz="1600">
+                <a:latin typeface="Ubuntu Mono" panose="020B0509030602030204" pitchFamily="49" charset="0"/>
+                <a:ea typeface="楷体" panose="02010609060101010101" pitchFamily="49" charset="-122"/>
+              </a:rPr>
+              <a:t>HTTP/1.1</a:t>
+            </a:r>
+            <a:r>
+              <a:rPr lang="zh-CN" altLang="en-US" sz="1600">
+                <a:latin typeface="Ubuntu Mono" panose="020B0509030602030204" pitchFamily="49" charset="0"/>
+                <a:ea typeface="楷体" panose="02010609060101010101" pitchFamily="49" charset="-122"/>
+              </a:rPr>
+              <a:t>的传输方式，采用了二进制分帧层，简单来说，采用二进制的传输方式，使用帧来对数据分块：帧是设计好的固定消息头格式并携带数据。</a:t>
             </a:r>
             <a:endParaRPr lang="en-US" altLang="zh-CN" sz="1600">
               <a:latin typeface="Ubuntu Mono" panose="020B0509030602030204" pitchFamily="49" charset="0"/>
@@ -4635,6 +4326,645 @@
     <p:extLst>
       <p:ext uri="{BB962C8B-B14F-4D97-AF65-F5344CB8AC3E}">
         <p14:creationId xmlns:p14="http://schemas.microsoft.com/office/powerpoint/2010/main" val="933359811"/>
+      </p:ext>
+    </p:extLst>
+  </p:cSld>
+  <p:clrMapOvr>
+    <a:masterClrMapping/>
+  </p:clrMapOvr>
+</p:sld>
+</file>
+
+<file path=ppt/slides/slide14.xml><?xml version="1.0" encoding="utf-8"?>
+<p:sld xmlns:a="http://schemas.openxmlformats.org/drawingml/2006/main" xmlns:r="http://schemas.openxmlformats.org/officeDocument/2006/relationships" xmlns:p="http://schemas.openxmlformats.org/presentationml/2006/main">
+  <p:cSld>
+    <p:spTree>
+      <p:nvGrpSpPr>
+        <p:cNvPr id="1" name=""/>
+        <p:cNvGrpSpPr/>
+        <p:nvPr/>
+      </p:nvGrpSpPr>
+      <p:grpSpPr>
+        <a:xfrm>
+          <a:off x="0" y="0"/>
+          <a:ext cx="0" cy="0"/>
+          <a:chOff x="0" y="0"/>
+          <a:chExt cx="0" cy="0"/>
+        </a:xfrm>
+      </p:grpSpPr>
+      <p:sp>
+        <p:nvSpPr>
+          <p:cNvPr id="2" name="标题 1">
+            <a:extLst>
+              <a:ext uri="{FF2B5EF4-FFF2-40B4-BE49-F238E27FC236}">
+                <a16:creationId xmlns:a16="http://schemas.microsoft.com/office/drawing/2014/main" id="{A120AA4C-488A-4AAD-94EF-B1988083690E}"/>
+              </a:ext>
+            </a:extLst>
+          </p:cNvPr>
+          <p:cNvSpPr>
+            <a:spLocks noGrp="1"/>
+          </p:cNvSpPr>
+          <p:nvPr>
+            <p:ph type="title"/>
+          </p:nvPr>
+        </p:nvSpPr>
+        <p:spPr/>
+        <p:txBody>
+          <a:bodyPr/>
+          <a:lstStyle/>
+          <a:p>
+            <a:r>
+              <a:rPr lang="zh-CN" altLang="en-US"/>
+              <a:t>关于</a:t>
+            </a:r>
+            <a:r>
+              <a:rPr lang="en-US" altLang="zh-CN"/>
+              <a:t>HTTP</a:t>
+            </a:r>
+            <a:r>
+              <a:rPr lang="zh-CN" altLang="en-US"/>
+              <a:t>协议的扩展内容</a:t>
+            </a:r>
+          </a:p>
+        </p:txBody>
+      </p:sp>
+      <p:sp>
+        <p:nvSpPr>
+          <p:cNvPr id="5" name="文本框 4">
+            <a:extLst>
+              <a:ext uri="{FF2B5EF4-FFF2-40B4-BE49-F238E27FC236}">
+                <a16:creationId xmlns:a16="http://schemas.microsoft.com/office/drawing/2014/main" id="{795991E1-18EF-453A-BF81-7E19737D7E77}"/>
+              </a:ext>
+            </a:extLst>
+          </p:cNvPr>
+          <p:cNvSpPr txBox="1"/>
+          <p:nvPr/>
+        </p:nvSpPr>
+        <p:spPr>
+          <a:xfrm>
+            <a:off x="926797" y="1432641"/>
+            <a:ext cx="10658562" cy="4820166"/>
+          </a:xfrm>
+          <a:prstGeom prst="rect">
+            <a:avLst/>
+          </a:prstGeom>
+          <a:solidFill>
+            <a:schemeClr val="bg1">
+              <a:lumMod val="95000"/>
+            </a:schemeClr>
+          </a:solidFill>
+          <a:ln>
+            <a:noFill/>
+          </a:ln>
+          <a:effectLst>
+            <a:outerShdw blurRad="50800" dist="38100" dir="5400000" algn="t" rotWithShape="0">
+              <a:prstClr val="black">
+                <a:alpha val="40000"/>
+              </a:prstClr>
+            </a:outerShdw>
+          </a:effectLst>
+        </p:spPr>
+        <p:txBody>
+          <a:bodyPr wrap="square" rtlCol="0">
+            <a:spAutoFit/>
+          </a:bodyPr>
+          <a:lstStyle/>
+          <a:p>
+            <a:pPr marL="285750" indent="-285750">
+              <a:lnSpc>
+                <a:spcPts val="2600"/>
+              </a:lnSpc>
+              <a:spcBef>
+                <a:spcPts val="1200"/>
+              </a:spcBef>
+              <a:buFont typeface="Arial" panose="020B0604020202020204" pitchFamily="34" charset="0"/>
+              <a:buChar char="•"/>
+            </a:pPr>
+            <a:r>
+              <a:rPr lang="en-US" altLang="zh-CN" sz="1600">
+                <a:latin typeface="Ubuntu Mono" panose="020B0509030602030204" pitchFamily="49" charset="0"/>
+                <a:ea typeface="楷体" panose="02010609060101010101" pitchFamily="49" charset="-122"/>
+              </a:rPr>
+              <a:t>HTTP/2</a:t>
+            </a:r>
+            <a:r>
+              <a:rPr lang="zh-CN" altLang="en-US" sz="1600">
+                <a:latin typeface="Ubuntu Mono" panose="020B0509030602030204" pitchFamily="49" charset="0"/>
+                <a:ea typeface="楷体" panose="02010609060101010101" pitchFamily="49" charset="-122"/>
+              </a:rPr>
+              <a:t>的好处是一个连接可以处理很多个请求，因为每个帧都有一个流</a:t>
+            </a:r>
+            <a:r>
+              <a:rPr lang="en-US" altLang="zh-CN" sz="1600">
+                <a:latin typeface="Ubuntu Mono" panose="020B0509030602030204" pitchFamily="49" charset="0"/>
+                <a:ea typeface="楷体" panose="02010609060101010101" pitchFamily="49" charset="-122"/>
+              </a:rPr>
+              <a:t>ID</a:t>
+            </a:r>
+            <a:r>
+              <a:rPr lang="zh-CN" altLang="en-US" sz="1600">
+                <a:latin typeface="Ubuntu Mono" panose="020B0509030602030204" pitchFamily="49" charset="0"/>
+                <a:ea typeface="楷体" panose="02010609060101010101" pitchFamily="49" charset="-122"/>
+              </a:rPr>
+              <a:t>用于标识属于哪个流，一个流就是一个请求，这就是多路复用。在这里流是一个虚拟的概念，它的体现是帧的</a:t>
+            </a:r>
+            <a:r>
+              <a:rPr lang="en-US" altLang="zh-CN" sz="1600">
+                <a:latin typeface="Ubuntu Mono" panose="020B0509030602030204" pitchFamily="49" charset="0"/>
+                <a:ea typeface="楷体" panose="02010609060101010101" pitchFamily="49" charset="-122"/>
+              </a:rPr>
+              <a:t>Stream Identifier</a:t>
+            </a:r>
+            <a:r>
+              <a:rPr lang="zh-CN" altLang="en-US" sz="1600">
+                <a:latin typeface="Ubuntu Mono" panose="020B0509030602030204" pitchFamily="49" charset="0"/>
+                <a:ea typeface="楷体" panose="02010609060101010101" pitchFamily="49" charset="-122"/>
+              </a:rPr>
+              <a:t>（流</a:t>
+            </a:r>
+            <a:r>
+              <a:rPr lang="en-US" altLang="zh-CN" sz="1600">
+                <a:latin typeface="Ubuntu Mono" panose="020B0509030602030204" pitchFamily="49" charset="0"/>
+                <a:ea typeface="楷体" panose="02010609060101010101" pitchFamily="49" charset="-122"/>
+              </a:rPr>
+              <a:t>ID</a:t>
+            </a:r>
+            <a:r>
+              <a:rPr lang="zh-CN" altLang="en-US" sz="1600">
+                <a:latin typeface="Ubuntu Mono" panose="020B0509030602030204" pitchFamily="49" charset="0"/>
+                <a:ea typeface="楷体" panose="02010609060101010101" pitchFamily="49" charset="-122"/>
+              </a:rPr>
+              <a:t>）。</a:t>
+            </a:r>
+            <a:endParaRPr lang="en-US" altLang="zh-CN" sz="1600">
+              <a:latin typeface="Ubuntu Mono" panose="020B0509030602030204" pitchFamily="49" charset="0"/>
+              <a:ea typeface="楷体" panose="02010609060101010101" pitchFamily="49" charset="-122"/>
+            </a:endParaRPr>
+          </a:p>
+          <a:p>
+            <a:pPr marL="285750" indent="-285750">
+              <a:lnSpc>
+                <a:spcPts val="2600"/>
+              </a:lnSpc>
+              <a:spcBef>
+                <a:spcPts val="1200"/>
+              </a:spcBef>
+              <a:buFont typeface="Arial" panose="020B0604020202020204" pitchFamily="34" charset="0"/>
+              <a:buChar char="•"/>
+            </a:pPr>
+            <a:r>
+              <a:rPr lang="zh-CN" altLang="en-US" sz="1600">
+                <a:latin typeface="Ubuntu Mono" panose="020B0509030602030204" pitchFamily="49" charset="0"/>
+                <a:ea typeface="楷体" panose="02010609060101010101" pitchFamily="49" charset="-122"/>
+              </a:rPr>
+              <a:t>因为底层依赖的</a:t>
+            </a:r>
+            <a:r>
+              <a:rPr lang="en-US" altLang="zh-CN" sz="1600">
+                <a:latin typeface="Ubuntu Mono" panose="020B0509030602030204" pitchFamily="49" charset="0"/>
+                <a:ea typeface="楷体" panose="02010609060101010101" pitchFamily="49" charset="-122"/>
+              </a:rPr>
+              <a:t>TCP</a:t>
+            </a:r>
+            <a:r>
+              <a:rPr lang="zh-CN" altLang="en-US" sz="1600">
+                <a:latin typeface="Ubuntu Mono" panose="020B0509030602030204" pitchFamily="49" charset="0"/>
+                <a:ea typeface="楷体" panose="02010609060101010101" pitchFamily="49" charset="-122"/>
+              </a:rPr>
+              <a:t>协议的队头阻塞问题，</a:t>
+            </a:r>
+            <a:r>
+              <a:rPr lang="en-US" altLang="zh-CN" sz="1600">
+                <a:latin typeface="Ubuntu Mono" panose="020B0509030602030204" pitchFamily="49" charset="0"/>
+                <a:ea typeface="楷体" panose="02010609060101010101" pitchFamily="49" charset="-122"/>
+              </a:rPr>
+              <a:t>HTTP/2</a:t>
+            </a:r>
+            <a:r>
+              <a:rPr lang="zh-CN" altLang="en-US" sz="1600">
+                <a:latin typeface="Ubuntu Mono" panose="020B0509030602030204" pitchFamily="49" charset="0"/>
+                <a:ea typeface="楷体" panose="02010609060101010101" pitchFamily="49" charset="-122"/>
+              </a:rPr>
+              <a:t>仍然存在问题，因为在多路复用情况下，只有一个</a:t>
+            </a:r>
+            <a:r>
+              <a:rPr lang="en-US" altLang="zh-CN" sz="1600">
+                <a:latin typeface="Ubuntu Mono" panose="020B0509030602030204" pitchFamily="49" charset="0"/>
+                <a:ea typeface="楷体" panose="02010609060101010101" pitchFamily="49" charset="-122"/>
+              </a:rPr>
+              <a:t>TCP</a:t>
+            </a:r>
+            <a:r>
+              <a:rPr lang="zh-CN" altLang="en-US" sz="1600">
+                <a:latin typeface="Ubuntu Mono" panose="020B0509030602030204" pitchFamily="49" charset="0"/>
+                <a:ea typeface="楷体" panose="02010609060101010101" pitchFamily="49" charset="-122"/>
+              </a:rPr>
+              <a:t>连接，一个包丢失，会导致所有请求都要被阻塞。在网络环境比较差的情况下，</a:t>
+            </a:r>
+            <a:r>
+              <a:rPr lang="en-US" altLang="zh-CN" sz="1600">
+                <a:latin typeface="Ubuntu Mono" panose="020B0509030602030204" pitchFamily="49" charset="0"/>
+                <a:ea typeface="楷体" panose="02010609060101010101" pitchFamily="49" charset="-122"/>
+              </a:rPr>
+              <a:t>HTTP/2</a:t>
+            </a:r>
+            <a:r>
+              <a:rPr lang="zh-CN" altLang="en-US" sz="1600">
+                <a:latin typeface="Ubuntu Mono" panose="020B0509030602030204" pitchFamily="49" charset="0"/>
+                <a:ea typeface="楷体" panose="02010609060101010101" pitchFamily="49" charset="-122"/>
+              </a:rPr>
+              <a:t>比</a:t>
+            </a:r>
+            <a:r>
+              <a:rPr lang="en-US" altLang="zh-CN" sz="1600">
+                <a:latin typeface="Ubuntu Mono" panose="020B0509030602030204" pitchFamily="49" charset="0"/>
+                <a:ea typeface="楷体" panose="02010609060101010101" pitchFamily="49" charset="-122"/>
+              </a:rPr>
+              <a:t>HTTP/1.1</a:t>
+            </a:r>
+            <a:r>
+              <a:rPr lang="zh-CN" altLang="en-US" sz="1600">
+                <a:latin typeface="Ubuntu Mono" panose="020B0509030602030204" pitchFamily="49" charset="0"/>
+                <a:ea typeface="楷体" panose="02010609060101010101" pitchFamily="49" charset="-122"/>
+              </a:rPr>
+              <a:t>慢，实际体验可能非常差。在网络好的环境下，</a:t>
+            </a:r>
+            <a:r>
+              <a:rPr lang="en-US" altLang="zh-CN" sz="1600">
+                <a:latin typeface="Ubuntu Mono" panose="020B0509030602030204" pitchFamily="49" charset="0"/>
+                <a:ea typeface="楷体" panose="02010609060101010101" pitchFamily="49" charset="-122"/>
+              </a:rPr>
+              <a:t>HTTP/2</a:t>
+            </a:r>
+            <a:r>
+              <a:rPr lang="zh-CN" altLang="en-US" sz="1600">
+                <a:latin typeface="Ubuntu Mono" panose="020B0509030602030204" pitchFamily="49" charset="0"/>
+                <a:ea typeface="楷体" panose="02010609060101010101" pitchFamily="49" charset="-122"/>
+              </a:rPr>
+              <a:t>的传输效率比</a:t>
+            </a:r>
+            <a:r>
+              <a:rPr lang="en-US" altLang="zh-CN" sz="1600">
+                <a:latin typeface="Ubuntu Mono" panose="020B0509030602030204" pitchFamily="49" charset="0"/>
+                <a:ea typeface="楷体" panose="02010609060101010101" pitchFamily="49" charset="-122"/>
+              </a:rPr>
+              <a:t>HTTP/1.1</a:t>
+            </a:r>
+            <a:r>
+              <a:rPr lang="zh-CN" altLang="en-US" sz="1600">
+                <a:latin typeface="Ubuntu Mono" panose="020B0509030602030204" pitchFamily="49" charset="0"/>
+                <a:ea typeface="楷体" panose="02010609060101010101" pitchFamily="49" charset="-122"/>
+              </a:rPr>
+              <a:t>高很多。</a:t>
+            </a:r>
+            <a:endParaRPr lang="en-US" altLang="zh-CN" sz="1600">
+              <a:latin typeface="Ubuntu Mono" panose="020B0509030602030204" pitchFamily="49" charset="0"/>
+              <a:ea typeface="楷体" panose="02010609060101010101" pitchFamily="49" charset="-122"/>
+            </a:endParaRPr>
+          </a:p>
+          <a:p>
+            <a:pPr marL="285750" indent="-285750">
+              <a:lnSpc>
+                <a:spcPts val="2600"/>
+              </a:lnSpc>
+              <a:spcBef>
+                <a:spcPts val="1200"/>
+              </a:spcBef>
+              <a:buFont typeface="Arial" panose="020B0604020202020204" pitchFamily="34" charset="0"/>
+              <a:buChar char="•"/>
+            </a:pPr>
+            <a:endParaRPr lang="en-US" altLang="zh-CN" sz="1600">
+              <a:latin typeface="Ubuntu Mono" panose="020B0509030602030204" pitchFamily="49" charset="0"/>
+              <a:ea typeface="楷体" panose="02010609060101010101" pitchFamily="49" charset="-122"/>
+            </a:endParaRPr>
+          </a:p>
+          <a:p>
+            <a:pPr marL="285750" indent="-285750">
+              <a:lnSpc>
+                <a:spcPts val="2600"/>
+              </a:lnSpc>
+              <a:spcBef>
+                <a:spcPts val="1200"/>
+              </a:spcBef>
+              <a:buFont typeface="Arial" panose="020B0604020202020204" pitchFamily="34" charset="0"/>
+              <a:buChar char="•"/>
+            </a:pPr>
+            <a:r>
+              <a:rPr lang="zh-CN" altLang="en-US" sz="1600">
+                <a:latin typeface="Ubuntu Mono" panose="020B0509030602030204" pitchFamily="49" charset="0"/>
+                <a:ea typeface="楷体" panose="02010609060101010101" pitchFamily="49" charset="-122"/>
+              </a:rPr>
+              <a:t>另一个问题是，</a:t>
+            </a:r>
+            <a:r>
+              <a:rPr lang="en-US" altLang="zh-CN" sz="1600">
+                <a:latin typeface="Ubuntu Mono" panose="020B0509030602030204" pitchFamily="49" charset="0"/>
+                <a:ea typeface="楷体" panose="02010609060101010101" pitchFamily="49" charset="-122"/>
+              </a:rPr>
+              <a:t>HTTP/2</a:t>
+            </a:r>
+            <a:r>
+              <a:rPr lang="zh-CN" altLang="en-US" sz="1600">
+                <a:latin typeface="Ubuntu Mono" panose="020B0509030602030204" pitchFamily="49" charset="0"/>
+                <a:ea typeface="楷体" panose="02010609060101010101" pitchFamily="49" charset="-122"/>
+              </a:rPr>
+              <a:t>的请求方式和</a:t>
+            </a:r>
+            <a:r>
+              <a:rPr lang="en-US" altLang="zh-CN" sz="1600">
+                <a:latin typeface="Ubuntu Mono" panose="020B0509030602030204" pitchFamily="49" charset="0"/>
+                <a:ea typeface="楷体" panose="02010609060101010101" pitchFamily="49" charset="-122"/>
+              </a:rPr>
+              <a:t>HTTP/1.1</a:t>
+            </a:r>
+            <a:r>
+              <a:rPr lang="zh-CN" altLang="en-US" sz="1600">
+                <a:latin typeface="Ubuntu Mono" panose="020B0509030602030204" pitchFamily="49" charset="0"/>
+                <a:ea typeface="楷体" panose="02010609060101010101" pitchFamily="49" charset="-122"/>
+              </a:rPr>
+              <a:t>不同，这导致在</a:t>
+            </a:r>
+            <a:r>
+              <a:rPr lang="en-US" altLang="zh-CN" sz="1600">
+                <a:latin typeface="Ubuntu Mono" panose="020B0509030602030204" pitchFamily="49" charset="0"/>
+                <a:ea typeface="楷体" panose="02010609060101010101" pitchFamily="49" charset="-122"/>
+              </a:rPr>
+              <a:t>HTTP/2</a:t>
+            </a:r>
+            <a:r>
+              <a:rPr lang="zh-CN" altLang="en-US" sz="1600">
+                <a:latin typeface="Ubuntu Mono" panose="020B0509030602030204" pitchFamily="49" charset="0"/>
+                <a:ea typeface="楷体" panose="02010609060101010101" pitchFamily="49" charset="-122"/>
+              </a:rPr>
+              <a:t>中，会集中发送很多流，服务端的限流措施通常都要修改。对于小站点来说，使用</a:t>
+            </a:r>
+            <a:r>
+              <a:rPr lang="en-US" altLang="zh-CN" sz="1600">
+                <a:latin typeface="Ubuntu Mono" panose="020B0509030602030204" pitchFamily="49" charset="0"/>
+                <a:ea typeface="楷体" panose="02010609060101010101" pitchFamily="49" charset="-122"/>
+              </a:rPr>
+              <a:t>HTTP/2</a:t>
+            </a:r>
+            <a:r>
+              <a:rPr lang="zh-CN" altLang="en-US" sz="1600">
+                <a:latin typeface="Ubuntu Mono" panose="020B0509030602030204" pitchFamily="49" charset="0"/>
+                <a:ea typeface="楷体" panose="02010609060101010101" pitchFamily="49" charset="-122"/>
+              </a:rPr>
+              <a:t>更容易遭受到</a:t>
+            </a:r>
+            <a:r>
+              <a:rPr lang="en-US" altLang="zh-CN" sz="1600">
+                <a:latin typeface="Ubuntu Mono" panose="020B0509030602030204" pitchFamily="49" charset="0"/>
+                <a:ea typeface="楷体" panose="02010609060101010101" pitchFamily="49" charset="-122"/>
+              </a:rPr>
+              <a:t>DDOS</a:t>
+            </a:r>
+            <a:r>
+              <a:rPr lang="zh-CN" altLang="en-US" sz="1600">
+                <a:latin typeface="Ubuntu Mono" panose="020B0509030602030204" pitchFamily="49" charset="0"/>
+                <a:ea typeface="楷体" panose="02010609060101010101" pitchFamily="49" charset="-122"/>
+              </a:rPr>
+              <a:t>攻击。然而这个问题，很少有人注意到。</a:t>
+            </a:r>
+            <a:endParaRPr lang="en-US" altLang="zh-CN" sz="1600">
+              <a:latin typeface="Ubuntu Mono" panose="020B0509030602030204" pitchFamily="49" charset="0"/>
+              <a:ea typeface="楷体" panose="02010609060101010101" pitchFamily="49" charset="-122"/>
+            </a:endParaRPr>
+          </a:p>
+          <a:p>
+            <a:pPr marL="285750" indent="-285750">
+              <a:lnSpc>
+                <a:spcPts val="2600"/>
+              </a:lnSpc>
+              <a:spcBef>
+                <a:spcPts val="1200"/>
+              </a:spcBef>
+              <a:buFont typeface="Arial" panose="020B0604020202020204" pitchFamily="34" charset="0"/>
+              <a:buChar char="•"/>
+            </a:pPr>
+            <a:endParaRPr lang="en-US" altLang="zh-CN" sz="1600">
+              <a:latin typeface="Ubuntu Mono" panose="020B0509030602030204" pitchFamily="49" charset="0"/>
+              <a:ea typeface="楷体" panose="02010609060101010101" pitchFamily="49" charset="-122"/>
+            </a:endParaRPr>
+          </a:p>
+          <a:p>
+            <a:pPr marL="285750" indent="-285750">
+              <a:lnSpc>
+                <a:spcPts val="2600"/>
+              </a:lnSpc>
+              <a:spcBef>
+                <a:spcPts val="1200"/>
+              </a:spcBef>
+              <a:buFont typeface="Arial" panose="020B0604020202020204" pitchFamily="34" charset="0"/>
+              <a:buChar char="•"/>
+            </a:pPr>
+            <a:r>
+              <a:rPr lang="en-US" altLang="zh-CN" sz="1600">
+                <a:latin typeface="Ubuntu Mono" panose="020B0509030602030204" pitchFamily="49" charset="0"/>
+                <a:ea typeface="楷体" panose="02010609060101010101" pitchFamily="49" charset="-122"/>
+              </a:rPr>
+              <a:t>HTTP/2</a:t>
+            </a:r>
+            <a:r>
+              <a:rPr lang="zh-CN" altLang="en-US" sz="1600">
+                <a:latin typeface="Ubuntu Mono" panose="020B0509030602030204" pitchFamily="49" charset="0"/>
+                <a:ea typeface="楷体" panose="02010609060101010101" pitchFamily="49" charset="-122"/>
+              </a:rPr>
+              <a:t>是从</a:t>
+            </a:r>
+            <a:r>
+              <a:rPr lang="en-US" altLang="zh-CN" sz="1600">
+                <a:latin typeface="Ubuntu Mono" panose="020B0509030602030204" pitchFamily="49" charset="0"/>
+                <a:ea typeface="楷体" panose="02010609060101010101" pitchFamily="49" charset="-122"/>
+              </a:rPr>
+              <a:t>Google</a:t>
+            </a:r>
+            <a:r>
+              <a:rPr lang="zh-CN" altLang="en-US" sz="1600">
+                <a:latin typeface="Ubuntu Mono" panose="020B0509030602030204" pitchFamily="49" charset="0"/>
+                <a:ea typeface="楷体" panose="02010609060101010101" pitchFamily="49" charset="-122"/>
+              </a:rPr>
+              <a:t>发明的</a:t>
+            </a:r>
+            <a:r>
+              <a:rPr lang="en-US" altLang="zh-CN" sz="1600">
+                <a:latin typeface="Ubuntu Mono" panose="020B0509030602030204" pitchFamily="49" charset="0"/>
+                <a:ea typeface="楷体" panose="02010609060101010101" pitchFamily="49" charset="-122"/>
+              </a:rPr>
+              <a:t>SPDY</a:t>
+            </a:r>
+            <a:r>
+              <a:rPr lang="zh-CN" altLang="en-US" sz="1600">
+                <a:latin typeface="Ubuntu Mono" panose="020B0509030602030204" pitchFamily="49" charset="0"/>
+                <a:ea typeface="楷体" panose="02010609060101010101" pitchFamily="49" charset="-122"/>
+              </a:rPr>
+              <a:t>协议发展而来的，而</a:t>
+            </a:r>
+            <a:r>
+              <a:rPr lang="en-US" altLang="zh-CN" sz="1600">
+                <a:latin typeface="Ubuntu Mono" panose="020B0509030602030204" pitchFamily="49" charset="0"/>
+                <a:ea typeface="楷体" panose="02010609060101010101" pitchFamily="49" charset="-122"/>
+              </a:rPr>
+              <a:t>Google</a:t>
+            </a:r>
+            <a:r>
+              <a:rPr lang="zh-CN" altLang="en-US" sz="1600">
+                <a:latin typeface="Ubuntu Mono" panose="020B0509030602030204" pitchFamily="49" charset="0"/>
+                <a:ea typeface="楷体" panose="02010609060101010101" pitchFamily="49" charset="-122"/>
+              </a:rPr>
+              <a:t>并没有在</a:t>
+            </a:r>
+            <a:r>
+              <a:rPr lang="en-US" altLang="zh-CN" sz="1600">
+                <a:latin typeface="Ubuntu Mono" panose="020B0509030602030204" pitchFamily="49" charset="0"/>
+                <a:ea typeface="楷体" panose="02010609060101010101" pitchFamily="49" charset="-122"/>
+              </a:rPr>
+              <a:t>HTTP/2</a:t>
+            </a:r>
+            <a:r>
+              <a:rPr lang="zh-CN" altLang="en-US" sz="1600">
+                <a:latin typeface="Ubuntu Mono" panose="020B0509030602030204" pitchFamily="49" charset="0"/>
+                <a:ea typeface="楷体" panose="02010609060101010101" pitchFamily="49" charset="-122"/>
+              </a:rPr>
+              <a:t>停留太久，投入到了</a:t>
+            </a:r>
+            <a:r>
+              <a:rPr lang="en-US" altLang="zh-CN" sz="1600">
+                <a:latin typeface="Ubuntu Mono" panose="020B0509030602030204" pitchFamily="49" charset="0"/>
+                <a:ea typeface="楷体" panose="02010609060101010101" pitchFamily="49" charset="-122"/>
+              </a:rPr>
+              <a:t>HTTP/3</a:t>
+            </a:r>
+            <a:r>
+              <a:rPr lang="zh-CN" altLang="en-US" sz="1600">
+                <a:latin typeface="Ubuntu Mono" panose="020B0509030602030204" pitchFamily="49" charset="0"/>
+                <a:ea typeface="楷体" panose="02010609060101010101" pitchFamily="49" charset="-122"/>
+              </a:rPr>
+              <a:t>的工作中，</a:t>
+            </a:r>
+            <a:r>
+              <a:rPr lang="en-US" altLang="zh-CN" sz="1600">
+                <a:latin typeface="Ubuntu Mono" panose="020B0509030602030204" pitchFamily="49" charset="0"/>
+                <a:ea typeface="楷体" panose="02010609060101010101" pitchFamily="49" charset="-122"/>
+              </a:rPr>
+              <a:t>HTTP/3</a:t>
+            </a:r>
+            <a:r>
+              <a:rPr lang="zh-CN" altLang="en-US" sz="1600">
+                <a:latin typeface="Ubuntu Mono" panose="020B0509030602030204" pitchFamily="49" charset="0"/>
+                <a:ea typeface="楷体" panose="02010609060101010101" pitchFamily="49" charset="-122"/>
+              </a:rPr>
+              <a:t>底层传输采用了</a:t>
+            </a:r>
+            <a:r>
+              <a:rPr lang="en-US" altLang="zh-CN" sz="1600">
+                <a:latin typeface="Ubuntu Mono" panose="020B0509030602030204" pitchFamily="49" charset="0"/>
+                <a:ea typeface="楷体" panose="02010609060101010101" pitchFamily="49" charset="-122"/>
+              </a:rPr>
+              <a:t>QUIC</a:t>
+            </a:r>
+            <a:r>
+              <a:rPr lang="zh-CN" altLang="en-US" sz="1600">
+                <a:latin typeface="Ubuntu Mono" panose="020B0509030602030204" pitchFamily="49" charset="0"/>
+                <a:ea typeface="楷体" panose="02010609060101010101" pitchFamily="49" charset="-122"/>
+              </a:rPr>
+              <a:t>协议，</a:t>
+            </a:r>
+            <a:r>
+              <a:rPr lang="en-US" altLang="zh-CN" sz="1600">
+                <a:latin typeface="Ubuntu Mono" panose="020B0509030602030204" pitchFamily="49" charset="0"/>
+                <a:ea typeface="楷体" panose="02010609060101010101" pitchFamily="49" charset="-122"/>
+              </a:rPr>
+              <a:t>QUIC</a:t>
+            </a:r>
+            <a:r>
+              <a:rPr lang="zh-CN" altLang="en-US" sz="1600">
+                <a:latin typeface="Ubuntu Mono" panose="020B0509030602030204" pitchFamily="49" charset="0"/>
+                <a:ea typeface="楷体" panose="02010609060101010101" pitchFamily="49" charset="-122"/>
+              </a:rPr>
+              <a:t>是</a:t>
+            </a:r>
+            <a:r>
+              <a:rPr lang="en-US" altLang="zh-CN" sz="1600">
+                <a:latin typeface="Ubuntu Mono" panose="020B0509030602030204" pitchFamily="49" charset="0"/>
+                <a:ea typeface="楷体" panose="02010609060101010101" pitchFamily="49" charset="-122"/>
+              </a:rPr>
+              <a:t>Google</a:t>
+            </a:r>
+            <a:r>
+              <a:rPr lang="zh-CN" altLang="en-US" sz="1600">
+                <a:latin typeface="Ubuntu Mono" panose="020B0509030602030204" pitchFamily="49" charset="0"/>
+                <a:ea typeface="楷体" panose="02010609060101010101" pitchFamily="49" charset="-122"/>
+              </a:rPr>
+              <a:t>基于</a:t>
+            </a:r>
+            <a:r>
+              <a:rPr lang="en-US" altLang="zh-CN" sz="1600">
+                <a:latin typeface="Ubuntu Mono" panose="020B0509030602030204" pitchFamily="49" charset="0"/>
+                <a:ea typeface="楷体" panose="02010609060101010101" pitchFamily="49" charset="-122"/>
+              </a:rPr>
+              <a:t>UDP</a:t>
+            </a:r>
+            <a:r>
+              <a:rPr lang="zh-CN" altLang="en-US" sz="1600">
+                <a:latin typeface="Ubuntu Mono" panose="020B0509030602030204" pitchFamily="49" charset="0"/>
+                <a:ea typeface="楷体" panose="02010609060101010101" pitchFamily="49" charset="-122"/>
+              </a:rPr>
+              <a:t>协议开发的可靠传输协议。目前</a:t>
+            </a:r>
+            <a:r>
+              <a:rPr lang="en-US" altLang="zh-CN" sz="1600">
+                <a:latin typeface="Ubuntu Mono" panose="020B0509030602030204" pitchFamily="49" charset="0"/>
+                <a:ea typeface="楷体" panose="02010609060101010101" pitchFamily="49" charset="-122"/>
+              </a:rPr>
+              <a:t>HTTP/3</a:t>
+            </a:r>
+            <a:r>
+              <a:rPr lang="zh-CN" altLang="en-US" sz="1600">
+                <a:latin typeface="Ubuntu Mono" panose="020B0509030602030204" pitchFamily="49" charset="0"/>
+                <a:ea typeface="楷体" panose="02010609060101010101" pitchFamily="49" charset="-122"/>
+              </a:rPr>
+              <a:t>并没有正式发布标准文档，国内一些互联网公司在内部服务上也已经有</a:t>
+            </a:r>
+            <a:r>
+              <a:rPr lang="en-US" altLang="zh-CN" sz="1600">
+                <a:latin typeface="Ubuntu Mono" panose="020B0509030602030204" pitchFamily="49" charset="0"/>
+                <a:ea typeface="楷体" panose="02010609060101010101" pitchFamily="49" charset="-122"/>
+              </a:rPr>
+              <a:t>QUIC</a:t>
+            </a:r>
+            <a:r>
+              <a:rPr lang="zh-CN" altLang="en-US" sz="1600">
+                <a:latin typeface="Ubuntu Mono" panose="020B0509030602030204" pitchFamily="49" charset="0"/>
+                <a:ea typeface="楷体" panose="02010609060101010101" pitchFamily="49" charset="-122"/>
+              </a:rPr>
+              <a:t>和</a:t>
+            </a:r>
+            <a:r>
+              <a:rPr lang="en-US" altLang="zh-CN" sz="1600">
+                <a:latin typeface="Ubuntu Mono" panose="020B0509030602030204" pitchFamily="49" charset="0"/>
+                <a:ea typeface="楷体" panose="02010609060101010101" pitchFamily="49" charset="-122"/>
+              </a:rPr>
+              <a:t>HTTP/3</a:t>
+            </a:r>
+            <a:r>
+              <a:rPr lang="zh-CN" altLang="en-US" sz="1600">
+                <a:latin typeface="Ubuntu Mono" panose="020B0509030602030204" pitchFamily="49" charset="0"/>
+                <a:ea typeface="楷体" panose="02010609060101010101" pitchFamily="49" charset="-122"/>
+              </a:rPr>
+              <a:t>的测试和使用了。</a:t>
+            </a:r>
+            <a:endParaRPr lang="en-US" altLang="zh-CN" sz="1600">
+              <a:latin typeface="Ubuntu Mono" panose="020B0509030602030204" pitchFamily="49" charset="0"/>
+              <a:ea typeface="楷体" panose="02010609060101010101" pitchFamily="49" charset="-122"/>
+            </a:endParaRPr>
+          </a:p>
+        </p:txBody>
+      </p:sp>
+    </p:spTree>
+    <p:extLst>
+      <p:ext uri="{BB962C8B-B14F-4D97-AF65-F5344CB8AC3E}">
+        <p14:creationId xmlns:p14="http://schemas.microsoft.com/office/powerpoint/2010/main" val="3801240839"/>
       </p:ext>
     </p:extLst>
   </p:cSld>

--- a/materials/ch07/ch07-搭建完整的后台服务.pptx
+++ b/materials/ch07/ch07-搭建完整的后台服务.pptx
@@ -551,7 +551,7 @@
           <a:p>
             <a:fld id="{10955001-8E90-43AD-87AF-166875BDDBE4}" type="datetimeFigureOut">
               <a:rPr lang="zh-CN" altLang="en-US" smtClean="0"/>
-              <a:t>2020/9/2</a:t>
+              <a:t>2020/9/28</a:t>
             </a:fld>
             <a:endParaRPr lang="zh-CN" altLang="en-US"/>
           </a:p>
@@ -783,7 +783,7 @@
           <a:p>
             <a:fld id="{10955001-8E90-43AD-87AF-166875BDDBE4}" type="datetimeFigureOut">
               <a:rPr lang="zh-CN" altLang="en-US" smtClean="0"/>
-              <a:t>2020/9/2</a:t>
+              <a:t>2020/9/28</a:t>
             </a:fld>
             <a:endParaRPr lang="zh-CN" altLang="en-US"/>
           </a:p>
@@ -1281,7 +1281,7 @@
           <a:p>
             <a:fld id="{10955001-8E90-43AD-87AF-166875BDDBE4}" type="datetimeFigureOut">
               <a:rPr lang="zh-CN" altLang="en-US" smtClean="0"/>
-              <a:t>2020/9/2</a:t>
+              <a:t>2020/9/28</a:t>
             </a:fld>
             <a:endParaRPr lang="zh-CN" altLang="en-US"/>
           </a:p>
@@ -1710,7 +1710,7 @@
           <a:p>
             <a:fld id="{10955001-8E90-43AD-87AF-166875BDDBE4}" type="datetimeFigureOut">
               <a:rPr lang="zh-CN" altLang="en-US" smtClean="0"/>
-              <a:t>2020/9/2</a:t>
+              <a:t>2020/9/28</a:t>
             </a:fld>
             <a:endParaRPr lang="zh-CN" altLang="en-US"/>
           </a:p>
@@ -2227,7 +2227,7 @@
           <a:p>
             <a:fld id="{10955001-8E90-43AD-87AF-166875BDDBE4}" type="datetimeFigureOut">
               <a:rPr lang="zh-CN" altLang="en-US" smtClean="0"/>
-              <a:t>2020/9/2</a:t>
+              <a:t>2020/9/28</a:t>
             </a:fld>
             <a:endParaRPr lang="zh-CN" altLang="en-US"/>
           </a:p>
@@ -2687,7 +2687,7 @@
           <a:p>
             <a:fld id="{10955001-8E90-43AD-87AF-166875BDDBE4}" type="datetimeFigureOut">
               <a:rPr lang="zh-CN" altLang="en-US" smtClean="0"/>
-              <a:t>2020/9/2</a:t>
+              <a:t>2020/9/28</a:t>
             </a:fld>
             <a:endParaRPr lang="zh-CN" altLang="en-US"/>
           </a:p>
@@ -2999,7 +2999,7 @@
           <a:p>
             <a:fld id="{10955001-8E90-43AD-87AF-166875BDDBE4}" type="datetimeFigureOut">
               <a:rPr lang="zh-CN" altLang="en-US" smtClean="0"/>
-              <a:t>2020/9/2</a:t>
+              <a:t>2020/9/28</a:t>
             </a:fld>
             <a:endParaRPr lang="zh-CN" altLang="en-US"/>
           </a:p>
@@ -4812,21 +4812,7 @@
                 <a:latin typeface="Ubuntu Mono" panose="020B0509030602030204" pitchFamily="49" charset="0"/>
                 <a:ea typeface="楷体" panose="02010609060101010101" pitchFamily="49" charset="-122"/>
               </a:rPr>
-              <a:t>并没有在</a:t>
-            </a:r>
-            <a:r>
-              <a:rPr lang="en-US" altLang="zh-CN" sz="1600">
-                <a:latin typeface="Ubuntu Mono" panose="020B0509030602030204" pitchFamily="49" charset="0"/>
-                <a:ea typeface="楷体" panose="02010609060101010101" pitchFamily="49" charset="-122"/>
-              </a:rPr>
-              <a:t>HTTP/2</a:t>
-            </a:r>
-            <a:r>
-              <a:rPr lang="zh-CN" altLang="en-US" sz="1600">
-                <a:latin typeface="Ubuntu Mono" panose="020B0509030602030204" pitchFamily="49" charset="0"/>
-                <a:ea typeface="楷体" panose="02010609060101010101" pitchFamily="49" charset="-122"/>
-              </a:rPr>
-              <a:t>停留太久，投入到了</a:t>
+              <a:t>在这之后马上投入到了</a:t>
             </a:r>
             <a:r>
               <a:rPr lang="en-US" altLang="zh-CN" sz="1600">
